--- a/ppt-presentation.pptx
+++ b/ppt-presentation.pptx
@@ -14,7 +14,9 @@
     <p:sldId id="260" r:id="rId8"/>
     <p:sldId id="290" r:id="rId9"/>
     <p:sldId id="319" r:id="rId10"/>
-    <p:sldId id="273" r:id="rId11"/>
+    <p:sldId id="320" r:id="rId11"/>
+    <p:sldId id="321" r:id="rId12"/>
+    <p:sldId id="273" r:id="rId13"/>
   </p:sldIdLst>
   <p:sldSz cx="9144000" cy="6858000" type="screen4x3"/>
   <p:notesSz cx="6858000" cy="9144000"/>
@@ -310,7 +312,7 @@
           <a:p>
             <a:fld id="{9C3C61E7-77AA-4158-9F53-DC3032DBB365}" type="datetimeFigureOut">
               <a:rPr lang="en-US" smtClean="0"/>
-              <a:t>18/11/2020</a:t>
+              <a:t>19/11/2020</a:t>
             </a:fld>
             <a:endParaRPr lang="en-US"/>
           </a:p>
@@ -475,7 +477,7 @@
           <a:p>
             <a:fld id="{9C3C61E7-77AA-4158-9F53-DC3032DBB365}" type="datetimeFigureOut">
               <a:rPr lang="en-US" smtClean="0"/>
-              <a:t>18/11/2020</a:t>
+              <a:t>19/11/2020</a:t>
             </a:fld>
             <a:endParaRPr lang="en-US"/>
           </a:p>
@@ -650,7 +652,7 @@
           <a:p>
             <a:fld id="{9C3C61E7-77AA-4158-9F53-DC3032DBB365}" type="datetimeFigureOut">
               <a:rPr lang="en-US" smtClean="0"/>
-              <a:t>18/11/2020</a:t>
+              <a:t>19/11/2020</a:t>
             </a:fld>
             <a:endParaRPr lang="en-US"/>
           </a:p>
@@ -815,7 +817,7 @@
           <a:p>
             <a:fld id="{9C3C61E7-77AA-4158-9F53-DC3032DBB365}" type="datetimeFigureOut">
               <a:rPr lang="en-US" smtClean="0"/>
-              <a:t>18/11/2020</a:t>
+              <a:t>19/11/2020</a:t>
             </a:fld>
             <a:endParaRPr lang="en-US"/>
           </a:p>
@@ -1056,7 +1058,7 @@
           <a:p>
             <a:fld id="{9C3C61E7-77AA-4158-9F53-DC3032DBB365}" type="datetimeFigureOut">
               <a:rPr lang="en-US" smtClean="0"/>
-              <a:t>18/11/2020</a:t>
+              <a:t>19/11/2020</a:t>
             </a:fld>
             <a:endParaRPr lang="en-US"/>
           </a:p>
@@ -1339,7 +1341,7 @@
           <a:p>
             <a:fld id="{9C3C61E7-77AA-4158-9F53-DC3032DBB365}" type="datetimeFigureOut">
               <a:rPr lang="en-US" smtClean="0"/>
-              <a:t>18/11/2020</a:t>
+              <a:t>19/11/2020</a:t>
             </a:fld>
             <a:endParaRPr lang="en-US"/>
           </a:p>
@@ -1768,7 +1770,7 @@
           <a:p>
             <a:fld id="{9C3C61E7-77AA-4158-9F53-DC3032DBB365}" type="datetimeFigureOut">
               <a:rPr lang="en-US" smtClean="0"/>
-              <a:t>18/11/2020</a:t>
+              <a:t>19/11/2020</a:t>
             </a:fld>
             <a:endParaRPr lang="en-US"/>
           </a:p>
@@ -1881,7 +1883,7 @@
           <a:p>
             <a:fld id="{9C3C61E7-77AA-4158-9F53-DC3032DBB365}" type="datetimeFigureOut">
               <a:rPr lang="en-US" smtClean="0"/>
-              <a:t>18/11/2020</a:t>
+              <a:t>19/11/2020</a:t>
             </a:fld>
             <a:endParaRPr lang="en-US"/>
           </a:p>
@@ -1971,7 +1973,7 @@
           <a:p>
             <a:fld id="{9C3C61E7-77AA-4158-9F53-DC3032DBB365}" type="datetimeFigureOut">
               <a:rPr lang="en-US" smtClean="0"/>
-              <a:t>18/11/2020</a:t>
+              <a:t>19/11/2020</a:t>
             </a:fld>
             <a:endParaRPr lang="en-US"/>
           </a:p>
@@ -2160,7 +2162,7 @@
           <a:p>
             <a:fld id="{9C3C61E7-77AA-4158-9F53-DC3032DBB365}" type="datetimeFigureOut">
               <a:rPr lang="en-US" smtClean="0"/>
-              <a:t>18/11/2020</a:t>
+              <a:t>19/11/2020</a:t>
             </a:fld>
             <a:endParaRPr lang="en-US"/>
           </a:p>
@@ -2478,7 +2480,7 @@
           <a:p>
             <a:fld id="{9C3C61E7-77AA-4158-9F53-DC3032DBB365}" type="datetimeFigureOut">
               <a:rPr lang="en-US" smtClean="0"/>
-              <a:t>18/11/2020</a:t>
+              <a:t>19/11/2020</a:t>
             </a:fld>
             <a:endParaRPr lang="en-US"/>
           </a:p>
@@ -2857,7 +2859,7 @@
           <a:p>
             <a:fld id="{9C3C61E7-77AA-4158-9F53-DC3032DBB365}" type="datetimeFigureOut">
               <a:rPr lang="en-US" smtClean="0"/>
-              <a:t>18/11/2020</a:t>
+              <a:t>19/11/2020</a:t>
             </a:fld>
             <a:endParaRPr lang="en-US"/>
           </a:p>
@@ -4645,6 +4647,1107 @@
           <a:chExt cx="0" cy="0"/>
         </a:xfrm>
       </p:grpSpPr>
+      <p:sp>
+        <p:nvSpPr>
+          <p:cNvPr id="4" name="Title 1"/>
+          <p:cNvSpPr txBox="1">
+            <a:spLocks/>
+          </p:cNvSpPr>
+          <p:nvPr/>
+        </p:nvSpPr>
+        <p:spPr>
+          <a:xfrm>
+            <a:off x="533400" y="228600"/>
+            <a:ext cx="7620000" cy="1143000"/>
+          </a:xfrm>
+          <a:prstGeom prst="rect">
+            <a:avLst/>
+          </a:prstGeom>
+        </p:spPr>
+        <p:txBody>
+          <a:bodyPr vert="horz" lIns="91440" tIns="45720" rIns="91440" bIns="45720" rtlCol="0" anchor="ctr">
+            <a:noAutofit/>
+          </a:bodyPr>
+          <a:lstStyle>
+            <a:lvl1pPr algn="l" defTabSz="914400" rtl="0" eaLnBrk="1" latinLnBrk="0" hangingPunct="1">
+              <a:spcBef>
+                <a:spcPct val="0"/>
+              </a:spcBef>
+              <a:buNone/>
+              <a:defRPr sz="4600" kern="1200" cap="none" spc="-100" baseline="0">
+                <a:ln>
+                  <a:noFill/>
+                </a:ln>
+                <a:solidFill>
+                  <a:schemeClr val="tx2"/>
+                </a:solidFill>
+                <a:effectLst/>
+                <a:latin typeface="+mj-lt"/>
+                <a:ea typeface="+mj-ea"/>
+                <a:cs typeface="+mj-cs"/>
+              </a:defRPr>
+            </a:lvl1pPr>
+          </a:lstStyle>
+          <a:p>
+            <a:r>
+              <a:rPr lang="en-US" sz="3800" b="1" dirty="0" err="1">
+                <a:latin typeface="Arial" pitchFamily="34" charset="0"/>
+                <a:cs typeface="Arial" pitchFamily="34" charset="0"/>
+              </a:rPr>
+              <a:t>Xử</a:t>
+            </a:r>
+            <a:r>
+              <a:rPr lang="en-US" sz="3800" b="1" dirty="0">
+                <a:latin typeface="Arial" pitchFamily="34" charset="0"/>
+                <a:cs typeface="Arial" pitchFamily="34" charset="0"/>
+              </a:rPr>
+              <a:t> </a:t>
+            </a:r>
+            <a:r>
+              <a:rPr lang="en-US" sz="3800" b="1" dirty="0" err="1">
+                <a:latin typeface="Arial" pitchFamily="34" charset="0"/>
+                <a:cs typeface="Arial" pitchFamily="34" charset="0"/>
+              </a:rPr>
+              <a:t>lý</a:t>
+            </a:r>
+            <a:r>
+              <a:rPr lang="en-US" sz="3800" b="1" dirty="0">
+                <a:latin typeface="Arial" pitchFamily="34" charset="0"/>
+                <a:cs typeface="Arial" pitchFamily="34" charset="0"/>
+              </a:rPr>
+              <a:t> </a:t>
+            </a:r>
+            <a:r>
+              <a:rPr lang="en-US" sz="3800" b="1" dirty="0" err="1">
+                <a:latin typeface="Arial" pitchFamily="34" charset="0"/>
+                <a:cs typeface="Arial" pitchFamily="34" charset="0"/>
+              </a:rPr>
+              <a:t>dữ</a:t>
+            </a:r>
+            <a:r>
+              <a:rPr lang="en-US" sz="3800" b="1" dirty="0">
+                <a:latin typeface="Arial" pitchFamily="34" charset="0"/>
+                <a:cs typeface="Arial" pitchFamily="34" charset="0"/>
+              </a:rPr>
+              <a:t> </a:t>
+            </a:r>
+            <a:r>
+              <a:rPr lang="en-US" sz="3800" b="1" dirty="0" err="1">
+                <a:latin typeface="Arial" pitchFamily="34" charset="0"/>
+                <a:cs typeface="Arial" pitchFamily="34" charset="0"/>
+              </a:rPr>
+              <a:t>liệu</a:t>
+            </a:r>
+            <a:r>
+              <a:rPr lang="en-US" sz="3800" b="1" dirty="0">
+                <a:latin typeface="Arial" pitchFamily="34" charset="0"/>
+                <a:cs typeface="Arial" pitchFamily="34" charset="0"/>
+              </a:rPr>
+              <a:t> </a:t>
+            </a:r>
+            <a:r>
+              <a:rPr lang="en-US" sz="3800" b="1" dirty="0" err="1">
+                <a:latin typeface="Arial" pitchFamily="34" charset="0"/>
+                <a:cs typeface="Arial" pitchFamily="34" charset="0"/>
+              </a:rPr>
+              <a:t>dạng</a:t>
+            </a:r>
+            <a:r>
+              <a:rPr lang="en-US" sz="3800" b="1" dirty="0">
+                <a:latin typeface="Arial" pitchFamily="34" charset="0"/>
+                <a:cs typeface="Arial" pitchFamily="34" charset="0"/>
+              </a:rPr>
+              <a:t> nominal(</a:t>
+            </a:r>
+            <a:r>
+              <a:rPr lang="en-US" sz="3800" b="1" dirty="0" err="1">
+                <a:latin typeface="Arial" pitchFamily="34" charset="0"/>
+                <a:cs typeface="Arial" pitchFamily="34" charset="0"/>
+              </a:rPr>
+              <a:t>tt</a:t>
+            </a:r>
+            <a:r>
+              <a:rPr lang="en-US" sz="3800" b="1" dirty="0">
+                <a:latin typeface="Arial" pitchFamily="34" charset="0"/>
+                <a:cs typeface="Arial" pitchFamily="34" charset="0"/>
+              </a:rPr>
+              <a:t>)</a:t>
+            </a:r>
+            <a:endParaRPr lang="en-US" sz="3800" dirty="0"/>
+          </a:p>
+        </p:txBody>
+      </p:sp>
+      <p:sp>
+        <p:nvSpPr>
+          <p:cNvPr id="5" name="Content Placeholder 2"/>
+          <p:cNvSpPr>
+            <a:spLocks noGrp="1"/>
+          </p:cNvSpPr>
+          <p:nvPr>
+            <p:ph idx="1"/>
+          </p:nvPr>
+        </p:nvSpPr>
+        <p:spPr>
+          <a:xfrm>
+            <a:off x="304800" y="1524000"/>
+            <a:ext cx="7848600" cy="4876800"/>
+          </a:xfrm>
+        </p:spPr>
+        <p:txBody>
+          <a:bodyPr>
+            <a:noAutofit/>
+          </a:bodyPr>
+          <a:lstStyle/>
+          <a:p>
+            <a:pPr lvl="1">
+              <a:lnSpc>
+                <a:spcPct val="150000"/>
+              </a:lnSpc>
+            </a:pPr>
+            <a:r>
+              <a:rPr lang="en-US" sz="2400" b="1" dirty="0" err="1" smtClean="0">
+                <a:latin typeface="Arial" pitchFamily="34" charset="0"/>
+                <a:cs typeface="Arial" pitchFamily="34" charset="0"/>
+              </a:rPr>
+              <a:t>Mã</a:t>
+            </a:r>
+            <a:r>
+              <a:rPr lang="en-US" sz="2400" b="1" dirty="0" smtClean="0">
+                <a:latin typeface="Arial" pitchFamily="34" charset="0"/>
+                <a:cs typeface="Arial" pitchFamily="34" charset="0"/>
+              </a:rPr>
+              <a:t> </a:t>
+            </a:r>
+            <a:r>
+              <a:rPr lang="en-US" sz="2400" b="1" dirty="0" err="1" smtClean="0">
+                <a:latin typeface="Arial" pitchFamily="34" charset="0"/>
+                <a:cs typeface="Arial" pitchFamily="34" charset="0"/>
+              </a:rPr>
+              <a:t>hóa</a:t>
+            </a:r>
+            <a:r>
+              <a:rPr lang="en-US" sz="2400" b="1" dirty="0" smtClean="0">
+                <a:latin typeface="Arial" pitchFamily="34" charset="0"/>
+                <a:cs typeface="Arial" pitchFamily="34" charset="0"/>
+              </a:rPr>
+              <a:t> </a:t>
+            </a:r>
+            <a:r>
+              <a:rPr lang="en-US" sz="2400" b="1" dirty="0" err="1" smtClean="0">
+                <a:latin typeface="Arial" pitchFamily="34" charset="0"/>
+                <a:cs typeface="Arial" pitchFamily="34" charset="0"/>
+              </a:rPr>
+              <a:t>nhị</a:t>
+            </a:r>
+            <a:r>
+              <a:rPr lang="en-US" sz="2400" b="1" dirty="0" smtClean="0">
+                <a:latin typeface="Arial" pitchFamily="34" charset="0"/>
+                <a:cs typeface="Arial" pitchFamily="34" charset="0"/>
+              </a:rPr>
+              <a:t> </a:t>
+            </a:r>
+            <a:r>
+              <a:rPr lang="en-US" sz="2400" b="1" dirty="0" err="1" smtClean="0">
+                <a:latin typeface="Arial" pitchFamily="34" charset="0"/>
+                <a:cs typeface="Arial" pitchFamily="34" charset="0"/>
+              </a:rPr>
+              <a:t>phân</a:t>
+            </a:r>
+            <a:r>
+              <a:rPr lang="en-US" sz="2400" b="1" dirty="0" smtClean="0">
+                <a:latin typeface="Arial" pitchFamily="34" charset="0"/>
+                <a:cs typeface="Arial" pitchFamily="34" charset="0"/>
+              </a:rPr>
+              <a:t> </a:t>
+            </a:r>
+            <a:r>
+              <a:rPr lang="en-US" sz="2400" dirty="0" smtClean="0">
+                <a:latin typeface="Arial" pitchFamily="34" charset="0"/>
+                <a:cs typeface="Arial" pitchFamily="34" charset="0"/>
+              </a:rPr>
+              <a:t>: </a:t>
+            </a:r>
+            <a:endParaRPr lang="en-US" sz="2400" dirty="0" smtClean="0">
+              <a:latin typeface="Arial" pitchFamily="34" charset="0"/>
+              <a:cs typeface="Arial" pitchFamily="34" charset="0"/>
+            </a:endParaRPr>
+          </a:p>
+          <a:p>
+            <a:pPr lvl="2">
+              <a:lnSpc>
+                <a:spcPct val="150000"/>
+              </a:lnSpc>
+            </a:pPr>
+            <a:r>
+              <a:rPr lang="en-US" sz="2200" dirty="0" err="1" smtClean="0">
+                <a:latin typeface="Arial" pitchFamily="34" charset="0"/>
+                <a:cs typeface="Arial" pitchFamily="34" charset="0"/>
+              </a:rPr>
+              <a:t>Mục</a:t>
+            </a:r>
+            <a:r>
+              <a:rPr lang="en-US" sz="2200" dirty="0" smtClean="0">
+                <a:latin typeface="Arial" pitchFamily="34" charset="0"/>
+                <a:cs typeface="Arial" pitchFamily="34" charset="0"/>
+              </a:rPr>
+              <a:t> </a:t>
+            </a:r>
+            <a:r>
+              <a:rPr lang="en-US" sz="2200" dirty="0" err="1" smtClean="0">
+                <a:latin typeface="Arial" pitchFamily="34" charset="0"/>
+                <a:cs typeface="Arial" pitchFamily="34" charset="0"/>
+              </a:rPr>
+              <a:t>đích</a:t>
+            </a:r>
+            <a:r>
+              <a:rPr lang="en-US" sz="2200" dirty="0" smtClean="0">
+                <a:latin typeface="Arial" pitchFamily="34" charset="0"/>
+                <a:cs typeface="Arial" pitchFamily="34" charset="0"/>
+              </a:rPr>
+              <a:t>: </a:t>
+            </a:r>
+            <a:r>
+              <a:rPr lang="en-US" sz="2200" dirty="0" err="1" smtClean="0">
+                <a:latin typeface="Arial" pitchFamily="34" charset="0"/>
+                <a:cs typeface="Arial" pitchFamily="34" charset="0"/>
+              </a:rPr>
+              <a:t>băm</a:t>
+            </a:r>
+            <a:r>
+              <a:rPr lang="en-US" sz="2200" dirty="0" smtClean="0">
+                <a:latin typeface="Arial" pitchFamily="34" charset="0"/>
+                <a:cs typeface="Arial" pitchFamily="34" charset="0"/>
+              </a:rPr>
+              <a:t> </a:t>
+            </a:r>
+            <a:r>
+              <a:rPr lang="en-US" sz="2200" dirty="0" err="1" smtClean="0">
+                <a:latin typeface="Arial" pitchFamily="34" charset="0"/>
+                <a:cs typeface="Arial" pitchFamily="34" charset="0"/>
+              </a:rPr>
+              <a:t>các</a:t>
+            </a:r>
+            <a:r>
+              <a:rPr lang="en-US" sz="2200" dirty="0" smtClean="0">
+                <a:latin typeface="Arial" pitchFamily="34" charset="0"/>
+                <a:cs typeface="Arial" pitchFamily="34" charset="0"/>
+              </a:rPr>
+              <a:t> </a:t>
+            </a:r>
+            <a:r>
+              <a:rPr lang="en-US" sz="2200" dirty="0" err="1" smtClean="0">
+                <a:latin typeface="Arial" pitchFamily="34" charset="0"/>
+                <a:cs typeface="Arial" pitchFamily="34" charset="0"/>
+              </a:rPr>
+              <a:t>giá</a:t>
+            </a:r>
+            <a:r>
+              <a:rPr lang="en-US" sz="2200" dirty="0" smtClean="0">
+                <a:latin typeface="Arial" pitchFamily="34" charset="0"/>
+                <a:cs typeface="Arial" pitchFamily="34" charset="0"/>
+              </a:rPr>
+              <a:t> </a:t>
+            </a:r>
+            <a:r>
+              <a:rPr lang="en-US" sz="2200" dirty="0" err="1" smtClean="0">
+                <a:latin typeface="Arial" pitchFamily="34" charset="0"/>
+                <a:cs typeface="Arial" pitchFamily="34" charset="0"/>
+              </a:rPr>
+              <a:t>trị</a:t>
+            </a:r>
+            <a:r>
+              <a:rPr lang="en-US" sz="2200" dirty="0" smtClean="0">
+                <a:latin typeface="Arial" pitchFamily="34" charset="0"/>
+                <a:cs typeface="Arial" pitchFamily="34" charset="0"/>
+              </a:rPr>
+              <a:t> </a:t>
+            </a:r>
+            <a:r>
+              <a:rPr lang="en-US" sz="2200" dirty="0" err="1" smtClean="0">
+                <a:latin typeface="Arial" pitchFamily="34" charset="0"/>
+                <a:cs typeface="Arial" pitchFamily="34" charset="0"/>
+              </a:rPr>
+              <a:t>đặc</a:t>
+            </a:r>
+            <a:r>
+              <a:rPr lang="en-US" sz="2200" dirty="0" smtClean="0">
+                <a:latin typeface="Arial" pitchFamily="34" charset="0"/>
+                <a:cs typeface="Arial" pitchFamily="34" charset="0"/>
+              </a:rPr>
+              <a:t> </a:t>
+            </a:r>
+            <a:r>
+              <a:rPr lang="en-US" sz="2200" dirty="0" err="1" smtClean="0">
+                <a:latin typeface="Arial" pitchFamily="34" charset="0"/>
+                <a:cs typeface="Arial" pitchFamily="34" charset="0"/>
+              </a:rPr>
+              <a:t>trưng</a:t>
+            </a:r>
+            <a:r>
+              <a:rPr lang="en-US" sz="2200" dirty="0" smtClean="0">
+                <a:latin typeface="Arial" pitchFamily="34" charset="0"/>
+                <a:cs typeface="Arial" pitchFamily="34" charset="0"/>
+              </a:rPr>
+              <a:t> nominal </a:t>
+            </a:r>
+            <a:r>
+              <a:rPr lang="en-US" sz="2200" dirty="0" err="1" smtClean="0">
+                <a:latin typeface="Arial" pitchFamily="34" charset="0"/>
+                <a:cs typeface="Arial" pitchFamily="34" charset="0"/>
+              </a:rPr>
+              <a:t>thành</a:t>
+            </a:r>
+            <a:r>
+              <a:rPr lang="en-US" sz="2200" dirty="0" smtClean="0">
+                <a:latin typeface="Arial" pitchFamily="34" charset="0"/>
+                <a:cs typeface="Arial" pitchFamily="34" charset="0"/>
+              </a:rPr>
+              <a:t> </a:t>
+            </a:r>
+            <a:r>
+              <a:rPr lang="en-US" sz="2200" dirty="0" err="1" smtClean="0">
+                <a:latin typeface="Arial" pitchFamily="34" charset="0"/>
+                <a:cs typeface="Arial" pitchFamily="34" charset="0"/>
+              </a:rPr>
+              <a:t>các</a:t>
+            </a:r>
+            <a:r>
+              <a:rPr lang="en-US" sz="2200" dirty="0" smtClean="0">
+                <a:latin typeface="Arial" pitchFamily="34" charset="0"/>
+                <a:cs typeface="Arial" pitchFamily="34" charset="0"/>
+              </a:rPr>
+              <a:t> </a:t>
+            </a:r>
+            <a:r>
+              <a:rPr lang="en-US" sz="2200" dirty="0" err="1" smtClean="0">
+                <a:latin typeface="Arial" pitchFamily="34" charset="0"/>
+                <a:cs typeface="Arial" pitchFamily="34" charset="0"/>
+              </a:rPr>
+              <a:t>giá</a:t>
+            </a:r>
+            <a:r>
+              <a:rPr lang="en-US" sz="2200" dirty="0" smtClean="0">
+                <a:latin typeface="Arial" pitchFamily="34" charset="0"/>
+                <a:cs typeface="Arial" pitchFamily="34" charset="0"/>
+              </a:rPr>
+              <a:t> </a:t>
+            </a:r>
+            <a:r>
+              <a:rPr lang="en-US" sz="2200" dirty="0" err="1" smtClean="0">
+                <a:latin typeface="Arial" pitchFamily="34" charset="0"/>
+                <a:cs typeface="Arial" pitchFamily="34" charset="0"/>
+              </a:rPr>
+              <a:t>trị</a:t>
+            </a:r>
+            <a:r>
+              <a:rPr lang="en-US" sz="2200" dirty="0" smtClean="0">
+                <a:latin typeface="Arial" pitchFamily="34" charset="0"/>
+                <a:cs typeface="Arial" pitchFamily="34" charset="0"/>
+              </a:rPr>
+              <a:t> </a:t>
+            </a:r>
+            <a:r>
+              <a:rPr lang="en-US" sz="2200" dirty="0" err="1" smtClean="0">
+                <a:latin typeface="Arial" pitchFamily="34" charset="0"/>
+                <a:cs typeface="Arial" pitchFamily="34" charset="0"/>
+              </a:rPr>
+              <a:t>nhị</a:t>
+            </a:r>
+            <a:r>
+              <a:rPr lang="en-US" sz="2200" dirty="0" smtClean="0">
+                <a:latin typeface="Arial" pitchFamily="34" charset="0"/>
+                <a:cs typeface="Arial" pitchFamily="34" charset="0"/>
+              </a:rPr>
+              <a:t> </a:t>
+            </a:r>
+            <a:r>
+              <a:rPr lang="en-US" sz="2200" dirty="0" err="1" smtClean="0">
+                <a:latin typeface="Arial" pitchFamily="34" charset="0"/>
+                <a:cs typeface="Arial" pitchFamily="34" charset="0"/>
+              </a:rPr>
+              <a:t>phân</a:t>
+            </a:r>
+            <a:r>
+              <a:rPr lang="en-US" sz="2200" dirty="0" smtClean="0">
+                <a:latin typeface="Arial" pitchFamily="34" charset="0"/>
+                <a:cs typeface="Arial" pitchFamily="34" charset="0"/>
+              </a:rPr>
+              <a:t>.</a:t>
+            </a:r>
+          </a:p>
+          <a:p>
+            <a:pPr lvl="2">
+              <a:lnSpc>
+                <a:spcPct val="150000"/>
+              </a:lnSpc>
+            </a:pPr>
+            <a:r>
+              <a:rPr lang="en-US" sz="2200" dirty="0" err="1" smtClean="0">
+                <a:latin typeface="Arial" pitchFamily="34" charset="0"/>
+                <a:cs typeface="Arial" pitchFamily="34" charset="0"/>
+              </a:rPr>
+              <a:t>Áp</a:t>
+            </a:r>
+            <a:r>
+              <a:rPr lang="en-US" sz="2200" dirty="0" smtClean="0">
+                <a:latin typeface="Arial" pitchFamily="34" charset="0"/>
+                <a:cs typeface="Arial" pitchFamily="34" charset="0"/>
+              </a:rPr>
+              <a:t> </a:t>
+            </a:r>
+            <a:r>
+              <a:rPr lang="en-US" sz="2200" dirty="0" err="1" smtClean="0">
+                <a:latin typeface="Arial" pitchFamily="34" charset="0"/>
+                <a:cs typeface="Arial" pitchFamily="34" charset="0"/>
+              </a:rPr>
+              <a:t>dụng</a:t>
+            </a:r>
+            <a:r>
+              <a:rPr lang="en-US" sz="2200" dirty="0" smtClean="0">
+                <a:latin typeface="Arial" pitchFamily="34" charset="0"/>
+                <a:cs typeface="Arial" pitchFamily="34" charset="0"/>
+              </a:rPr>
+              <a:t> </a:t>
+            </a:r>
+            <a:r>
+              <a:rPr lang="en-US" sz="2200" dirty="0" err="1" smtClean="0">
+                <a:latin typeface="Arial" pitchFamily="34" charset="0"/>
+                <a:cs typeface="Arial" pitchFamily="34" charset="0"/>
+              </a:rPr>
+              <a:t>luật</a:t>
+            </a:r>
+            <a:r>
+              <a:rPr lang="en-US" sz="2200" dirty="0" smtClean="0">
+                <a:latin typeface="Arial" pitchFamily="34" charset="0"/>
+                <a:cs typeface="Arial" pitchFamily="34" charset="0"/>
+              </a:rPr>
+              <a:t> </a:t>
+            </a:r>
+            <a:r>
+              <a:rPr lang="en-US" sz="2200" dirty="0" err="1" smtClean="0">
+                <a:latin typeface="Arial" pitchFamily="34" charset="0"/>
+                <a:cs typeface="Arial" pitchFamily="34" charset="0"/>
+              </a:rPr>
+              <a:t>số</a:t>
+            </a:r>
+            <a:r>
+              <a:rPr lang="en-US" sz="2200" dirty="0" smtClean="0">
+                <a:latin typeface="Arial" pitchFamily="34" charset="0"/>
+                <a:cs typeface="Arial" pitchFamily="34" charset="0"/>
+              </a:rPr>
+              <a:t> </a:t>
+            </a:r>
+            <a:r>
+              <a:rPr lang="en-US" sz="2200" dirty="0" err="1" smtClean="0">
+                <a:latin typeface="Arial" pitchFamily="34" charset="0"/>
+                <a:cs typeface="Arial" pitchFamily="34" charset="0"/>
+              </a:rPr>
+              <a:t>mũ</a:t>
+            </a:r>
+            <a:r>
+              <a:rPr lang="en-US" sz="2200" dirty="0" smtClean="0">
+                <a:latin typeface="Arial" pitchFamily="34" charset="0"/>
+                <a:cs typeface="Arial" pitchFamily="34" charset="0"/>
+              </a:rPr>
+              <a:t>, ta </a:t>
+            </a:r>
+            <a:r>
+              <a:rPr lang="en-US" sz="2200" dirty="0" err="1" smtClean="0">
+                <a:latin typeface="Arial" pitchFamily="34" charset="0"/>
+                <a:cs typeface="Arial" pitchFamily="34" charset="0"/>
+              </a:rPr>
+              <a:t>có</a:t>
+            </a:r>
+            <a:r>
+              <a:rPr lang="en-US" sz="2200" dirty="0" smtClean="0">
+                <a:latin typeface="Arial" pitchFamily="34" charset="0"/>
+                <a:cs typeface="Arial" pitchFamily="34" charset="0"/>
+              </a:rPr>
+              <a:t> </a:t>
+            </a:r>
+            <a:r>
+              <a:rPr lang="en-US" sz="2200" dirty="0" err="1" smtClean="0">
+                <a:latin typeface="Arial" pitchFamily="34" charset="0"/>
+                <a:cs typeface="Arial" pitchFamily="34" charset="0"/>
+              </a:rPr>
+              <a:t>với</a:t>
+            </a:r>
+            <a:r>
+              <a:rPr lang="en-US" sz="2200" dirty="0" smtClean="0">
+                <a:latin typeface="Arial" pitchFamily="34" charset="0"/>
+                <a:cs typeface="Arial" pitchFamily="34" charset="0"/>
+              </a:rPr>
+              <a:t> n </a:t>
+            </a:r>
+            <a:r>
+              <a:rPr lang="en-US" sz="2200" dirty="0" err="1" smtClean="0">
+                <a:latin typeface="Arial" pitchFamily="34" charset="0"/>
+                <a:cs typeface="Arial" pitchFamily="34" charset="0"/>
+              </a:rPr>
+              <a:t>giá</a:t>
+            </a:r>
+            <a:r>
+              <a:rPr lang="en-US" sz="2200" dirty="0" smtClean="0">
+                <a:latin typeface="Arial" pitchFamily="34" charset="0"/>
+                <a:cs typeface="Arial" pitchFamily="34" charset="0"/>
+              </a:rPr>
+              <a:t> </a:t>
+            </a:r>
+            <a:r>
+              <a:rPr lang="en-US" sz="2200" dirty="0" err="1" smtClean="0">
+                <a:latin typeface="Arial" pitchFamily="34" charset="0"/>
+                <a:cs typeface="Arial" pitchFamily="34" charset="0"/>
+              </a:rPr>
+              <a:t>trị</a:t>
+            </a:r>
+            <a:r>
+              <a:rPr lang="en-US" sz="2200" dirty="0" smtClean="0">
+                <a:latin typeface="Arial" pitchFamily="34" charset="0"/>
+                <a:cs typeface="Arial" pitchFamily="34" charset="0"/>
+              </a:rPr>
+              <a:t> </a:t>
+            </a:r>
+            <a:r>
+              <a:rPr lang="en-US" sz="2200" dirty="0" err="1" smtClean="0">
+                <a:latin typeface="Arial" pitchFamily="34" charset="0"/>
+                <a:cs typeface="Arial" pitchFamily="34" charset="0"/>
+              </a:rPr>
+              <a:t>rời</a:t>
+            </a:r>
+            <a:r>
+              <a:rPr lang="en-US" sz="2200" dirty="0" smtClean="0">
+                <a:latin typeface="Arial" pitchFamily="34" charset="0"/>
+                <a:cs typeface="Arial" pitchFamily="34" charset="0"/>
+              </a:rPr>
+              <a:t> </a:t>
+            </a:r>
+            <a:r>
+              <a:rPr lang="en-US" sz="2200" dirty="0" err="1" smtClean="0">
+                <a:latin typeface="Arial" pitchFamily="34" charset="0"/>
+                <a:cs typeface="Arial" pitchFamily="34" charset="0"/>
+              </a:rPr>
+              <a:t>rạc</a:t>
+            </a:r>
+            <a:r>
+              <a:rPr lang="en-US" sz="2200" dirty="0" smtClean="0">
+                <a:latin typeface="Arial" pitchFamily="34" charset="0"/>
+                <a:cs typeface="Arial" pitchFamily="34" charset="0"/>
+              </a:rPr>
+              <a:t> </a:t>
+            </a:r>
+            <a:r>
+              <a:rPr lang="en-US" sz="2200" dirty="0" err="1" smtClean="0">
+                <a:latin typeface="Arial" pitchFamily="34" charset="0"/>
+                <a:cs typeface="Arial" pitchFamily="34" charset="0"/>
+              </a:rPr>
+              <a:t>cần</a:t>
+            </a:r>
+            <a:r>
+              <a:rPr lang="en-US" sz="2200" dirty="0" smtClean="0">
+                <a:latin typeface="Arial" pitchFamily="34" charset="0"/>
+                <a:cs typeface="Arial" pitchFamily="34" charset="0"/>
+              </a:rPr>
+              <a:t> </a:t>
+            </a:r>
+            <a:r>
+              <a:rPr lang="en-US" sz="2200" dirty="0" err="1" smtClean="0">
+                <a:latin typeface="Arial" pitchFamily="34" charset="0"/>
+                <a:cs typeface="Arial" pitchFamily="34" charset="0"/>
+              </a:rPr>
+              <a:t>ít</a:t>
+            </a:r>
+            <a:r>
+              <a:rPr lang="en-US" sz="2200" dirty="0" smtClean="0">
+                <a:latin typeface="Arial" pitchFamily="34" charset="0"/>
+                <a:cs typeface="Arial" pitchFamily="34" charset="0"/>
+              </a:rPr>
+              <a:t> </a:t>
+            </a:r>
+            <a:r>
+              <a:rPr lang="en-US" sz="2200" dirty="0" err="1" smtClean="0">
+                <a:latin typeface="Arial" pitchFamily="34" charset="0"/>
+                <a:cs typeface="Arial" pitchFamily="34" charset="0"/>
+              </a:rPr>
+              <a:t>nhất</a:t>
+            </a:r>
+            <a:r>
+              <a:rPr lang="en-US" sz="2200" dirty="0" smtClean="0">
+                <a:latin typeface="Arial" pitchFamily="34" charset="0"/>
+                <a:cs typeface="Arial" pitchFamily="34" charset="0"/>
+              </a:rPr>
+              <a:t> log(n+1)/log(2) </a:t>
+            </a:r>
+            <a:r>
+              <a:rPr lang="en-US" sz="2200" dirty="0" err="1" smtClean="0">
+                <a:latin typeface="Arial" pitchFamily="34" charset="0"/>
+                <a:cs typeface="Arial" pitchFamily="34" charset="0"/>
+              </a:rPr>
+              <a:t>đặc</a:t>
+            </a:r>
+            <a:r>
+              <a:rPr lang="en-US" sz="2200" dirty="0" smtClean="0">
+                <a:latin typeface="Arial" pitchFamily="34" charset="0"/>
+                <a:cs typeface="Arial" pitchFamily="34" charset="0"/>
+              </a:rPr>
+              <a:t> </a:t>
+            </a:r>
+            <a:r>
+              <a:rPr lang="en-US" sz="2200" dirty="0" err="1" smtClean="0">
+                <a:latin typeface="Arial" pitchFamily="34" charset="0"/>
+                <a:cs typeface="Arial" pitchFamily="34" charset="0"/>
+              </a:rPr>
+              <a:t>trưng</a:t>
+            </a:r>
+            <a:r>
+              <a:rPr lang="en-US" sz="2200" dirty="0" smtClean="0">
+                <a:latin typeface="Arial" pitchFamily="34" charset="0"/>
+                <a:cs typeface="Arial" pitchFamily="34" charset="0"/>
+              </a:rPr>
+              <a:t> </a:t>
+            </a:r>
+            <a:r>
+              <a:rPr lang="en-US" sz="2200" dirty="0" err="1" smtClean="0">
+                <a:latin typeface="Arial" pitchFamily="34" charset="0"/>
+                <a:cs typeface="Arial" pitchFamily="34" charset="0"/>
+              </a:rPr>
+              <a:t>nhị</a:t>
+            </a:r>
+            <a:r>
+              <a:rPr lang="en-US" sz="2200" dirty="0" smtClean="0">
+                <a:latin typeface="Arial" pitchFamily="34" charset="0"/>
+                <a:cs typeface="Arial" pitchFamily="34" charset="0"/>
+              </a:rPr>
+              <a:t> </a:t>
+            </a:r>
+            <a:r>
+              <a:rPr lang="en-US" sz="2200" dirty="0" err="1" smtClean="0">
+                <a:latin typeface="Arial" pitchFamily="34" charset="0"/>
+                <a:cs typeface="Arial" pitchFamily="34" charset="0"/>
+              </a:rPr>
+              <a:t>phân</a:t>
+            </a:r>
+            <a:r>
+              <a:rPr lang="en-US" sz="2200" dirty="0" smtClean="0">
+                <a:latin typeface="Arial" pitchFamily="34" charset="0"/>
+                <a:cs typeface="Arial" pitchFamily="34" charset="0"/>
+              </a:rPr>
+              <a:t> </a:t>
+            </a:r>
+            <a:r>
+              <a:rPr lang="en-US" sz="2200" dirty="0" err="1" smtClean="0">
+                <a:latin typeface="Arial" pitchFamily="34" charset="0"/>
+                <a:cs typeface="Arial" pitchFamily="34" charset="0"/>
+              </a:rPr>
+              <a:t>để</a:t>
+            </a:r>
+            <a:r>
+              <a:rPr lang="en-US" sz="2200" dirty="0" smtClean="0">
+                <a:latin typeface="Arial" pitchFamily="34" charset="0"/>
+                <a:cs typeface="Arial" pitchFamily="34" charset="0"/>
+              </a:rPr>
+              <a:t> </a:t>
+            </a:r>
+            <a:r>
+              <a:rPr lang="en-US" sz="2200" dirty="0" err="1" smtClean="0">
+                <a:latin typeface="Arial" pitchFamily="34" charset="0"/>
+                <a:cs typeface="Arial" pitchFamily="34" charset="0"/>
+              </a:rPr>
+              <a:t>lưu</a:t>
+            </a:r>
+            <a:r>
+              <a:rPr lang="en-US" sz="2200" dirty="0" smtClean="0">
+                <a:latin typeface="Arial" pitchFamily="34" charset="0"/>
+                <a:cs typeface="Arial" pitchFamily="34" charset="0"/>
+              </a:rPr>
+              <a:t> </a:t>
+            </a:r>
+            <a:r>
+              <a:rPr lang="en-US" sz="2200" dirty="0" err="1" smtClean="0">
+                <a:latin typeface="Arial" pitchFamily="34" charset="0"/>
+                <a:cs typeface="Arial" pitchFamily="34" charset="0"/>
+              </a:rPr>
+              <a:t>trữ</a:t>
+            </a:r>
+            <a:r>
+              <a:rPr lang="en-US" sz="2200" dirty="0" smtClean="0">
+                <a:latin typeface="Arial" pitchFamily="34" charset="0"/>
+                <a:cs typeface="Arial" pitchFamily="34" charset="0"/>
+              </a:rPr>
+              <a:t>.</a:t>
+            </a:r>
+          </a:p>
+          <a:p>
+            <a:pPr lvl="2">
+              <a:lnSpc>
+                <a:spcPct val="150000"/>
+              </a:lnSpc>
+            </a:pPr>
+            <a:r>
+              <a:rPr lang="en-US" sz="2200" dirty="0" err="1" smtClean="0">
+                <a:latin typeface="Arial" pitchFamily="34" charset="0"/>
+                <a:cs typeface="Arial" pitchFamily="34" charset="0"/>
+              </a:rPr>
+              <a:t>Có</a:t>
+            </a:r>
+            <a:r>
+              <a:rPr lang="en-US" sz="2200" dirty="0" smtClean="0">
+                <a:latin typeface="Arial" pitchFamily="34" charset="0"/>
+                <a:cs typeface="Arial" pitchFamily="34" charset="0"/>
+              </a:rPr>
+              <a:t> </a:t>
+            </a:r>
+            <a:r>
+              <a:rPr lang="en-US" sz="2200" dirty="0" err="1" smtClean="0">
+                <a:latin typeface="Arial" pitchFamily="34" charset="0"/>
+                <a:cs typeface="Arial" pitchFamily="34" charset="0"/>
+              </a:rPr>
+              <a:t>nghĩa</a:t>
+            </a:r>
+            <a:r>
+              <a:rPr lang="en-US" sz="2200" dirty="0" smtClean="0">
+                <a:latin typeface="Arial" pitchFamily="34" charset="0"/>
+                <a:cs typeface="Arial" pitchFamily="34" charset="0"/>
+              </a:rPr>
+              <a:t> </a:t>
+            </a:r>
+            <a:r>
+              <a:rPr lang="en-US" sz="2200" dirty="0" err="1" smtClean="0">
+                <a:latin typeface="Arial" pitchFamily="34" charset="0"/>
+                <a:cs typeface="Arial" pitchFamily="34" charset="0"/>
+              </a:rPr>
+              <a:t>với</a:t>
+            </a:r>
+            <a:r>
+              <a:rPr lang="en-US" sz="2200" dirty="0" smtClean="0">
+                <a:latin typeface="Arial" pitchFamily="34" charset="0"/>
+                <a:cs typeface="Arial" pitchFamily="34" charset="0"/>
+              </a:rPr>
+              <a:t> </a:t>
+            </a:r>
+            <a:r>
+              <a:rPr lang="en-US" sz="2200" dirty="0" err="1" smtClean="0">
+                <a:latin typeface="Arial" pitchFamily="34" charset="0"/>
+                <a:cs typeface="Arial" pitchFamily="34" charset="0"/>
+              </a:rPr>
+              <a:t>một</a:t>
+            </a:r>
+            <a:r>
+              <a:rPr lang="en-US" sz="2200" dirty="0" smtClean="0">
+                <a:latin typeface="Arial" pitchFamily="34" charset="0"/>
+                <a:cs typeface="Arial" pitchFamily="34" charset="0"/>
+              </a:rPr>
+              <a:t> </a:t>
+            </a:r>
+            <a:r>
+              <a:rPr lang="en-US" sz="2200" dirty="0" err="1" smtClean="0">
+                <a:latin typeface="Arial" pitchFamily="34" charset="0"/>
+                <a:cs typeface="Arial" pitchFamily="34" charset="0"/>
+              </a:rPr>
+              <a:t>đặc</a:t>
+            </a:r>
+            <a:r>
+              <a:rPr lang="en-US" sz="2200" dirty="0" smtClean="0">
+                <a:latin typeface="Arial" pitchFamily="34" charset="0"/>
+                <a:cs typeface="Arial" pitchFamily="34" charset="0"/>
+              </a:rPr>
+              <a:t> </a:t>
+            </a:r>
+            <a:r>
+              <a:rPr lang="en-US" sz="2200" dirty="0" err="1" smtClean="0">
+                <a:latin typeface="Arial" pitchFamily="34" charset="0"/>
+                <a:cs typeface="Arial" pitchFamily="34" charset="0"/>
+              </a:rPr>
+              <a:t>trưng</a:t>
+            </a:r>
+            <a:r>
+              <a:rPr lang="en-US" sz="2200" dirty="0" smtClean="0">
+                <a:latin typeface="Arial" pitchFamily="34" charset="0"/>
+                <a:cs typeface="Arial" pitchFamily="34" charset="0"/>
+              </a:rPr>
+              <a:t> </a:t>
+            </a:r>
+            <a:r>
+              <a:rPr lang="en-US" sz="2200" dirty="0" err="1" smtClean="0">
+                <a:latin typeface="Arial" pitchFamily="34" charset="0"/>
+                <a:cs typeface="Arial" pitchFamily="34" charset="0"/>
+              </a:rPr>
+              <a:t>có</a:t>
+            </a:r>
+            <a:r>
+              <a:rPr lang="en-US" sz="2200" dirty="0" smtClean="0">
+                <a:latin typeface="Arial" pitchFamily="34" charset="0"/>
+                <a:cs typeface="Arial" pitchFamily="34" charset="0"/>
+              </a:rPr>
+              <a:t> </a:t>
+            </a:r>
+            <a:r>
+              <a:rPr lang="en-US" sz="2400" dirty="0"/>
+              <a:t>4294967295 </a:t>
+            </a:r>
+            <a:r>
+              <a:rPr lang="en-US" sz="2400" dirty="0" smtClean="0"/>
+              <a:t> </a:t>
+            </a:r>
+            <a:r>
+              <a:rPr lang="en-US" sz="2400" dirty="0" err="1" smtClean="0"/>
+              <a:t>giá</a:t>
+            </a:r>
+            <a:r>
+              <a:rPr lang="en-US" sz="2400" dirty="0" smtClean="0"/>
+              <a:t> </a:t>
+            </a:r>
+            <a:r>
+              <a:rPr lang="en-US" sz="2400" dirty="0" err="1" smtClean="0"/>
+              <a:t>trị</a:t>
+            </a:r>
+            <a:r>
+              <a:rPr lang="en-US" sz="2400" dirty="0" smtClean="0"/>
+              <a:t> </a:t>
+            </a:r>
+            <a:r>
+              <a:rPr lang="en-US" sz="2400" dirty="0" err="1" smtClean="0"/>
+              <a:t>rời</a:t>
+            </a:r>
+            <a:r>
+              <a:rPr lang="en-US" sz="2400" dirty="0" smtClean="0"/>
+              <a:t> </a:t>
+            </a:r>
+            <a:r>
+              <a:rPr lang="en-US" sz="2400" dirty="0" err="1" smtClean="0"/>
+              <a:t>rạc</a:t>
+            </a:r>
+            <a:r>
+              <a:rPr lang="en-US" sz="2400" dirty="0" smtClean="0"/>
+              <a:t>, ta </a:t>
+            </a:r>
+            <a:r>
+              <a:rPr lang="en-US" sz="2400" dirty="0" err="1" smtClean="0"/>
+              <a:t>chỉ</a:t>
+            </a:r>
+            <a:r>
+              <a:rPr lang="en-US" sz="2400" dirty="0" smtClean="0"/>
+              <a:t> </a:t>
+            </a:r>
+            <a:r>
+              <a:rPr lang="en-US" sz="2400" dirty="0" err="1" smtClean="0"/>
+              <a:t>cần</a:t>
+            </a:r>
+            <a:r>
+              <a:rPr lang="en-US" sz="2400" dirty="0" smtClean="0"/>
+              <a:t> 32 </a:t>
+            </a:r>
+            <a:r>
+              <a:rPr lang="en-US" sz="2400" dirty="0" err="1" smtClean="0"/>
+              <a:t>đặc</a:t>
+            </a:r>
+            <a:r>
+              <a:rPr lang="en-US" sz="2400" dirty="0" smtClean="0"/>
+              <a:t> </a:t>
+            </a:r>
+            <a:r>
+              <a:rPr lang="en-US" sz="2400" dirty="0" err="1" smtClean="0"/>
+              <a:t>trưng</a:t>
+            </a:r>
+            <a:r>
+              <a:rPr lang="en-US" sz="2400" dirty="0" smtClean="0"/>
+              <a:t> </a:t>
+            </a:r>
+            <a:r>
+              <a:rPr lang="en-US" sz="2400" dirty="0" err="1" smtClean="0"/>
+              <a:t>nhị</a:t>
+            </a:r>
+            <a:r>
+              <a:rPr lang="en-US" sz="2400" dirty="0" smtClean="0"/>
+              <a:t> </a:t>
+            </a:r>
+            <a:r>
+              <a:rPr lang="en-US" sz="2400" dirty="0" err="1" smtClean="0"/>
+              <a:t>phân</a:t>
+            </a:r>
+            <a:r>
+              <a:rPr lang="en-US" sz="2400" dirty="0" smtClean="0"/>
+              <a:t> </a:t>
+            </a:r>
+            <a:r>
+              <a:rPr lang="en-US" sz="2400" dirty="0" err="1" smtClean="0"/>
+              <a:t>để</a:t>
+            </a:r>
+            <a:r>
+              <a:rPr lang="en-US" sz="2400" dirty="0" smtClean="0"/>
+              <a:t> </a:t>
+            </a:r>
+            <a:r>
+              <a:rPr lang="en-US" sz="2400" dirty="0" err="1" smtClean="0"/>
+              <a:t>lưu</a:t>
+            </a:r>
+            <a:r>
+              <a:rPr lang="en-US" sz="2400" dirty="0" smtClean="0"/>
+              <a:t> </a:t>
+            </a:r>
+            <a:r>
+              <a:rPr lang="en-US" sz="2400" dirty="0" err="1" smtClean="0"/>
+              <a:t>trữ</a:t>
+            </a:r>
+            <a:endParaRPr lang="en-US" sz="2200" dirty="0" smtClean="0">
+              <a:latin typeface="Arial" pitchFamily="34" charset="0"/>
+              <a:cs typeface="Arial" pitchFamily="34" charset="0"/>
+            </a:endParaRPr>
+          </a:p>
+          <a:p>
+            <a:pPr lvl="2">
+              <a:lnSpc>
+                <a:spcPct val="150000"/>
+              </a:lnSpc>
+            </a:pPr>
+            <a:endParaRPr lang="en-US" sz="2200" dirty="0" smtClean="0">
+              <a:latin typeface="Arial" pitchFamily="34" charset="0"/>
+              <a:cs typeface="Arial" pitchFamily="34" charset="0"/>
+            </a:endParaRPr>
+          </a:p>
+          <a:p>
+            <a:pPr lvl="1">
+              <a:lnSpc>
+                <a:spcPct val="150000"/>
+              </a:lnSpc>
+            </a:pPr>
+            <a:endParaRPr lang="en-US" sz="2400" dirty="0" smtClean="0">
+              <a:latin typeface="Arial" pitchFamily="34" charset="0"/>
+              <a:cs typeface="Arial" pitchFamily="34" charset="0"/>
+            </a:endParaRPr>
+          </a:p>
+        </p:txBody>
+      </p:sp>
+    </p:spTree>
+    <p:extLst>
+      <p:ext uri="{BB962C8B-B14F-4D97-AF65-F5344CB8AC3E}">
+        <p14:creationId xmlns:p14="http://schemas.microsoft.com/office/powerpoint/2010/main" val="2273936786"/>
+      </p:ext>
+    </p:extLst>
+  </p:cSld>
+  <p:clrMapOvr>
+    <a:masterClrMapping/>
+  </p:clrMapOvr>
+  <p:timing>
+    <p:tnLst>
+      <p:par>
+        <p:cTn id="1" dur="indefinite" restart="never" nodeType="tmRoot"/>
+      </p:par>
+    </p:tnLst>
+  </p:timing>
+</p:sld>
+</file>
+
+<file path=ppt/slides/slide11.xml><?xml version="1.0" encoding="utf-8"?>
+<p:sld xmlns:a="http://schemas.openxmlformats.org/drawingml/2006/main" xmlns:r="http://schemas.openxmlformats.org/officeDocument/2006/relationships" xmlns:p="http://schemas.openxmlformats.org/presentationml/2006/main">
+  <p:cSld>
+    <p:spTree>
+      <p:nvGrpSpPr>
+        <p:cNvPr id="1" name=""/>
+        <p:cNvGrpSpPr/>
+        <p:nvPr/>
+      </p:nvGrpSpPr>
+      <p:grpSpPr>
+        <a:xfrm>
+          <a:off x="0" y="0"/>
+          <a:ext cx="0" cy="0"/>
+          <a:chOff x="0" y="0"/>
+          <a:chExt cx="0" cy="0"/>
+        </a:xfrm>
+      </p:grpSpPr>
+      <p:pic>
+        <p:nvPicPr>
+          <p:cNvPr id="1026" name="Picture 2"/>
+          <p:cNvPicPr>
+            <a:picLocks noChangeAspect="1" noChangeArrowheads="1"/>
+          </p:cNvPicPr>
+          <p:nvPr/>
+        </p:nvPicPr>
+        <p:blipFill>
+          <a:blip r:embed="rId2">
+            <a:extLst>
+              <a:ext uri="{28A0092B-C50C-407E-A947-70E740481C1C}">
+                <a14:useLocalDpi xmlns:a14="http://schemas.microsoft.com/office/drawing/2010/main" val="0"/>
+              </a:ext>
+            </a:extLst>
+          </a:blip>
+          <a:srcRect/>
+          <a:stretch>
+            <a:fillRect/>
+          </a:stretch>
+        </p:blipFill>
+        <p:spPr bwMode="auto">
+          <a:xfrm>
+            <a:off x="1447800" y="152400"/>
+            <a:ext cx="5715000" cy="6462758"/>
+          </a:xfrm>
+          <a:prstGeom prst="rect">
+            <a:avLst/>
+          </a:prstGeom>
+          <a:noFill/>
+          <a:ln>
+            <a:noFill/>
+          </a:ln>
+          <a:effectLst/>
+          <a:extLst>
+            <a:ext uri="{909E8E84-426E-40DD-AFC4-6F175D3DCCD1}">
+              <a14:hiddenFill xmlns:a14="http://schemas.microsoft.com/office/drawing/2010/main">
+                <a:solidFill>
+                  <a:schemeClr val="accent1"/>
+                </a:solidFill>
+              </a14:hiddenFill>
+            </a:ext>
+            <a:ext uri="{91240B29-F687-4F45-9708-019B960494DF}">
+              <a14:hiddenLine xmlns:a14="http://schemas.microsoft.com/office/drawing/2010/main" w="9525">
+                <a:solidFill>
+                  <a:schemeClr val="tx1"/>
+                </a:solidFill>
+                <a:miter lim="800000"/>
+                <a:headEnd/>
+                <a:tailEnd/>
+              </a14:hiddenLine>
+            </a:ext>
+            <a:ext uri="{AF507438-7753-43E0-B8FC-AC1667EBCBE1}">
+              <a14:hiddenEffects xmlns:a14="http://schemas.microsoft.com/office/drawing/2010/main">
+                <a:effectLst>
+                  <a:outerShdw dist="35921" dir="2700000" algn="ctr" rotWithShape="0">
+                    <a:schemeClr val="bg2"/>
+                  </a:outerShdw>
+                </a:effectLst>
+              </a14:hiddenEffects>
+            </a:ext>
+          </a:extLst>
+        </p:spPr>
+      </p:pic>
+    </p:spTree>
+    <p:extLst>
+      <p:ext uri="{BB962C8B-B14F-4D97-AF65-F5344CB8AC3E}">
+        <p14:creationId xmlns:p14="http://schemas.microsoft.com/office/powerpoint/2010/main" val="3388883870"/>
+      </p:ext>
+    </p:extLst>
+  </p:cSld>
+  <p:clrMapOvr>
+    <a:masterClrMapping/>
+  </p:clrMapOvr>
+</p:sld>
+</file>
+
+<file path=ppt/slides/slide12.xml><?xml version="1.0" encoding="utf-8"?>
+<p:sld xmlns:a="http://schemas.openxmlformats.org/drawingml/2006/main" xmlns:r="http://schemas.openxmlformats.org/officeDocument/2006/relationships" xmlns:p="http://schemas.openxmlformats.org/presentationml/2006/main">
+  <p:cSld>
+    <p:spTree>
+      <p:nvGrpSpPr>
+        <p:cNvPr id="1" name=""/>
+        <p:cNvGrpSpPr/>
+        <p:nvPr/>
+      </p:nvGrpSpPr>
+      <p:grpSpPr>
+        <a:xfrm>
+          <a:off x="0" y="0"/>
+          <a:ext cx="0" cy="0"/>
+          <a:chOff x="0" y="0"/>
+          <a:chExt cx="0" cy="0"/>
+        </a:xfrm>
+      </p:grpSpPr>
       <p:pic>
         <p:nvPicPr>
           <p:cNvPr id="4" name="Picture 2" descr="Slide kết thúc trong PowerPoint đẹp (16)"/>
@@ -5836,10 +6939,6 @@
               </a:rPr>
               <a:t> nominal</a:t>
             </a:r>
-            <a:endParaRPr lang="en-US" sz="3800" b="1" dirty="0" smtClean="0">
-              <a:latin typeface="Arial" pitchFamily="34" charset="0"/>
-              <a:cs typeface="Arial" pitchFamily="34" charset="0"/>
-            </a:endParaRPr>
           </a:p>
         </p:txBody>
       </p:sp>
@@ -6185,17 +7284,7 @@
                 <a:latin typeface="Arial" pitchFamily="34" charset="0"/>
                 <a:cs typeface="Arial" pitchFamily="34" charset="0"/>
               </a:rPr>
-              <a:t>C</a:t>
-            </a:r>
-            <a:r>
-              <a:rPr lang="en-US" sz="2400" dirty="0" err="1" smtClean="0">
-                <a:solidFill>
-                  <a:srgbClr val="333333"/>
-                </a:solidFill>
-                <a:latin typeface="Arial" pitchFamily="34" charset="0"/>
-                <a:cs typeface="Arial" pitchFamily="34" charset="0"/>
-              </a:rPr>
-              <a:t>ác</a:t>
+              <a:t>Các</a:t>
             </a:r>
             <a:r>
               <a:rPr lang="en-US" sz="2400" dirty="0" smtClean="0">
@@ -6754,13 +7843,6 @@
               </a:rPr>
               <a:t>“red”, “green”, “blue”.</a:t>
             </a:r>
-            <a:endParaRPr lang="en-US" sz="2400" dirty="0" smtClean="0">
-              <a:solidFill>
-                <a:srgbClr val="333333"/>
-              </a:solidFill>
-              <a:latin typeface="Arial" pitchFamily="34" charset="0"/>
-              <a:cs typeface="Arial" pitchFamily="34" charset="0"/>
-            </a:endParaRPr>
           </a:p>
         </p:txBody>
       </p:sp>
@@ -6905,10 +7987,6 @@
               </a:rPr>
               <a:t>)</a:t>
             </a:r>
-            <a:endParaRPr lang="en-US" sz="3800" b="1" dirty="0" smtClean="0">
-              <a:latin typeface="Arial" pitchFamily="34" charset="0"/>
-              <a:cs typeface="Arial" pitchFamily="34" charset="0"/>
-            </a:endParaRPr>
           </a:p>
         </p:txBody>
       </p:sp>
@@ -7527,10 +8605,6 @@
               </a:rPr>
               <a:t>. </a:t>
             </a:r>
-            <a:endParaRPr lang="en-US" sz="2400" dirty="0" smtClean="0">
-              <a:latin typeface="Arial" pitchFamily="34" charset="0"/>
-              <a:cs typeface="Arial" pitchFamily="34" charset="0"/>
-            </a:endParaRPr>
           </a:p>
         </p:txBody>
       </p:sp>
@@ -8694,46 +9768,53 @@
               </a:lnSpc>
             </a:pPr>
             <a:r>
-              <a:rPr lang="en-US" sz="2400" dirty="0" err="1" smtClean="0">
+              <a:rPr lang="en-US" sz="2400" b="1" dirty="0" err="1" smtClean="0">
                 <a:latin typeface="Arial" pitchFamily="34" charset="0"/>
                 <a:cs typeface="Arial" pitchFamily="34" charset="0"/>
               </a:rPr>
               <a:t>Mã</a:t>
             </a:r>
             <a:r>
-              <a:rPr lang="en-US" sz="2400" dirty="0" smtClean="0">
-                <a:latin typeface="Arial" pitchFamily="34" charset="0"/>
-                <a:cs typeface="Arial" pitchFamily="34" charset="0"/>
-              </a:rPr>
-              <a:t> </a:t>
-            </a:r>
-            <a:r>
-              <a:rPr lang="en-US" sz="2400" dirty="0" err="1" smtClean="0">
+              <a:rPr lang="en-US" sz="2400" b="1" dirty="0" smtClean="0">
+                <a:latin typeface="Arial" pitchFamily="34" charset="0"/>
+                <a:cs typeface="Arial" pitchFamily="34" charset="0"/>
+              </a:rPr>
+              <a:t> </a:t>
+            </a:r>
+            <a:r>
+              <a:rPr lang="en-US" sz="2400" b="1" dirty="0" err="1" smtClean="0">
                 <a:latin typeface="Arial" pitchFamily="34" charset="0"/>
                 <a:cs typeface="Arial" pitchFamily="34" charset="0"/>
               </a:rPr>
               <a:t>hóa</a:t>
             </a:r>
             <a:r>
-              <a:rPr lang="en-US" sz="2400" dirty="0" smtClean="0">
-                <a:latin typeface="Arial" pitchFamily="34" charset="0"/>
-                <a:cs typeface="Arial" pitchFamily="34" charset="0"/>
-              </a:rPr>
-              <a:t> </a:t>
-            </a:r>
-            <a:r>
-              <a:rPr lang="en-US" sz="2400" dirty="0" err="1" smtClean="0">
+              <a:rPr lang="en-US" sz="2400" b="1" dirty="0" smtClean="0">
+                <a:latin typeface="Arial" pitchFamily="34" charset="0"/>
+                <a:cs typeface="Arial" pitchFamily="34" charset="0"/>
+              </a:rPr>
+              <a:t> </a:t>
+            </a:r>
+            <a:r>
+              <a:rPr lang="en-US" sz="2400" b="1" dirty="0" err="1" smtClean="0">
                 <a:latin typeface="Arial" pitchFamily="34" charset="0"/>
                 <a:cs typeface="Arial" pitchFamily="34" charset="0"/>
               </a:rPr>
               <a:t>số</a:t>
             </a:r>
             <a:r>
-              <a:rPr lang="en-US" sz="2400" dirty="0" smtClean="0">
-                <a:latin typeface="Arial" pitchFamily="34" charset="0"/>
-                <a:cs typeface="Arial" pitchFamily="34" charset="0"/>
-              </a:rPr>
-              <a:t> (Numeric encoding): </a:t>
+              <a:rPr lang="en-US" sz="2400" b="1" dirty="0" smtClean="0">
+                <a:latin typeface="Arial" pitchFamily="34" charset="0"/>
+                <a:cs typeface="Arial" pitchFamily="34" charset="0"/>
+              </a:rPr>
+              <a:t> </a:t>
+            </a:r>
+            <a:r>
+              <a:rPr lang="en-US" sz="2400" dirty="0" smtClean="0">
+                <a:latin typeface="Arial" pitchFamily="34" charset="0"/>
+                <a:cs typeface="Arial" pitchFamily="34" charset="0"/>
+              </a:rPr>
+              <a:t>(Numeric encoding): </a:t>
             </a:r>
           </a:p>
           <a:p>
@@ -8896,10 +9977,6 @@
               </a:rPr>
               <a:t> (integer encoding).</a:t>
             </a:r>
-            <a:endParaRPr lang="en-US" sz="2200" dirty="0" smtClean="0">
-              <a:latin typeface="Arial" pitchFamily="34" charset="0"/>
-              <a:cs typeface="Arial" pitchFamily="34" charset="0"/>
-            </a:endParaRPr>
           </a:p>
           <a:p>
             <a:pPr lvl="2">
@@ -9625,33 +10702,44 @@
               </a:lnSpc>
             </a:pPr>
             <a:r>
-              <a:rPr lang="en-US" sz="2400" dirty="0" err="1" smtClean="0">
+              <a:rPr lang="en-US" sz="2400" b="1" dirty="0" err="1" smtClean="0">
                 <a:latin typeface="Arial" pitchFamily="34" charset="0"/>
                 <a:cs typeface="Arial" pitchFamily="34" charset="0"/>
               </a:rPr>
               <a:t>Mã</a:t>
             </a:r>
             <a:r>
-              <a:rPr lang="en-US" sz="2400" dirty="0" smtClean="0">
-                <a:latin typeface="Arial" pitchFamily="34" charset="0"/>
-                <a:cs typeface="Arial" pitchFamily="34" charset="0"/>
-              </a:rPr>
-              <a:t> </a:t>
-            </a:r>
-            <a:r>
-              <a:rPr lang="en-US" sz="2400" dirty="0" err="1" smtClean="0">
+              <a:rPr lang="en-US" sz="2400" b="1" dirty="0" smtClean="0">
+                <a:latin typeface="Arial" pitchFamily="34" charset="0"/>
+                <a:cs typeface="Arial" pitchFamily="34" charset="0"/>
+              </a:rPr>
+              <a:t> </a:t>
+            </a:r>
+            <a:r>
+              <a:rPr lang="en-US" sz="2400" b="1" dirty="0" err="1" smtClean="0">
                 <a:latin typeface="Arial" pitchFamily="34" charset="0"/>
                 <a:cs typeface="Arial" pitchFamily="34" charset="0"/>
               </a:rPr>
               <a:t>hóa</a:t>
             </a:r>
             <a:r>
-              <a:rPr lang="en-US" sz="2400" dirty="0" smtClean="0">
-                <a:latin typeface="Arial" pitchFamily="34" charset="0"/>
-                <a:cs typeface="Arial" pitchFamily="34" charset="0"/>
-              </a:rPr>
-              <a:t> One-hot : </a:t>
-            </a:r>
+              <a:rPr lang="en-US" sz="2400" b="1" dirty="0" smtClean="0">
+                <a:latin typeface="Arial" pitchFamily="34" charset="0"/>
+                <a:cs typeface="Arial" pitchFamily="34" charset="0"/>
+              </a:rPr>
+              <a:t> One-hot </a:t>
+            </a:r>
+            <a:r>
+              <a:rPr lang="en-US" sz="2400" dirty="0" smtClean="0">
+                <a:latin typeface="Arial" pitchFamily="34" charset="0"/>
+                <a:cs typeface="Arial" pitchFamily="34" charset="0"/>
+              </a:rPr>
+              <a:t>: </a:t>
+            </a:r>
+            <a:endParaRPr lang="en-US" sz="2400" dirty="0" smtClean="0">
+              <a:latin typeface="Arial" pitchFamily="34" charset="0"/>
+              <a:cs typeface="Arial" pitchFamily="34" charset="0"/>
+            </a:endParaRPr>
           </a:p>
           <a:p>
             <a:pPr lvl="2">
@@ -10419,10 +11507,6 @@
               </a:rPr>
               <a:t> </a:t>
             </a:r>
-            <a:endParaRPr lang="en-US" sz="2200" dirty="0" smtClean="0">
-              <a:latin typeface="Arial" pitchFamily="34" charset="0"/>
-              <a:cs typeface="Arial" pitchFamily="34" charset="0"/>
-            </a:endParaRPr>
           </a:p>
           <a:p>
             <a:pPr lvl="2">
@@ -10787,14 +11871,7 @@
                 <a:latin typeface="Arial" pitchFamily="34" charset="0"/>
                 <a:cs typeface="Arial" pitchFamily="34" charset="0"/>
               </a:rPr>
-              <a:t>-&gt;</a:t>
-            </a:r>
-            <a:r>
-              <a:rPr lang="en-US" sz="2200" dirty="0" smtClean="0">
-                <a:latin typeface="Arial" pitchFamily="34" charset="0"/>
-                <a:cs typeface="Arial" pitchFamily="34" charset="0"/>
-              </a:rPr>
-              <a:t> </a:t>
+              <a:t>-&gt; </a:t>
             </a:r>
             <a:r>
               <a:rPr lang="en-US" sz="2200" dirty="0" err="1" smtClean="0">
@@ -10913,14 +11990,7 @@
                 <a:latin typeface="Arial" pitchFamily="34" charset="0"/>
                 <a:cs typeface="Arial" pitchFamily="34" charset="0"/>
               </a:rPr>
-              <a:t>-&gt;</a:t>
-            </a:r>
-            <a:r>
-              <a:rPr lang="en-US" sz="2200" dirty="0" smtClean="0">
-                <a:latin typeface="Arial" pitchFamily="34" charset="0"/>
-                <a:cs typeface="Arial" pitchFamily="34" charset="0"/>
-              </a:rPr>
-              <a:t> </a:t>
+              <a:t>-&gt; </a:t>
             </a:r>
             <a:r>
               <a:rPr lang="en-US" sz="2200" dirty="0" err="1" smtClean="0">

--- a/ppt-presentation.pptx
+++ b/ppt-presentation.pptx
@@ -36,7 +36,17 @@
     <p:sldId id="339" r:id="rId30"/>
     <p:sldId id="340" r:id="rId31"/>
     <p:sldId id="341" r:id="rId32"/>
-    <p:sldId id="273" r:id="rId33"/>
+    <p:sldId id="342" r:id="rId33"/>
+    <p:sldId id="343" r:id="rId34"/>
+    <p:sldId id="344" r:id="rId35"/>
+    <p:sldId id="345" r:id="rId36"/>
+    <p:sldId id="346" r:id="rId37"/>
+    <p:sldId id="347" r:id="rId38"/>
+    <p:sldId id="348" r:id="rId39"/>
+    <p:sldId id="349" r:id="rId40"/>
+    <p:sldId id="350" r:id="rId41"/>
+    <p:sldId id="351" r:id="rId42"/>
+    <p:sldId id="273" r:id="rId43"/>
   </p:sldIdLst>
   <p:sldSz cx="9144000" cy="6858000" type="screen4x3"/>
   <p:notesSz cx="6858000" cy="9144000"/>
@@ -135,6 +145,22 @@
       </a:defRPr>
     </a:lvl9pPr>
   </p:defaultTextStyle>
+  <p:extLst>
+    <p:ext uri="{EFAFB233-063F-42B5-8137-9DF3F51BA10A}">
+      <p15:sldGuideLst xmlns:p15="http://schemas.microsoft.com/office/powerpoint/2012/main">
+        <p15:guide id="1" orient="horz" pos="2160">
+          <p15:clr>
+            <a:srgbClr val="A4A3A4"/>
+          </p15:clr>
+        </p15:guide>
+        <p15:guide id="2" pos="2880">
+          <p15:clr>
+            <a:srgbClr val="A4A3A4"/>
+          </p15:clr>
+        </p15:guide>
+      </p15:sldGuideLst>
+    </p:ext>
+  </p:extLst>
 </p:presentation>
 </file>
 
@@ -332,7 +358,7 @@
           <a:p>
             <a:fld id="{9C3C61E7-77AA-4158-9F53-DC3032DBB365}" type="datetimeFigureOut">
               <a:rPr lang="en-US" smtClean="0"/>
-              <a:t>20/11/2020</a:t>
+              <a:t>11/22/2020</a:t>
             </a:fld>
             <a:endParaRPr lang="en-US"/>
           </a:p>
@@ -497,7 +523,7 @@
           <a:p>
             <a:fld id="{9C3C61E7-77AA-4158-9F53-DC3032DBB365}" type="datetimeFigureOut">
               <a:rPr lang="en-US" smtClean="0"/>
-              <a:t>20/11/2020</a:t>
+              <a:t>11/22/2020</a:t>
             </a:fld>
             <a:endParaRPr lang="en-US"/>
           </a:p>
@@ -672,7 +698,7 @@
           <a:p>
             <a:fld id="{9C3C61E7-77AA-4158-9F53-DC3032DBB365}" type="datetimeFigureOut">
               <a:rPr lang="en-US" smtClean="0"/>
-              <a:t>20/11/2020</a:t>
+              <a:t>11/22/2020</a:t>
             </a:fld>
             <a:endParaRPr lang="en-US"/>
           </a:p>
@@ -837,7 +863,7 @@
           <a:p>
             <a:fld id="{9C3C61E7-77AA-4158-9F53-DC3032DBB365}" type="datetimeFigureOut">
               <a:rPr lang="en-US" smtClean="0"/>
-              <a:t>20/11/2020</a:t>
+              <a:t>11/22/2020</a:t>
             </a:fld>
             <a:endParaRPr lang="en-US"/>
           </a:p>
@@ -1078,7 +1104,7 @@
           <a:p>
             <a:fld id="{9C3C61E7-77AA-4158-9F53-DC3032DBB365}" type="datetimeFigureOut">
               <a:rPr lang="en-US" smtClean="0"/>
-              <a:t>20/11/2020</a:t>
+              <a:t>11/22/2020</a:t>
             </a:fld>
             <a:endParaRPr lang="en-US"/>
           </a:p>
@@ -1361,7 +1387,7 @@
           <a:p>
             <a:fld id="{9C3C61E7-77AA-4158-9F53-DC3032DBB365}" type="datetimeFigureOut">
               <a:rPr lang="en-US" smtClean="0"/>
-              <a:t>20/11/2020</a:t>
+              <a:t>11/22/2020</a:t>
             </a:fld>
             <a:endParaRPr lang="en-US"/>
           </a:p>
@@ -1790,7 +1816,7 @@
           <a:p>
             <a:fld id="{9C3C61E7-77AA-4158-9F53-DC3032DBB365}" type="datetimeFigureOut">
               <a:rPr lang="en-US" smtClean="0"/>
-              <a:t>20/11/2020</a:t>
+              <a:t>11/22/2020</a:t>
             </a:fld>
             <a:endParaRPr lang="en-US"/>
           </a:p>
@@ -1903,7 +1929,7 @@
           <a:p>
             <a:fld id="{9C3C61E7-77AA-4158-9F53-DC3032DBB365}" type="datetimeFigureOut">
               <a:rPr lang="en-US" smtClean="0"/>
-              <a:t>20/11/2020</a:t>
+              <a:t>11/22/2020</a:t>
             </a:fld>
             <a:endParaRPr lang="en-US"/>
           </a:p>
@@ -1993,7 +2019,7 @@
           <a:p>
             <a:fld id="{9C3C61E7-77AA-4158-9F53-DC3032DBB365}" type="datetimeFigureOut">
               <a:rPr lang="en-US" smtClean="0"/>
-              <a:t>20/11/2020</a:t>
+              <a:t>11/22/2020</a:t>
             </a:fld>
             <a:endParaRPr lang="en-US"/>
           </a:p>
@@ -2182,7 +2208,7 @@
           <a:p>
             <a:fld id="{9C3C61E7-77AA-4158-9F53-DC3032DBB365}" type="datetimeFigureOut">
               <a:rPr lang="en-US" smtClean="0"/>
-              <a:t>20/11/2020</a:t>
+              <a:t>11/22/2020</a:t>
             </a:fld>
             <a:endParaRPr lang="en-US"/>
           </a:p>
@@ -2500,7 +2526,7 @@
           <a:p>
             <a:fld id="{9C3C61E7-77AA-4158-9F53-DC3032DBB365}" type="datetimeFigureOut">
               <a:rPr lang="en-US" smtClean="0"/>
-              <a:t>20/11/2020</a:t>
+              <a:t>11/22/2020</a:t>
             </a:fld>
             <a:endParaRPr lang="en-US"/>
           </a:p>
@@ -2879,7 +2905,7 @@
           <a:p>
             <a:fld id="{9C3C61E7-77AA-4158-9F53-DC3032DBB365}" type="datetimeFigureOut">
               <a:rPr lang="en-US" smtClean="0"/>
-              <a:t>20/11/2020</a:t>
+              <a:t>11/22/2020</a:t>
             </a:fld>
             <a:endParaRPr lang="en-US"/>
           </a:p>
@@ -4152,6 +4178,66 @@
                 <a:latin typeface="Arial" pitchFamily="34" charset="0"/>
                 <a:cs typeface="Arial" pitchFamily="34" charset="0"/>
               </a:rPr>
+              <a:t>Nguyễn</a:t>
+            </a:r>
+            <a:r>
+              <a:rPr lang="en-US" dirty="0" smtClean="0">
+                <a:solidFill>
+                  <a:schemeClr val="tx1"/>
+                </a:solidFill>
+                <a:latin typeface="Arial" pitchFamily="34" charset="0"/>
+                <a:cs typeface="Arial" pitchFamily="34" charset="0"/>
+              </a:rPr>
+              <a:t> </a:t>
+            </a:r>
+            <a:r>
+              <a:rPr lang="en-US" dirty="0" err="1" smtClean="0">
+                <a:solidFill>
+                  <a:schemeClr val="tx1"/>
+                </a:solidFill>
+                <a:latin typeface="Arial" pitchFamily="34" charset="0"/>
+                <a:cs typeface="Arial" pitchFamily="34" charset="0"/>
+              </a:rPr>
+              <a:t>Chí</a:t>
+            </a:r>
+            <a:r>
+              <a:rPr lang="en-US" dirty="0" smtClean="0">
+                <a:solidFill>
+                  <a:schemeClr val="tx1"/>
+                </a:solidFill>
+                <a:latin typeface="Arial" pitchFamily="34" charset="0"/>
+                <a:cs typeface="Arial" pitchFamily="34" charset="0"/>
+              </a:rPr>
+              <a:t> </a:t>
+            </a:r>
+            <a:r>
+              <a:rPr lang="en-US" dirty="0" err="1" smtClean="0">
+                <a:solidFill>
+                  <a:schemeClr val="tx1"/>
+                </a:solidFill>
+                <a:latin typeface="Arial" pitchFamily="34" charset="0"/>
+                <a:cs typeface="Arial" pitchFamily="34" charset="0"/>
+              </a:rPr>
+              <a:t>Khâm</a:t>
+            </a:r>
+            <a:endParaRPr lang="en-US" dirty="0" smtClean="0">
+              <a:solidFill>
+                <a:schemeClr val="tx1"/>
+              </a:solidFill>
+              <a:latin typeface="Arial" pitchFamily="34" charset="0"/>
+              <a:cs typeface="Arial" pitchFamily="34" charset="0"/>
+            </a:endParaRPr>
+          </a:p>
+          <a:p>
+            <a:pPr algn="r"/>
+            <a:r>
+              <a:rPr lang="en-US" dirty="0" err="1" smtClean="0">
+                <a:solidFill>
+                  <a:schemeClr val="tx1"/>
+                </a:solidFill>
+                <a:latin typeface="Arial" pitchFamily="34" charset="0"/>
+                <a:cs typeface="Arial" pitchFamily="34" charset="0"/>
+              </a:rPr>
               <a:t>Mã</a:t>
             </a:r>
             <a:r>
@@ -4202,8 +4288,48 @@
                 <a:latin typeface="Arial" pitchFamily="34" charset="0"/>
                 <a:cs typeface="Arial" pitchFamily="34" charset="0"/>
               </a:rPr>
-              <a:t> viên:51603242 </a:t>
-            </a:r>
+              <a:t> </a:t>
+            </a:r>
+            <a:r>
+              <a:rPr lang="en-US" dirty="0" smtClean="0">
+                <a:solidFill>
+                  <a:schemeClr val="tx1"/>
+                </a:solidFill>
+                <a:latin typeface="Arial" pitchFamily="34" charset="0"/>
+                <a:cs typeface="Arial" pitchFamily="34" charset="0"/>
+              </a:rPr>
+              <a:t>viên:51603242</a:t>
+            </a:r>
+          </a:p>
+          <a:p>
+            <a:pPr algn="r"/>
+            <a:r>
+              <a:rPr lang="en-US" dirty="0" smtClean="0">
+                <a:solidFill>
+                  <a:schemeClr val="tx1"/>
+                </a:solidFill>
+                <a:latin typeface="Arial" pitchFamily="34" charset="0"/>
+                <a:cs typeface="Arial" pitchFamily="34" charset="0"/>
+              </a:rPr>
+              <a:t>51702119</a:t>
+            </a:r>
+            <a:r>
+              <a:rPr lang="en-US" dirty="0" smtClean="0">
+                <a:solidFill>
+                  <a:schemeClr val="tx1"/>
+                </a:solidFill>
+                <a:latin typeface="Arial" pitchFamily="34" charset="0"/>
+                <a:cs typeface="Arial" pitchFamily="34" charset="0"/>
+              </a:rPr>
+              <a:t> </a:t>
+            </a:r>
+            <a:endParaRPr lang="en-US" dirty="0" smtClean="0">
+              <a:solidFill>
+                <a:schemeClr val="tx1"/>
+              </a:solidFill>
+              <a:latin typeface="Arial" pitchFamily="34" charset="0"/>
+              <a:cs typeface="Arial" pitchFamily="34" charset="0"/>
+            </a:endParaRPr>
           </a:p>
           <a:p>
             <a:pPr algn="r"/>
@@ -6650,10 +6776,6 @@
               </a:rPr>
               <a:t>.</a:t>
             </a:r>
-            <a:endParaRPr lang="en-US" sz="2400" dirty="0" smtClean="0">
-              <a:latin typeface="Arial" pitchFamily="34" charset="0"/>
-              <a:cs typeface="Arial" pitchFamily="34" charset="0"/>
-            </a:endParaRPr>
           </a:p>
         </p:txBody>
       </p:sp>
@@ -17814,64 +17936,3330 @@
           <a:chExt cx="0" cy="0"/>
         </a:xfrm>
       </p:grpSpPr>
-      <p:pic>
-        <p:nvPicPr>
-          <p:cNvPr id="4" name="Picture 2" descr="Slide kết thúc trong PowerPoint đẹp (16)"/>
-          <p:cNvPicPr>
-            <a:picLocks noChangeAspect="1" noChangeArrowheads="1"/>
-          </p:cNvPicPr>
-          <p:nvPr/>
-        </p:nvPicPr>
-        <p:blipFill>
-          <a:blip r:embed="rId2">
-            <a:extLst>
-              <a:ext uri="{28A0092B-C50C-407E-A947-70E740481C1C}">
-                <a14:useLocalDpi xmlns:a14="http://schemas.microsoft.com/office/drawing/2010/main" val="0"/>
-              </a:ext>
-            </a:extLst>
-          </a:blip>
-          <a:srcRect/>
-          <a:stretch>
-            <a:fillRect/>
-          </a:stretch>
-        </p:blipFill>
-        <p:spPr bwMode="auto">
-          <a:xfrm>
-            <a:off x="0" y="-14916"/>
-            <a:ext cx="9266738" cy="6903720"/>
-          </a:xfrm>
-          <a:prstGeom prst="rect">
-            <a:avLst/>
-          </a:prstGeom>
-          <a:noFill/>
-          <a:extLst>
-            <a:ext uri="{909E8E84-426E-40DD-AFC4-6F175D3DCCD1}">
-              <a14:hiddenFill xmlns:a14="http://schemas.microsoft.com/office/drawing/2010/main">
-                <a:solidFill>
-                  <a:srgbClr val="FFFFFF"/>
-                </a:solidFill>
-              </a14:hiddenFill>
-            </a:ext>
-          </a:extLst>
-        </p:spPr>
-      </p:pic>
+      <p:sp>
+        <p:nvSpPr>
+          <p:cNvPr id="2" name="Title 1"/>
+          <p:cNvSpPr>
+            <a:spLocks noGrp="1"/>
+          </p:cNvSpPr>
+          <p:nvPr>
+            <p:ph type="title"/>
+          </p:nvPr>
+        </p:nvSpPr>
+        <p:spPr/>
+        <p:txBody>
+          <a:bodyPr/>
+          <a:lstStyle/>
+          <a:p>
+            <a:pPr algn="ctr"/>
+            <a:r>
+              <a:rPr lang="en-US" dirty="0" smtClean="0"/>
+              <a:t>OVERFITTING</a:t>
+            </a:r>
+            <a:endParaRPr lang="en-US" dirty="0"/>
+          </a:p>
+        </p:txBody>
+      </p:sp>
+      <p:sp>
+        <p:nvSpPr>
+          <p:cNvPr id="3" name="Content Placeholder 2"/>
+          <p:cNvSpPr>
+            <a:spLocks noGrp="1"/>
+          </p:cNvSpPr>
+          <p:nvPr>
+            <p:ph idx="1"/>
+          </p:nvPr>
+        </p:nvSpPr>
+        <p:spPr/>
+        <p:txBody>
+          <a:bodyPr/>
+          <a:lstStyle/>
+          <a:p>
+            <a:pPr marL="114300" indent="0">
+              <a:buNone/>
+            </a:pPr>
+            <a:r>
+              <a:rPr lang="en-US" b="1" dirty="0" smtClean="0"/>
+              <a:t>OVERFITTING LÀ GÌ?</a:t>
+            </a:r>
+          </a:p>
+          <a:p>
+            <a:r>
+              <a:rPr lang="en-US" dirty="0" smtClean="0"/>
+              <a:t>Overfitting </a:t>
+            </a:r>
+            <a:r>
+              <a:rPr lang="en-US" dirty="0" err="1" smtClean="0"/>
+              <a:t>nếu</a:t>
+            </a:r>
+            <a:r>
+              <a:rPr lang="en-US" dirty="0" smtClean="0"/>
+              <a:t> </a:t>
+            </a:r>
+            <a:r>
+              <a:rPr lang="en-US" dirty="0" err="1" smtClean="0"/>
+              <a:t>dịch</a:t>
+            </a:r>
+            <a:r>
+              <a:rPr lang="en-US" dirty="0" smtClean="0"/>
+              <a:t> </a:t>
+            </a:r>
+            <a:r>
+              <a:rPr lang="en-US" dirty="0" err="1" smtClean="0"/>
+              <a:t>sát</a:t>
+            </a:r>
+            <a:r>
+              <a:rPr lang="en-US" dirty="0" smtClean="0"/>
+              <a:t> </a:t>
+            </a:r>
+            <a:r>
+              <a:rPr lang="en-US" dirty="0" err="1" smtClean="0"/>
+              <a:t>nghĩa</a:t>
+            </a:r>
+            <a:r>
+              <a:rPr lang="en-US" dirty="0" smtClean="0"/>
+              <a:t> </a:t>
+            </a:r>
+            <a:r>
+              <a:rPr lang="en-US" dirty="0" err="1" smtClean="0"/>
+              <a:t>tiếng</a:t>
+            </a:r>
+            <a:r>
+              <a:rPr lang="en-US" dirty="0" smtClean="0"/>
+              <a:t> </a:t>
+            </a:r>
+            <a:r>
+              <a:rPr lang="en-US" dirty="0" err="1" smtClean="0"/>
+              <a:t>Việt</a:t>
+            </a:r>
+            <a:r>
+              <a:rPr lang="en-US" dirty="0" smtClean="0"/>
+              <a:t> </a:t>
+            </a:r>
+            <a:r>
+              <a:rPr lang="en-US" dirty="0" err="1" smtClean="0"/>
+              <a:t>có</a:t>
+            </a:r>
+            <a:r>
+              <a:rPr lang="en-US" dirty="0" smtClean="0"/>
+              <a:t> </a:t>
+            </a:r>
+            <a:r>
+              <a:rPr lang="en-US" dirty="0" err="1" smtClean="0"/>
+              <a:t>nghĩa</a:t>
+            </a:r>
+            <a:r>
+              <a:rPr lang="en-US" dirty="0" smtClean="0"/>
+              <a:t> </a:t>
+            </a:r>
+            <a:r>
+              <a:rPr lang="en-US" dirty="0" err="1" smtClean="0"/>
+              <a:t>là</a:t>
+            </a:r>
+            <a:r>
+              <a:rPr lang="en-US" dirty="0" smtClean="0"/>
+              <a:t> </a:t>
+            </a:r>
+            <a:r>
+              <a:rPr lang="en-US" dirty="0" err="1" smtClean="0"/>
+              <a:t>khít</a:t>
+            </a:r>
+            <a:r>
+              <a:rPr lang="en-US" dirty="0" smtClean="0"/>
+              <a:t> </a:t>
+            </a:r>
+            <a:r>
+              <a:rPr lang="en-US" dirty="0" err="1" smtClean="0"/>
+              <a:t>quá</a:t>
+            </a:r>
+            <a:r>
+              <a:rPr lang="en-US" dirty="0" smtClean="0"/>
+              <a:t>. </a:t>
+            </a:r>
+            <a:endParaRPr lang="en-US" dirty="0"/>
+          </a:p>
+          <a:p>
+            <a:r>
+              <a:rPr lang="en-US" b="1" dirty="0" smtClean="0"/>
+              <a:t>Overfitting </a:t>
+            </a:r>
+            <a:r>
+              <a:rPr lang="en-US" b="1" dirty="0" err="1" smtClean="0"/>
+              <a:t>giải</a:t>
+            </a:r>
+            <a:r>
+              <a:rPr lang="en-US" b="1" dirty="0" smtClean="0"/>
+              <a:t> </a:t>
+            </a:r>
+            <a:r>
+              <a:rPr lang="en-US" b="1" dirty="0" err="1" smtClean="0"/>
+              <a:t>thích</a:t>
+            </a:r>
+            <a:r>
+              <a:rPr lang="en-US" b="1" dirty="0" smtClean="0"/>
+              <a:t> </a:t>
+            </a:r>
+            <a:r>
+              <a:rPr lang="en-US" b="1" dirty="0" err="1" smtClean="0"/>
+              <a:t>ngắn</a:t>
+            </a:r>
+            <a:r>
+              <a:rPr lang="en-US" b="1" dirty="0" smtClean="0"/>
+              <a:t> </a:t>
+            </a:r>
+            <a:r>
+              <a:rPr lang="en-US" b="1" dirty="0" err="1" smtClean="0"/>
+              <a:t>gọn</a:t>
+            </a:r>
+            <a:r>
+              <a:rPr lang="en-US" b="1" dirty="0" smtClean="0"/>
+              <a:t> </a:t>
+            </a:r>
+            <a:r>
+              <a:rPr lang="en-US" b="1" dirty="0" err="1" smtClean="0"/>
+              <a:t>thì</a:t>
+            </a:r>
+            <a:r>
+              <a:rPr lang="en-US" b="1" dirty="0" smtClean="0"/>
+              <a:t> </a:t>
+            </a:r>
+            <a:r>
+              <a:rPr lang="en-US" b="1" dirty="0" err="1" smtClean="0"/>
+              <a:t>có</a:t>
+            </a:r>
+            <a:r>
+              <a:rPr lang="en-US" b="1" dirty="0" smtClean="0"/>
+              <a:t> </a:t>
+            </a:r>
+            <a:r>
+              <a:rPr lang="en-US" b="1" dirty="0" err="1" smtClean="0"/>
+              <a:t>đây</a:t>
+            </a:r>
+            <a:r>
+              <a:rPr lang="en-US" b="1" dirty="0" smtClean="0"/>
+              <a:t> </a:t>
+            </a:r>
+            <a:r>
+              <a:rPr lang="en-US" b="1" dirty="0" err="1" smtClean="0"/>
+              <a:t>là</a:t>
+            </a:r>
+            <a:r>
+              <a:rPr lang="en-US" b="1" dirty="0" smtClean="0"/>
+              <a:t> </a:t>
+            </a:r>
+            <a:r>
+              <a:rPr lang="en-US" b="1" dirty="0" err="1" smtClean="0"/>
+              <a:t>vấn</a:t>
+            </a:r>
+            <a:r>
+              <a:rPr lang="en-US" b="1" dirty="0" smtClean="0"/>
+              <a:t> </a:t>
+            </a:r>
+            <a:r>
+              <a:rPr lang="en-US" b="1" dirty="0" err="1" smtClean="0"/>
+              <a:t>đề</a:t>
+            </a:r>
+            <a:r>
+              <a:rPr lang="en-US" b="1" dirty="0"/>
+              <a:t> </a:t>
+            </a:r>
+            <a:r>
+              <a:rPr lang="en-US" b="1" dirty="0" err="1" smtClean="0"/>
+              <a:t>khi</a:t>
+            </a:r>
+            <a:r>
+              <a:rPr lang="en-US" b="1" dirty="0" smtClean="0"/>
+              <a:t> ta training </a:t>
+            </a:r>
+            <a:r>
+              <a:rPr lang="en-US" b="1" dirty="0" err="1" smtClean="0"/>
+              <a:t>trên</a:t>
+            </a:r>
+            <a:r>
+              <a:rPr lang="en-US" b="1" dirty="0" smtClean="0"/>
+              <a:t> training set </a:t>
+            </a:r>
+            <a:r>
+              <a:rPr lang="en-US" b="1" dirty="0" err="1" smtClean="0"/>
+              <a:t>dù</a:t>
+            </a:r>
+            <a:r>
+              <a:rPr lang="en-US" b="1" dirty="0" smtClean="0"/>
+              <a:t> </a:t>
+            </a:r>
+            <a:r>
+              <a:rPr lang="en-US" b="1" dirty="0" err="1" smtClean="0"/>
+              <a:t>cho</a:t>
+            </a:r>
+            <a:r>
+              <a:rPr lang="en-US" b="1" dirty="0" smtClean="0"/>
+              <a:t> </a:t>
+            </a:r>
+            <a:r>
+              <a:rPr lang="en-US" b="1" dirty="0" err="1" smtClean="0"/>
+              <a:t>ra</a:t>
+            </a:r>
+            <a:r>
+              <a:rPr lang="en-US" b="1" dirty="0" smtClean="0"/>
+              <a:t> </a:t>
+            </a:r>
+            <a:r>
+              <a:rPr lang="en-US" b="1" dirty="0" err="1" smtClean="0"/>
+              <a:t>kết</a:t>
+            </a:r>
+            <a:r>
+              <a:rPr lang="en-US" b="1" dirty="0" smtClean="0"/>
+              <a:t> </a:t>
+            </a:r>
+            <a:r>
+              <a:rPr lang="en-US" b="1" dirty="0" err="1" smtClean="0"/>
+              <a:t>quả</a:t>
+            </a:r>
+            <a:r>
+              <a:rPr lang="en-US" b="1" dirty="0" smtClean="0"/>
+              <a:t> </a:t>
+            </a:r>
+            <a:r>
+              <a:rPr lang="en-US" b="1" dirty="0" err="1" smtClean="0"/>
+              <a:t>rất</a:t>
+            </a:r>
+            <a:r>
+              <a:rPr lang="en-US" b="1" dirty="0" smtClean="0"/>
+              <a:t> </a:t>
+            </a:r>
+            <a:r>
+              <a:rPr lang="en-US" b="1" dirty="0" err="1" smtClean="0"/>
+              <a:t>tốt</a:t>
+            </a:r>
+            <a:r>
+              <a:rPr lang="en-US" b="1" dirty="0"/>
+              <a:t> </a:t>
+            </a:r>
+            <a:r>
+              <a:rPr lang="en-US" b="1" dirty="0" smtClean="0"/>
+              <a:t>(</a:t>
+            </a:r>
+            <a:r>
+              <a:rPr lang="en-US" b="1" dirty="0" err="1" smtClean="0"/>
+              <a:t>gần</a:t>
+            </a:r>
+            <a:r>
+              <a:rPr lang="en-US" b="1" dirty="0" smtClean="0"/>
+              <a:t> </a:t>
+            </a:r>
+            <a:r>
+              <a:rPr lang="en-US" b="1" dirty="0" err="1" smtClean="0"/>
+              <a:t>như</a:t>
+            </a:r>
+            <a:r>
+              <a:rPr lang="en-US" b="1" dirty="0" smtClean="0"/>
+              <a:t> </a:t>
+            </a:r>
+            <a:r>
+              <a:rPr lang="en-US" b="1" dirty="0" err="1" smtClean="0"/>
+              <a:t>chính</a:t>
+            </a:r>
+            <a:r>
+              <a:rPr lang="en-US" b="1" dirty="0" smtClean="0"/>
+              <a:t> </a:t>
+            </a:r>
+            <a:r>
+              <a:rPr lang="en-US" b="1" dirty="0" err="1" smtClean="0"/>
+              <a:t>xác</a:t>
+            </a:r>
+            <a:r>
+              <a:rPr lang="en-US" b="1" dirty="0" smtClean="0"/>
+              <a:t>) </a:t>
+            </a:r>
+            <a:r>
+              <a:rPr lang="en-US" b="1" dirty="0" err="1" smtClean="0"/>
+              <a:t>nhưng</a:t>
+            </a:r>
+            <a:r>
+              <a:rPr lang="en-US" b="1" dirty="0" smtClean="0"/>
+              <a:t> </a:t>
+            </a:r>
+            <a:r>
+              <a:rPr lang="en-US" b="1" dirty="0" err="1" smtClean="0"/>
+              <a:t>lại</a:t>
+            </a:r>
+            <a:r>
+              <a:rPr lang="en-US" b="1" dirty="0" smtClean="0"/>
+              <a:t> </a:t>
+            </a:r>
+            <a:r>
+              <a:rPr lang="en-US" b="1" dirty="0" err="1" smtClean="0"/>
+              <a:t>cho</a:t>
+            </a:r>
+            <a:r>
+              <a:rPr lang="en-US" b="1" dirty="0" smtClean="0"/>
+              <a:t> </a:t>
+            </a:r>
+            <a:r>
+              <a:rPr lang="en-US" b="1" dirty="0" err="1" smtClean="0"/>
+              <a:t>ra</a:t>
+            </a:r>
+            <a:r>
+              <a:rPr lang="en-US" b="1" dirty="0" smtClean="0"/>
+              <a:t> </a:t>
+            </a:r>
+            <a:r>
+              <a:rPr lang="en-US" b="1" dirty="0" err="1" smtClean="0"/>
+              <a:t>kết</a:t>
+            </a:r>
+            <a:r>
+              <a:rPr lang="en-US" b="1" dirty="0" smtClean="0"/>
+              <a:t> </a:t>
+            </a:r>
+            <a:r>
+              <a:rPr lang="en-US" b="1" dirty="0" err="1" smtClean="0"/>
+              <a:t>quả</a:t>
+            </a:r>
+            <a:r>
+              <a:rPr lang="en-US" b="1" dirty="0" smtClean="0"/>
+              <a:t> </a:t>
+            </a:r>
+            <a:r>
+              <a:rPr lang="en-US" b="1" dirty="0" err="1" smtClean="0"/>
+              <a:t>đạt</a:t>
+            </a:r>
+            <a:r>
+              <a:rPr lang="en-US" b="1" dirty="0" smtClean="0"/>
+              <a:t> </a:t>
+            </a:r>
+            <a:r>
+              <a:rPr lang="en-US" b="1" dirty="0" err="1" smtClean="0"/>
+              <a:t>độ</a:t>
+            </a:r>
+            <a:r>
+              <a:rPr lang="en-US" b="1" dirty="0" smtClean="0"/>
+              <a:t> </a:t>
+            </a:r>
+            <a:r>
+              <a:rPr lang="en-US" b="1" dirty="0" err="1" smtClean="0"/>
+              <a:t>chính</a:t>
+            </a:r>
+            <a:r>
+              <a:rPr lang="en-US" b="1" dirty="0" smtClean="0"/>
+              <a:t> </a:t>
+            </a:r>
+            <a:r>
+              <a:rPr lang="en-US" b="1" dirty="0" err="1" smtClean="0"/>
+              <a:t>xác</a:t>
+            </a:r>
+            <a:r>
+              <a:rPr lang="en-US" b="1" dirty="0" smtClean="0"/>
+              <a:t> </a:t>
+            </a:r>
+            <a:r>
+              <a:rPr lang="en-US" b="1" dirty="0" err="1" smtClean="0"/>
+              <a:t>rất</a:t>
+            </a:r>
+            <a:r>
+              <a:rPr lang="en-US" b="1" dirty="0" smtClean="0"/>
+              <a:t> </a:t>
+            </a:r>
+            <a:r>
+              <a:rPr lang="en-US" b="1" dirty="0" err="1" smtClean="0"/>
+              <a:t>kém</a:t>
+            </a:r>
+            <a:r>
+              <a:rPr lang="en-US" b="1" dirty="0" smtClean="0"/>
+              <a:t> ở testing set</a:t>
+            </a:r>
+            <a:r>
+              <a:rPr lang="en-US" dirty="0" smtClean="0"/>
+              <a:t>.</a:t>
+            </a:r>
+          </a:p>
+          <a:p>
+            <a:r>
+              <a:rPr lang="en-US" dirty="0" err="1" smtClean="0"/>
+              <a:t>Để</a:t>
+            </a:r>
+            <a:r>
+              <a:rPr lang="en-US" dirty="0" smtClean="0"/>
+              <a:t> </a:t>
+            </a:r>
+            <a:r>
+              <a:rPr lang="en-US" dirty="0" err="1" smtClean="0"/>
+              <a:t>hiểu</a:t>
+            </a:r>
+            <a:r>
+              <a:rPr lang="en-US" dirty="0" smtClean="0"/>
+              <a:t> </a:t>
+            </a:r>
+            <a:r>
+              <a:rPr lang="en-US" dirty="0" err="1" smtClean="0"/>
+              <a:t>hơn</a:t>
+            </a:r>
+            <a:r>
+              <a:rPr lang="en-US" dirty="0" smtClean="0"/>
+              <a:t> ta </a:t>
+            </a:r>
+            <a:r>
+              <a:rPr lang="en-US" dirty="0" err="1" smtClean="0"/>
+              <a:t>có</a:t>
+            </a:r>
+            <a:r>
+              <a:rPr lang="en-US" dirty="0" smtClean="0"/>
+              <a:t> </a:t>
+            </a:r>
+            <a:r>
+              <a:rPr lang="en-US" dirty="0" err="1" smtClean="0"/>
+              <a:t>thể</a:t>
+            </a:r>
+            <a:r>
+              <a:rPr lang="en-US" dirty="0" smtClean="0"/>
+              <a:t> </a:t>
+            </a:r>
+            <a:r>
+              <a:rPr lang="en-US" dirty="0" err="1" smtClean="0"/>
+              <a:t>đi</a:t>
+            </a:r>
+            <a:r>
+              <a:rPr lang="en-US" dirty="0" smtClean="0"/>
+              <a:t> qua </a:t>
+            </a:r>
+            <a:r>
+              <a:rPr lang="en-US" dirty="0" err="1" smtClean="0"/>
+              <a:t>ví</a:t>
+            </a:r>
+            <a:r>
+              <a:rPr lang="en-US" dirty="0" smtClean="0"/>
+              <a:t> </a:t>
+            </a:r>
+            <a:r>
+              <a:rPr lang="en-US" dirty="0" err="1" smtClean="0"/>
+              <a:t>dụ</a:t>
+            </a:r>
+            <a:r>
+              <a:rPr lang="en-US" dirty="0" smtClean="0"/>
+              <a:t> </a:t>
+            </a:r>
+            <a:r>
+              <a:rPr lang="en-US" dirty="0" err="1" smtClean="0"/>
+              <a:t>sau</a:t>
+            </a:r>
+            <a:r>
+              <a:rPr lang="en-US" dirty="0" smtClean="0"/>
+              <a:t> </a:t>
+            </a:r>
+            <a:r>
+              <a:rPr lang="en-US" dirty="0" err="1" smtClean="0"/>
+              <a:t>đây</a:t>
+            </a:r>
+            <a:r>
+              <a:rPr lang="en-US" dirty="0" smtClean="0"/>
+              <a:t>, </a:t>
+            </a:r>
+            <a:r>
+              <a:rPr lang="en-US" dirty="0" err="1" smtClean="0"/>
+              <a:t>giả</a:t>
+            </a:r>
+            <a:r>
+              <a:rPr lang="en-US" dirty="0" smtClean="0"/>
+              <a:t> </a:t>
+            </a:r>
+            <a:r>
+              <a:rPr lang="en-US" dirty="0" err="1" smtClean="0"/>
+              <a:t>sử</a:t>
+            </a:r>
+            <a:r>
+              <a:rPr lang="en-US" dirty="0" smtClean="0"/>
+              <a:t> ta </a:t>
+            </a:r>
+            <a:r>
+              <a:rPr lang="en-US" dirty="0" err="1" smtClean="0"/>
+              <a:t>có</a:t>
+            </a:r>
+            <a:r>
+              <a:rPr lang="en-US" dirty="0" smtClean="0"/>
+              <a:t> </a:t>
+            </a:r>
+            <a:r>
+              <a:rPr lang="en-US" dirty="0" err="1" smtClean="0"/>
+              <a:t>tập</a:t>
+            </a:r>
+            <a:r>
+              <a:rPr lang="en-US" dirty="0" smtClean="0"/>
+              <a:t> </a:t>
+            </a:r>
+            <a:r>
+              <a:rPr lang="en-US" dirty="0" err="1" smtClean="0"/>
+              <a:t>dữ</a:t>
+            </a:r>
+            <a:r>
+              <a:rPr lang="en-US" dirty="0" smtClean="0"/>
+              <a:t> </a:t>
+            </a:r>
+            <a:r>
+              <a:rPr lang="en-US" dirty="0" err="1" smtClean="0"/>
+              <a:t>liệu</a:t>
+            </a:r>
+            <a:r>
+              <a:rPr lang="en-US" dirty="0" smtClean="0"/>
+              <a:t> training </a:t>
+            </a:r>
+            <a:r>
+              <a:rPr lang="en-US" dirty="0" err="1" smtClean="0"/>
+              <a:t>và</a:t>
+            </a:r>
+            <a:r>
+              <a:rPr lang="en-US" dirty="0" smtClean="0"/>
+              <a:t> testing </a:t>
+            </a:r>
+            <a:r>
+              <a:rPr lang="en-US" dirty="0" err="1" smtClean="0"/>
+              <a:t>sau</a:t>
+            </a:r>
+            <a:r>
+              <a:rPr lang="en-US" dirty="0" smtClean="0"/>
+              <a:t> </a:t>
+            </a:r>
+            <a:r>
+              <a:rPr lang="en-US" dirty="0" err="1" smtClean="0"/>
+              <a:t>đây</a:t>
+            </a:r>
+            <a:r>
+              <a:rPr lang="en-US" dirty="0" smtClean="0"/>
+              <a:t>:</a:t>
+            </a:r>
+          </a:p>
+          <a:p>
+            <a:endParaRPr lang="en-US" dirty="0" smtClean="0"/>
+          </a:p>
+        </p:txBody>
+      </p:sp>
     </p:spTree>
     <p:extLst>
       <p:ext uri="{BB962C8B-B14F-4D97-AF65-F5344CB8AC3E}">
-        <p14:creationId xmlns:p14="http://schemas.microsoft.com/office/powerpoint/2010/main" val="3173544588"/>
+        <p14:creationId xmlns:p14="http://schemas.microsoft.com/office/powerpoint/2010/main" val="969634633"/>
       </p:ext>
     </p:extLst>
   </p:cSld>
   <p:clrMapOvr>
     <a:masterClrMapping/>
   </p:clrMapOvr>
-  <p:timing>
-    <p:tnLst>
-      <p:par>
-        <p:cTn id="1" dur="indefinite" restart="never" nodeType="tmRoot"/>
-      </p:par>
-    </p:tnLst>
-  </p:timing>
+</p:sld>
+</file>
+
+<file path=ppt/slides/slide33.xml><?xml version="1.0" encoding="utf-8"?>
+<p:sld xmlns:a="http://schemas.openxmlformats.org/drawingml/2006/main" xmlns:r="http://schemas.openxmlformats.org/officeDocument/2006/relationships" xmlns:p="http://schemas.openxmlformats.org/presentationml/2006/main">
+  <p:cSld>
+    <p:spTree>
+      <p:nvGrpSpPr>
+        <p:cNvPr id="1" name=""/>
+        <p:cNvGrpSpPr/>
+        <p:nvPr/>
+      </p:nvGrpSpPr>
+      <p:grpSpPr>
+        <a:xfrm>
+          <a:off x="0" y="0"/>
+          <a:ext cx="0" cy="0"/>
+          <a:chOff x="0" y="0"/>
+          <a:chExt cx="0" cy="0"/>
+        </a:xfrm>
+      </p:grpSpPr>
+      <p:sp>
+        <p:nvSpPr>
+          <p:cNvPr id="2" name="Title 1"/>
+          <p:cNvSpPr>
+            <a:spLocks noGrp="1"/>
+          </p:cNvSpPr>
+          <p:nvPr>
+            <p:ph type="title"/>
+          </p:nvPr>
+        </p:nvSpPr>
+        <p:spPr/>
+        <p:txBody>
+          <a:bodyPr/>
+          <a:lstStyle/>
+          <a:p>
+            <a:pPr algn="ctr"/>
+            <a:r>
+              <a:rPr lang="en-US" dirty="0"/>
+              <a:t>OVERFITTING</a:t>
+            </a:r>
+          </a:p>
+        </p:txBody>
+      </p:sp>
+      <p:sp>
+        <p:nvSpPr>
+          <p:cNvPr id="3" name="Content Placeholder 2"/>
+          <p:cNvSpPr>
+            <a:spLocks noGrp="1"/>
+          </p:cNvSpPr>
+          <p:nvPr>
+            <p:ph idx="1"/>
+          </p:nvPr>
+        </p:nvSpPr>
+        <p:spPr/>
+        <p:txBody>
+          <a:bodyPr/>
+          <a:lstStyle/>
+          <a:p>
+            <a:r>
+              <a:rPr lang="en-US" dirty="0" err="1" smtClean="0"/>
+              <a:t>Tập</a:t>
+            </a:r>
+            <a:r>
+              <a:rPr lang="en-US" dirty="0" smtClean="0"/>
+              <a:t> training set: </a:t>
+            </a:r>
+          </a:p>
+          <a:p>
+            <a:endParaRPr lang="en-US" dirty="0"/>
+          </a:p>
+          <a:p>
+            <a:endParaRPr lang="en-US" dirty="0" smtClean="0"/>
+          </a:p>
+          <a:p>
+            <a:endParaRPr lang="en-US" dirty="0"/>
+          </a:p>
+          <a:p>
+            <a:endParaRPr lang="en-US" dirty="0" smtClean="0"/>
+          </a:p>
+          <a:p>
+            <a:endParaRPr lang="en-US" dirty="0"/>
+          </a:p>
+          <a:p>
+            <a:r>
+              <a:rPr lang="en-US" dirty="0" err="1" smtClean="0"/>
+              <a:t>Tập</a:t>
+            </a:r>
+            <a:r>
+              <a:rPr lang="en-US" dirty="0" smtClean="0"/>
+              <a:t> testing set:</a:t>
+            </a:r>
+          </a:p>
+          <a:p>
+            <a:endParaRPr lang="en-US" dirty="0" smtClean="0"/>
+          </a:p>
+          <a:p>
+            <a:endParaRPr lang="en-US" dirty="0"/>
+          </a:p>
+        </p:txBody>
+      </p:sp>
+      <p:pic>
+        <p:nvPicPr>
+          <p:cNvPr id="5" name="Picture 4"/>
+          <p:cNvPicPr>
+            <a:picLocks noChangeAspect="1"/>
+          </p:cNvPicPr>
+          <p:nvPr/>
+        </p:nvPicPr>
+        <p:blipFill>
+          <a:blip r:embed="rId2"/>
+          <a:stretch>
+            <a:fillRect/>
+          </a:stretch>
+        </p:blipFill>
+        <p:spPr>
+          <a:xfrm>
+            <a:off x="2209800" y="2133600"/>
+            <a:ext cx="3733800" cy="1954466"/>
+          </a:xfrm>
+          <a:prstGeom prst="rect">
+            <a:avLst/>
+          </a:prstGeom>
+        </p:spPr>
+      </p:pic>
+      <p:pic>
+        <p:nvPicPr>
+          <p:cNvPr id="6" name="Picture 5"/>
+          <p:cNvPicPr>
+            <a:picLocks noChangeAspect="1"/>
+          </p:cNvPicPr>
+          <p:nvPr/>
+        </p:nvPicPr>
+        <p:blipFill>
+          <a:blip r:embed="rId3"/>
+          <a:stretch>
+            <a:fillRect/>
+          </a:stretch>
+        </p:blipFill>
+        <p:spPr>
+          <a:xfrm>
+            <a:off x="2350477" y="4615604"/>
+            <a:ext cx="3581400" cy="1855313"/>
+          </a:xfrm>
+          <a:prstGeom prst="rect">
+            <a:avLst/>
+          </a:prstGeom>
+        </p:spPr>
+      </p:pic>
+    </p:spTree>
+    <p:extLst>
+      <p:ext uri="{BB962C8B-B14F-4D97-AF65-F5344CB8AC3E}">
+        <p14:creationId xmlns:p14="http://schemas.microsoft.com/office/powerpoint/2010/main" val="4085225654"/>
+      </p:ext>
+    </p:extLst>
+  </p:cSld>
+  <p:clrMapOvr>
+    <a:masterClrMapping/>
+  </p:clrMapOvr>
+</p:sld>
+</file>
+
+<file path=ppt/slides/slide34.xml><?xml version="1.0" encoding="utf-8"?>
+<p:sld xmlns:a="http://schemas.openxmlformats.org/drawingml/2006/main" xmlns:r="http://schemas.openxmlformats.org/officeDocument/2006/relationships" xmlns:p="http://schemas.openxmlformats.org/presentationml/2006/main">
+  <p:cSld>
+    <p:spTree>
+      <p:nvGrpSpPr>
+        <p:cNvPr id="1" name=""/>
+        <p:cNvGrpSpPr/>
+        <p:nvPr/>
+      </p:nvGrpSpPr>
+      <p:grpSpPr>
+        <a:xfrm>
+          <a:off x="0" y="0"/>
+          <a:ext cx="0" cy="0"/>
+          <a:chOff x="0" y="0"/>
+          <a:chExt cx="0" cy="0"/>
+        </a:xfrm>
+      </p:grpSpPr>
+      <p:sp>
+        <p:nvSpPr>
+          <p:cNvPr id="2" name="Title 1"/>
+          <p:cNvSpPr>
+            <a:spLocks noGrp="1"/>
+          </p:cNvSpPr>
+          <p:nvPr>
+            <p:ph type="title"/>
+          </p:nvPr>
+        </p:nvSpPr>
+        <p:spPr/>
+        <p:txBody>
+          <a:bodyPr/>
+          <a:lstStyle/>
+          <a:p>
+            <a:pPr algn="ctr"/>
+            <a:r>
+              <a:rPr lang="en-US" dirty="0"/>
+              <a:t>OVERFITTING</a:t>
+            </a:r>
+          </a:p>
+        </p:txBody>
+      </p:sp>
+      <p:sp>
+        <p:nvSpPr>
+          <p:cNvPr id="3" name="Content Placeholder 2"/>
+          <p:cNvSpPr>
+            <a:spLocks noGrp="1"/>
+          </p:cNvSpPr>
+          <p:nvPr>
+            <p:ph idx="1"/>
+          </p:nvPr>
+        </p:nvSpPr>
+        <p:spPr>
+          <a:xfrm>
+            <a:off x="483393" y="1143000"/>
+            <a:ext cx="7620000" cy="4800600"/>
+          </a:xfrm>
+        </p:spPr>
+        <p:txBody>
+          <a:bodyPr/>
+          <a:lstStyle/>
+          <a:p>
+            <a:r>
+              <a:rPr lang="en-US" dirty="0" err="1" smtClean="0"/>
+              <a:t>Giả</a:t>
+            </a:r>
+            <a:r>
+              <a:rPr lang="en-US" dirty="0" smtClean="0"/>
+              <a:t> </a:t>
+            </a:r>
+            <a:r>
+              <a:rPr lang="en-US" dirty="0" err="1" smtClean="0"/>
+              <a:t>sử</a:t>
+            </a:r>
+            <a:r>
+              <a:rPr lang="en-US" dirty="0" smtClean="0"/>
+              <a:t> </a:t>
+            </a:r>
+            <a:r>
+              <a:rPr lang="en-US" dirty="0" err="1" smtClean="0"/>
+              <a:t>mô</a:t>
+            </a:r>
+            <a:r>
+              <a:rPr lang="en-US" dirty="0" smtClean="0"/>
+              <a:t> </a:t>
+            </a:r>
+            <a:r>
+              <a:rPr lang="en-US" dirty="0" err="1" smtClean="0"/>
+              <a:t>hình</a:t>
+            </a:r>
+            <a:r>
+              <a:rPr lang="en-US" dirty="0" smtClean="0"/>
+              <a:t> </a:t>
+            </a:r>
+            <a:r>
+              <a:rPr lang="en-US" dirty="0" err="1" smtClean="0"/>
+              <a:t>máy</a:t>
+            </a:r>
+            <a:r>
+              <a:rPr lang="en-US" dirty="0" smtClean="0"/>
+              <a:t> </a:t>
+            </a:r>
+            <a:r>
+              <a:rPr lang="en-US" dirty="0" err="1" smtClean="0"/>
+              <a:t>học</a:t>
+            </a:r>
+            <a:r>
+              <a:rPr lang="en-US" dirty="0" smtClean="0"/>
+              <a:t> </a:t>
+            </a:r>
+            <a:r>
+              <a:rPr lang="en-US" dirty="0" err="1" smtClean="0"/>
+              <a:t>của</a:t>
+            </a:r>
+            <a:r>
+              <a:rPr lang="en-US" dirty="0" smtClean="0"/>
+              <a:t> ta </a:t>
+            </a:r>
+            <a:r>
+              <a:rPr lang="en-US" dirty="0" err="1" smtClean="0"/>
+              <a:t>sau</a:t>
+            </a:r>
+            <a:r>
+              <a:rPr lang="en-US" dirty="0"/>
+              <a:t> </a:t>
+            </a:r>
+            <a:r>
+              <a:rPr lang="en-US" dirty="0" smtClean="0"/>
+              <a:t>1 </a:t>
+            </a:r>
+            <a:r>
+              <a:rPr lang="en-US" dirty="0" err="1" smtClean="0"/>
+              <a:t>ngày</a:t>
+            </a:r>
+            <a:r>
+              <a:rPr lang="en-US" dirty="0" smtClean="0"/>
+              <a:t>, </a:t>
+            </a:r>
+            <a:r>
+              <a:rPr lang="en-US" dirty="0" err="1" smtClean="0"/>
+              <a:t>đã</a:t>
+            </a:r>
+            <a:r>
+              <a:rPr lang="en-US" dirty="0" smtClean="0"/>
+              <a:t> </a:t>
+            </a:r>
+            <a:r>
+              <a:rPr lang="en-US" dirty="0" err="1" smtClean="0"/>
+              <a:t>cho</a:t>
+            </a:r>
+            <a:r>
+              <a:rPr lang="en-US" dirty="0" smtClean="0"/>
+              <a:t> </a:t>
+            </a:r>
+            <a:r>
+              <a:rPr lang="en-US" dirty="0" err="1" smtClean="0"/>
+              <a:t>ra</a:t>
+            </a:r>
+            <a:r>
+              <a:rPr lang="en-US" dirty="0" smtClean="0"/>
+              <a:t> </a:t>
+            </a:r>
+            <a:r>
+              <a:rPr lang="en-US" dirty="0" err="1" smtClean="0"/>
+              <a:t>kết</a:t>
+            </a:r>
+            <a:r>
+              <a:rPr lang="en-US" dirty="0" smtClean="0"/>
+              <a:t> </a:t>
+            </a:r>
+            <a:r>
+              <a:rPr lang="en-US" dirty="0" err="1" smtClean="0"/>
+              <a:t>quả</a:t>
+            </a:r>
+            <a:r>
+              <a:rPr lang="en-US" dirty="0" smtClean="0"/>
+              <a:t> </a:t>
+            </a:r>
+            <a:r>
+              <a:rPr lang="en-US" dirty="0" err="1" smtClean="0"/>
+              <a:t>phân</a:t>
+            </a:r>
+            <a:r>
+              <a:rPr lang="en-US" dirty="0" smtClean="0"/>
+              <a:t> chia </a:t>
+            </a:r>
+            <a:r>
+              <a:rPr lang="en-US" dirty="0" err="1" smtClean="0"/>
+              <a:t>màu</a:t>
+            </a:r>
+            <a:r>
+              <a:rPr lang="en-US" dirty="0" smtClean="0"/>
+              <a:t> </a:t>
+            </a:r>
+            <a:r>
+              <a:rPr lang="en-US" dirty="0" err="1" smtClean="0"/>
+              <a:t>cho</a:t>
+            </a:r>
+            <a:r>
+              <a:rPr lang="en-US" dirty="0" smtClean="0"/>
+              <a:t> </a:t>
+            </a:r>
+            <a:r>
+              <a:rPr lang="en-US" dirty="0" err="1" smtClean="0"/>
+              <a:t>tập</a:t>
+            </a:r>
+            <a:r>
+              <a:rPr lang="en-US" dirty="0" smtClean="0"/>
+              <a:t> training set </a:t>
+            </a:r>
+            <a:r>
+              <a:rPr lang="en-US" dirty="0" err="1" smtClean="0"/>
+              <a:t>như</a:t>
+            </a:r>
+            <a:r>
+              <a:rPr lang="en-US" dirty="0" smtClean="0"/>
+              <a:t> </a:t>
+            </a:r>
+            <a:r>
+              <a:rPr lang="en-US" dirty="0" err="1" smtClean="0"/>
+              <a:t>sau</a:t>
+            </a:r>
+            <a:r>
+              <a:rPr lang="en-US" dirty="0" smtClean="0"/>
+              <a:t>:</a:t>
+            </a:r>
+          </a:p>
+          <a:p>
+            <a:endParaRPr lang="en-US" dirty="0" smtClean="0"/>
+          </a:p>
+          <a:p>
+            <a:endParaRPr lang="en-US" dirty="0" smtClean="0"/>
+          </a:p>
+          <a:p>
+            <a:endParaRPr lang="en-US" dirty="0"/>
+          </a:p>
+          <a:p>
+            <a:endParaRPr lang="en-US" dirty="0" smtClean="0"/>
+          </a:p>
+          <a:p>
+            <a:endParaRPr lang="en-US" dirty="0"/>
+          </a:p>
+          <a:p>
+            <a:r>
+              <a:rPr lang="en-US" dirty="0" err="1" smtClean="0"/>
+              <a:t>Bạn</a:t>
+            </a:r>
+            <a:r>
+              <a:rPr lang="en-US" dirty="0" smtClean="0"/>
+              <a:t> </a:t>
+            </a:r>
+            <a:r>
+              <a:rPr lang="en-US" dirty="0" err="1" smtClean="0"/>
+              <a:t>thấy</a:t>
+            </a:r>
+            <a:r>
+              <a:rPr lang="en-US" dirty="0" smtClean="0"/>
+              <a:t> </a:t>
+            </a:r>
+            <a:r>
+              <a:rPr lang="en-US" dirty="0" err="1" smtClean="0"/>
+              <a:t>mô</a:t>
+            </a:r>
+            <a:r>
+              <a:rPr lang="en-US" dirty="0" smtClean="0"/>
+              <a:t> </a:t>
+            </a:r>
+            <a:r>
+              <a:rPr lang="en-US" dirty="0" err="1" smtClean="0"/>
+              <a:t>hình</a:t>
+            </a:r>
+            <a:r>
+              <a:rPr lang="en-US" dirty="0" smtClean="0"/>
+              <a:t> </a:t>
+            </a:r>
+            <a:r>
+              <a:rPr lang="en-US" dirty="0" err="1" smtClean="0"/>
+              <a:t>vẫn</a:t>
+            </a:r>
+            <a:r>
+              <a:rPr lang="en-US" dirty="0" smtClean="0"/>
+              <a:t> </a:t>
+            </a:r>
+            <a:r>
+              <a:rPr lang="en-US" dirty="0" err="1" smtClean="0"/>
+              <a:t>chưa</a:t>
+            </a:r>
+            <a:r>
+              <a:rPr lang="en-US" dirty="0" smtClean="0"/>
+              <a:t> </a:t>
+            </a:r>
+            <a:r>
+              <a:rPr lang="en-US" dirty="0" err="1" smtClean="0"/>
+              <a:t>cho</a:t>
+            </a:r>
+            <a:r>
+              <a:rPr lang="en-US" dirty="0" smtClean="0"/>
+              <a:t> </a:t>
+            </a:r>
+            <a:r>
+              <a:rPr lang="en-US" dirty="0" err="1" smtClean="0"/>
+              <a:t>kết</a:t>
+            </a:r>
+            <a:r>
+              <a:rPr lang="en-US" dirty="0" smtClean="0"/>
+              <a:t> </a:t>
+            </a:r>
+            <a:r>
+              <a:rPr lang="en-US" dirty="0" err="1" smtClean="0"/>
+              <a:t>quả</a:t>
+            </a:r>
+            <a:r>
+              <a:rPr lang="en-US" dirty="0" smtClean="0"/>
+              <a:t> </a:t>
+            </a:r>
+            <a:r>
+              <a:rPr lang="en-US" dirty="0" err="1" smtClean="0"/>
+              <a:t>chính</a:t>
+            </a:r>
+            <a:r>
+              <a:rPr lang="en-US" dirty="0" smtClean="0"/>
+              <a:t> </a:t>
+            </a:r>
+            <a:r>
+              <a:rPr lang="en-US" dirty="0" err="1" smtClean="0"/>
+              <a:t>xác</a:t>
+            </a:r>
+            <a:r>
+              <a:rPr lang="en-US" dirty="0" smtClean="0"/>
+              <a:t>, </a:t>
+            </a:r>
+            <a:r>
+              <a:rPr lang="en-US" dirty="0" err="1" smtClean="0"/>
+              <a:t>bạn</a:t>
+            </a:r>
+            <a:r>
+              <a:rPr lang="en-US" dirty="0" smtClean="0"/>
+              <a:t> </a:t>
+            </a:r>
+            <a:r>
+              <a:rPr lang="en-US" dirty="0" err="1" smtClean="0"/>
+              <a:t>quyết</a:t>
+            </a:r>
+            <a:r>
+              <a:rPr lang="en-US" dirty="0" smtClean="0"/>
+              <a:t> </a:t>
+            </a:r>
+            <a:r>
+              <a:rPr lang="en-US" dirty="0" err="1" smtClean="0"/>
+              <a:t>định</a:t>
+            </a:r>
+            <a:r>
+              <a:rPr lang="en-US" dirty="0" smtClean="0"/>
+              <a:t> </a:t>
+            </a:r>
+            <a:r>
+              <a:rPr lang="en-US" dirty="0" err="1" smtClean="0"/>
+              <a:t>cho</a:t>
+            </a:r>
+            <a:r>
+              <a:rPr lang="en-US" dirty="0" smtClean="0"/>
+              <a:t> training </a:t>
+            </a:r>
+            <a:r>
+              <a:rPr lang="en-US" dirty="0" err="1" smtClean="0"/>
+              <a:t>thêm</a:t>
+            </a:r>
+            <a:r>
+              <a:rPr lang="en-US" dirty="0" smtClean="0"/>
+              <a:t> 1 </a:t>
+            </a:r>
+            <a:r>
+              <a:rPr lang="en-US" dirty="0" err="1" smtClean="0"/>
+              <a:t>ngày</a:t>
+            </a:r>
+            <a:r>
+              <a:rPr lang="en-US" dirty="0" smtClean="0"/>
+              <a:t> </a:t>
+            </a:r>
+            <a:r>
+              <a:rPr lang="en-US" dirty="0" err="1" smtClean="0"/>
+              <a:t>nữa</a:t>
+            </a:r>
+            <a:r>
+              <a:rPr lang="en-US" dirty="0" smtClean="0"/>
+              <a:t>. </a:t>
+            </a:r>
+            <a:r>
+              <a:rPr lang="en-US" dirty="0" err="1" smtClean="0"/>
+              <a:t>Đây</a:t>
+            </a:r>
+            <a:r>
+              <a:rPr lang="en-US" dirty="0" smtClean="0"/>
+              <a:t> </a:t>
+            </a:r>
+            <a:r>
+              <a:rPr lang="en-US" dirty="0" err="1" smtClean="0"/>
+              <a:t>là</a:t>
+            </a:r>
+            <a:r>
+              <a:rPr lang="en-US" dirty="0" smtClean="0"/>
+              <a:t> </a:t>
+            </a:r>
+            <a:r>
+              <a:rPr lang="en-US" dirty="0" err="1" smtClean="0"/>
+              <a:t>kết</a:t>
+            </a:r>
+            <a:r>
+              <a:rPr lang="en-US" dirty="0" smtClean="0"/>
+              <a:t> </a:t>
+            </a:r>
+            <a:r>
+              <a:rPr lang="en-US" dirty="0" err="1" smtClean="0"/>
+              <a:t>quả</a:t>
+            </a:r>
+            <a:r>
+              <a:rPr lang="en-US" dirty="0" smtClean="0"/>
+              <a:t> </a:t>
+            </a:r>
+            <a:r>
+              <a:rPr lang="en-US" dirty="0" err="1" smtClean="0"/>
+              <a:t>bạn</a:t>
+            </a:r>
+            <a:r>
+              <a:rPr lang="en-US" dirty="0" smtClean="0"/>
+              <a:t> </a:t>
+            </a:r>
+            <a:r>
+              <a:rPr lang="en-US" dirty="0" err="1" smtClean="0"/>
+              <a:t>đạt</a:t>
+            </a:r>
+            <a:r>
+              <a:rPr lang="en-US" dirty="0" smtClean="0"/>
+              <a:t> </a:t>
+            </a:r>
+            <a:r>
+              <a:rPr lang="en-US" dirty="0" err="1" smtClean="0"/>
+              <a:t>được</a:t>
+            </a:r>
+            <a:r>
+              <a:rPr lang="en-US" dirty="0" smtClean="0"/>
+              <a:t>, </a:t>
+            </a:r>
+            <a:r>
+              <a:rPr lang="en-US" dirty="0" err="1" smtClean="0"/>
+              <a:t>hoàn</a:t>
+            </a:r>
+            <a:r>
+              <a:rPr lang="en-US" dirty="0" smtClean="0"/>
+              <a:t> </a:t>
+            </a:r>
+            <a:r>
+              <a:rPr lang="en-US" dirty="0" err="1" smtClean="0"/>
+              <a:t>toàn</a:t>
+            </a:r>
+            <a:r>
+              <a:rPr lang="en-US" dirty="0" smtClean="0"/>
+              <a:t> </a:t>
+            </a:r>
+            <a:r>
+              <a:rPr lang="en-US" dirty="0" err="1" smtClean="0"/>
+              <a:t>chính</a:t>
+            </a:r>
+            <a:r>
+              <a:rPr lang="en-US" dirty="0" smtClean="0"/>
+              <a:t> </a:t>
+            </a:r>
+            <a:r>
+              <a:rPr lang="en-US" dirty="0" err="1" smtClean="0"/>
+              <a:t>xác</a:t>
+            </a:r>
+            <a:r>
+              <a:rPr lang="en-US" dirty="0" smtClean="0"/>
+              <a:t>:</a:t>
+            </a:r>
+          </a:p>
+          <a:p>
+            <a:pPr algn="ctr"/>
+            <a:endParaRPr lang="en-US" dirty="0" smtClean="0"/>
+          </a:p>
+        </p:txBody>
+      </p:sp>
+      <p:pic>
+        <p:nvPicPr>
+          <p:cNvPr id="4" name="Picture 3"/>
+          <p:cNvPicPr>
+            <a:picLocks noChangeAspect="1"/>
+          </p:cNvPicPr>
+          <p:nvPr/>
+        </p:nvPicPr>
+        <p:blipFill>
+          <a:blip r:embed="rId2"/>
+          <a:stretch>
+            <a:fillRect/>
+          </a:stretch>
+        </p:blipFill>
+        <p:spPr>
+          <a:xfrm>
+            <a:off x="2502693" y="1853613"/>
+            <a:ext cx="3633787" cy="1827006"/>
+          </a:xfrm>
+          <a:prstGeom prst="rect">
+            <a:avLst/>
+          </a:prstGeom>
+        </p:spPr>
+      </p:pic>
+      <p:pic>
+        <p:nvPicPr>
+          <p:cNvPr id="5" name="Picture 4"/>
+          <p:cNvPicPr>
+            <a:picLocks noChangeAspect="1"/>
+          </p:cNvPicPr>
+          <p:nvPr/>
+        </p:nvPicPr>
+        <p:blipFill>
+          <a:blip r:embed="rId3"/>
+          <a:stretch>
+            <a:fillRect/>
+          </a:stretch>
+        </p:blipFill>
+        <p:spPr>
+          <a:xfrm>
+            <a:off x="2560942" y="5001217"/>
+            <a:ext cx="3581400" cy="1810745"/>
+          </a:xfrm>
+          <a:prstGeom prst="rect">
+            <a:avLst/>
+          </a:prstGeom>
+        </p:spPr>
+      </p:pic>
+    </p:spTree>
+    <p:extLst>
+      <p:ext uri="{BB962C8B-B14F-4D97-AF65-F5344CB8AC3E}">
+        <p14:creationId xmlns:p14="http://schemas.microsoft.com/office/powerpoint/2010/main" val="1032179566"/>
+      </p:ext>
+    </p:extLst>
+  </p:cSld>
+  <p:clrMapOvr>
+    <a:masterClrMapping/>
+  </p:clrMapOvr>
+</p:sld>
+</file>
+
+<file path=ppt/slides/slide35.xml><?xml version="1.0" encoding="utf-8"?>
+<p:sld xmlns:a="http://schemas.openxmlformats.org/drawingml/2006/main" xmlns:r="http://schemas.openxmlformats.org/officeDocument/2006/relationships" xmlns:p="http://schemas.openxmlformats.org/presentationml/2006/main">
+  <p:cSld>
+    <p:spTree>
+      <p:nvGrpSpPr>
+        <p:cNvPr id="1" name=""/>
+        <p:cNvGrpSpPr/>
+        <p:nvPr/>
+      </p:nvGrpSpPr>
+      <p:grpSpPr>
+        <a:xfrm>
+          <a:off x="0" y="0"/>
+          <a:ext cx="0" cy="0"/>
+          <a:chOff x="0" y="0"/>
+          <a:chExt cx="0" cy="0"/>
+        </a:xfrm>
+      </p:grpSpPr>
+      <p:sp>
+        <p:nvSpPr>
+          <p:cNvPr id="2" name="Title 1"/>
+          <p:cNvSpPr>
+            <a:spLocks noGrp="1"/>
+          </p:cNvSpPr>
+          <p:nvPr>
+            <p:ph type="title"/>
+          </p:nvPr>
+        </p:nvSpPr>
+        <p:spPr/>
+        <p:txBody>
+          <a:bodyPr/>
+          <a:lstStyle/>
+          <a:p>
+            <a:pPr algn="ctr"/>
+            <a:r>
+              <a:rPr lang="en-US" dirty="0"/>
+              <a:t>OVERFITTING</a:t>
+            </a:r>
+          </a:p>
+        </p:txBody>
+      </p:sp>
+      <p:sp>
+        <p:nvSpPr>
+          <p:cNvPr id="3" name="Content Placeholder 2"/>
+          <p:cNvSpPr>
+            <a:spLocks noGrp="1"/>
+          </p:cNvSpPr>
+          <p:nvPr>
+            <p:ph idx="1"/>
+          </p:nvPr>
+        </p:nvSpPr>
+        <p:spPr/>
+        <p:txBody>
+          <a:bodyPr/>
+          <a:lstStyle/>
+          <a:p>
+            <a:r>
+              <a:rPr lang="en-US" dirty="0" err="1" smtClean="0"/>
+              <a:t>Như</a:t>
+            </a:r>
+            <a:r>
+              <a:rPr lang="en-US" dirty="0" smtClean="0"/>
+              <a:t> </a:t>
+            </a:r>
+            <a:r>
+              <a:rPr lang="en-US" dirty="0" err="1" smtClean="0"/>
+              <a:t>trên</a:t>
+            </a:r>
+            <a:r>
+              <a:rPr lang="en-US" dirty="0" smtClean="0"/>
+              <a:t> ta </a:t>
+            </a:r>
+            <a:r>
+              <a:rPr lang="en-US" dirty="0" err="1" smtClean="0"/>
+              <a:t>cảm</a:t>
+            </a:r>
+            <a:r>
+              <a:rPr lang="en-US" dirty="0" smtClean="0"/>
+              <a:t> </a:t>
+            </a:r>
+            <a:r>
+              <a:rPr lang="en-US" dirty="0" err="1" smtClean="0"/>
+              <a:t>thấy</a:t>
+            </a:r>
+            <a:r>
+              <a:rPr lang="en-US" dirty="0" smtClean="0"/>
+              <a:t> </a:t>
+            </a:r>
+            <a:r>
+              <a:rPr lang="en-US" dirty="0" err="1" smtClean="0"/>
+              <a:t>chắc</a:t>
+            </a:r>
+            <a:r>
+              <a:rPr lang="en-US" dirty="0" smtClean="0"/>
+              <a:t> </a:t>
+            </a:r>
+            <a:r>
+              <a:rPr lang="en-US" dirty="0" err="1" smtClean="0"/>
+              <a:t>chắn</a:t>
+            </a:r>
+            <a:r>
+              <a:rPr lang="en-US" dirty="0" smtClean="0"/>
+              <a:t> </a:t>
+            </a:r>
+            <a:r>
+              <a:rPr lang="en-US" dirty="0" err="1" smtClean="0"/>
+              <a:t>mô</a:t>
+            </a:r>
+            <a:r>
+              <a:rPr lang="en-US" dirty="0" smtClean="0"/>
+              <a:t> </a:t>
+            </a:r>
+            <a:r>
+              <a:rPr lang="en-US" dirty="0" err="1" smtClean="0"/>
+              <a:t>hình</a:t>
+            </a:r>
+            <a:r>
+              <a:rPr lang="en-US" dirty="0" smtClean="0"/>
+              <a:t> </a:t>
+            </a:r>
+            <a:r>
+              <a:rPr lang="en-US" dirty="0" err="1" smtClean="0"/>
+              <a:t>của</a:t>
+            </a:r>
+            <a:r>
+              <a:rPr lang="en-US" dirty="0" smtClean="0"/>
+              <a:t> </a:t>
+            </a:r>
+            <a:r>
+              <a:rPr lang="en-US" dirty="0" err="1" smtClean="0"/>
+              <a:t>ngày</a:t>
+            </a:r>
+            <a:r>
+              <a:rPr lang="en-US" dirty="0" smtClean="0"/>
+              <a:t> </a:t>
+            </a:r>
+            <a:r>
+              <a:rPr lang="en-US" dirty="0" err="1" smtClean="0"/>
+              <a:t>thứ</a:t>
+            </a:r>
+            <a:r>
+              <a:rPr lang="en-US" dirty="0" smtClean="0"/>
+              <a:t> 2 </a:t>
+            </a:r>
+            <a:r>
+              <a:rPr lang="en-US" dirty="0" err="1" smtClean="0"/>
+              <a:t>sẽ</a:t>
+            </a:r>
+            <a:r>
+              <a:rPr lang="en-US" dirty="0" smtClean="0"/>
+              <a:t> </a:t>
+            </a:r>
+            <a:r>
+              <a:rPr lang="en-US" dirty="0" err="1" smtClean="0"/>
+              <a:t>hiệu</a:t>
+            </a:r>
+            <a:r>
+              <a:rPr lang="en-US" dirty="0" smtClean="0"/>
+              <a:t> </a:t>
+            </a:r>
+            <a:r>
+              <a:rPr lang="en-US" dirty="0" err="1" smtClean="0"/>
+              <a:t>quả</a:t>
+            </a:r>
+            <a:r>
+              <a:rPr lang="en-US" dirty="0" smtClean="0"/>
+              <a:t>, </a:t>
+            </a:r>
+            <a:r>
+              <a:rPr lang="en-US" dirty="0" err="1" smtClean="0"/>
+              <a:t>nhưng</a:t>
+            </a:r>
+            <a:r>
+              <a:rPr lang="en-US" dirty="0" smtClean="0"/>
+              <a:t> </a:t>
+            </a:r>
+            <a:r>
+              <a:rPr lang="en-US" dirty="0" err="1" smtClean="0"/>
+              <a:t>khi</a:t>
+            </a:r>
+            <a:r>
+              <a:rPr lang="en-US" dirty="0" smtClean="0"/>
+              <a:t> ta </a:t>
+            </a:r>
+            <a:r>
+              <a:rPr lang="en-US" dirty="0" err="1" smtClean="0"/>
+              <a:t>thực</a:t>
+            </a:r>
+            <a:r>
+              <a:rPr lang="en-US" dirty="0" smtClean="0"/>
+              <a:t> </a:t>
+            </a:r>
+            <a:r>
+              <a:rPr lang="en-US" dirty="0" err="1" smtClean="0"/>
+              <a:t>hiện</a:t>
+            </a:r>
+            <a:r>
+              <a:rPr lang="en-US" dirty="0" smtClean="0"/>
+              <a:t> </a:t>
+            </a:r>
+            <a:r>
+              <a:rPr lang="en-US" dirty="0" err="1" smtClean="0"/>
+              <a:t>trên</a:t>
+            </a:r>
+            <a:r>
+              <a:rPr lang="en-US" dirty="0" smtClean="0"/>
+              <a:t> testing set </a:t>
+            </a:r>
+            <a:r>
+              <a:rPr lang="en-US" dirty="0" err="1" smtClean="0"/>
+              <a:t>thì</a:t>
+            </a:r>
+            <a:r>
+              <a:rPr lang="en-US" dirty="0" smtClean="0"/>
+              <a:t> </a:t>
+            </a:r>
+            <a:r>
+              <a:rPr lang="en-US" dirty="0" err="1" smtClean="0"/>
+              <a:t>mô</a:t>
+            </a:r>
+            <a:r>
+              <a:rPr lang="en-US" dirty="0" smtClean="0"/>
+              <a:t> </a:t>
+            </a:r>
+            <a:r>
+              <a:rPr lang="en-US" dirty="0" err="1" smtClean="0"/>
+              <a:t>hình</a:t>
+            </a:r>
+            <a:r>
+              <a:rPr lang="en-US" dirty="0"/>
+              <a:t> </a:t>
+            </a:r>
+            <a:r>
+              <a:rPr lang="en-US" dirty="0" err="1" smtClean="0"/>
+              <a:t>ngày</a:t>
+            </a:r>
+            <a:r>
+              <a:rPr lang="en-US" dirty="0" smtClean="0"/>
+              <a:t> </a:t>
+            </a:r>
+            <a:r>
+              <a:rPr lang="en-US" dirty="0" err="1" smtClean="0"/>
+              <a:t>thứ</a:t>
+            </a:r>
+            <a:r>
+              <a:rPr lang="en-US" dirty="0" smtClean="0"/>
+              <a:t> 2 </a:t>
+            </a:r>
+            <a:r>
+              <a:rPr lang="en-US" dirty="0" err="1" smtClean="0"/>
+              <a:t>cho</a:t>
+            </a:r>
+            <a:r>
+              <a:rPr lang="en-US" dirty="0" smtClean="0"/>
+              <a:t> </a:t>
+            </a:r>
+            <a:r>
+              <a:rPr lang="en-US" dirty="0" err="1" smtClean="0"/>
+              <a:t>ra</a:t>
+            </a:r>
+            <a:r>
+              <a:rPr lang="en-US" dirty="0" smtClean="0"/>
+              <a:t> </a:t>
+            </a:r>
+            <a:r>
+              <a:rPr lang="en-US" dirty="0" err="1" smtClean="0"/>
+              <a:t>kết</a:t>
+            </a:r>
+            <a:r>
+              <a:rPr lang="en-US" dirty="0" smtClean="0"/>
+              <a:t> </a:t>
+            </a:r>
+            <a:r>
+              <a:rPr lang="en-US" dirty="0" err="1" smtClean="0"/>
+              <a:t>quả</a:t>
+            </a:r>
+            <a:r>
+              <a:rPr lang="en-US" dirty="0" smtClean="0"/>
+              <a:t>: </a:t>
+            </a:r>
+          </a:p>
+          <a:p>
+            <a:endParaRPr lang="en-US" dirty="0"/>
+          </a:p>
+          <a:p>
+            <a:endParaRPr lang="en-US" dirty="0" smtClean="0"/>
+          </a:p>
+          <a:p>
+            <a:endParaRPr lang="en-US" dirty="0"/>
+          </a:p>
+          <a:p>
+            <a:endParaRPr lang="en-US" dirty="0" smtClean="0"/>
+          </a:p>
+          <a:p>
+            <a:endParaRPr lang="en-US" dirty="0"/>
+          </a:p>
+          <a:p>
+            <a:endParaRPr lang="en-US" dirty="0" smtClean="0"/>
+          </a:p>
+          <a:p>
+            <a:r>
+              <a:rPr lang="en-US" dirty="0" err="1" smtClean="0"/>
+              <a:t>Chỉ</a:t>
+            </a:r>
+            <a:r>
+              <a:rPr lang="en-US" dirty="0" smtClean="0"/>
+              <a:t> </a:t>
+            </a:r>
+            <a:r>
+              <a:rPr lang="en-US" dirty="0" err="1" smtClean="0"/>
+              <a:t>chính</a:t>
+            </a:r>
+            <a:r>
+              <a:rPr lang="en-US" dirty="0" smtClean="0"/>
+              <a:t> </a:t>
+            </a:r>
+            <a:r>
+              <a:rPr lang="en-US" dirty="0" err="1" smtClean="0"/>
+              <a:t>xác</a:t>
+            </a:r>
+            <a:r>
+              <a:rPr lang="en-US" dirty="0" smtClean="0"/>
+              <a:t> 30% </a:t>
+            </a:r>
+            <a:r>
+              <a:rPr lang="en-US" dirty="0" err="1" smtClean="0"/>
+              <a:t>trên</a:t>
+            </a:r>
+            <a:r>
+              <a:rPr lang="en-US" dirty="0" smtClean="0"/>
+              <a:t> testing set. </a:t>
+            </a:r>
+            <a:r>
+              <a:rPr lang="en-US" dirty="0" err="1" smtClean="0"/>
+              <a:t>Tiếp</a:t>
+            </a:r>
+            <a:r>
+              <a:rPr lang="en-US" dirty="0" smtClean="0"/>
+              <a:t> </a:t>
+            </a:r>
+            <a:r>
+              <a:rPr lang="en-US" dirty="0" err="1" smtClean="0"/>
+              <a:t>tục</a:t>
+            </a:r>
+            <a:r>
+              <a:rPr lang="en-US" dirty="0" smtClean="0"/>
+              <a:t> ta </a:t>
+            </a:r>
+            <a:r>
+              <a:rPr lang="en-US" dirty="0" err="1" smtClean="0"/>
+              <a:t>sử</a:t>
+            </a:r>
+            <a:r>
+              <a:rPr lang="en-US" dirty="0" smtClean="0"/>
+              <a:t> </a:t>
+            </a:r>
+            <a:r>
+              <a:rPr lang="en-US" dirty="0" err="1" smtClean="0"/>
+              <a:t>dụng</a:t>
+            </a:r>
+            <a:r>
+              <a:rPr lang="en-US" dirty="0" smtClean="0"/>
+              <a:t> </a:t>
+            </a:r>
+            <a:r>
+              <a:rPr lang="en-US" dirty="0" err="1" smtClean="0"/>
+              <a:t>mô</a:t>
+            </a:r>
+            <a:r>
+              <a:rPr lang="en-US" dirty="0" smtClean="0"/>
+              <a:t> </a:t>
+            </a:r>
+            <a:r>
+              <a:rPr lang="en-US" dirty="0" err="1" smtClean="0"/>
+              <a:t>hình</a:t>
+            </a:r>
+            <a:r>
+              <a:rPr lang="en-US" dirty="0" smtClean="0"/>
+              <a:t> </a:t>
+            </a:r>
+            <a:r>
+              <a:rPr lang="en-US" dirty="0" err="1" smtClean="0"/>
+              <a:t>có</a:t>
+            </a:r>
+            <a:r>
+              <a:rPr lang="en-US" dirty="0" smtClean="0"/>
+              <a:t> training error </a:t>
+            </a:r>
+            <a:r>
+              <a:rPr lang="en-US" dirty="0" err="1" smtClean="0"/>
+              <a:t>cao</a:t>
+            </a:r>
+            <a:r>
+              <a:rPr lang="en-US" dirty="0" smtClean="0"/>
+              <a:t> </a:t>
+            </a:r>
+            <a:r>
+              <a:rPr lang="en-US" dirty="0" err="1" smtClean="0"/>
+              <a:t>hơn</a:t>
+            </a:r>
+            <a:r>
+              <a:rPr lang="en-US" dirty="0" smtClean="0"/>
+              <a:t> </a:t>
+            </a:r>
+            <a:r>
+              <a:rPr lang="en-US" dirty="0" err="1" smtClean="0"/>
+              <a:t>của</a:t>
+            </a:r>
+            <a:r>
+              <a:rPr lang="en-US" dirty="0" smtClean="0"/>
+              <a:t> </a:t>
+            </a:r>
+            <a:r>
+              <a:rPr lang="en-US" dirty="0" err="1" smtClean="0"/>
+              <a:t>ngày</a:t>
+            </a:r>
+            <a:r>
+              <a:rPr lang="en-US" dirty="0" smtClean="0"/>
+              <a:t> </a:t>
+            </a:r>
+            <a:r>
+              <a:rPr lang="en-US" dirty="0" err="1" smtClean="0"/>
+              <a:t>thứ</a:t>
+            </a:r>
+            <a:r>
+              <a:rPr lang="en-US" dirty="0" smtClean="0"/>
+              <a:t> 1.</a:t>
+            </a:r>
+          </a:p>
+          <a:p>
+            <a:endParaRPr lang="en-US" dirty="0" smtClean="0"/>
+          </a:p>
+          <a:p>
+            <a:endParaRPr lang="en-US" dirty="0"/>
+          </a:p>
+        </p:txBody>
+      </p:sp>
+      <p:pic>
+        <p:nvPicPr>
+          <p:cNvPr id="5" name="Picture 4"/>
+          <p:cNvPicPr>
+            <a:picLocks noChangeAspect="1"/>
+          </p:cNvPicPr>
+          <p:nvPr/>
+        </p:nvPicPr>
+        <p:blipFill>
+          <a:blip r:embed="rId2"/>
+          <a:stretch>
+            <a:fillRect/>
+          </a:stretch>
+        </p:blipFill>
+        <p:spPr>
+          <a:xfrm>
+            <a:off x="2209800" y="2743200"/>
+            <a:ext cx="4295775" cy="2286000"/>
+          </a:xfrm>
+          <a:prstGeom prst="rect">
+            <a:avLst/>
+          </a:prstGeom>
+        </p:spPr>
+      </p:pic>
+    </p:spTree>
+    <p:extLst>
+      <p:ext uri="{BB962C8B-B14F-4D97-AF65-F5344CB8AC3E}">
+        <p14:creationId xmlns:p14="http://schemas.microsoft.com/office/powerpoint/2010/main" val="1997090608"/>
+      </p:ext>
+    </p:extLst>
+  </p:cSld>
+  <p:clrMapOvr>
+    <a:masterClrMapping/>
+  </p:clrMapOvr>
+</p:sld>
+</file>
+
+<file path=ppt/slides/slide36.xml><?xml version="1.0" encoding="utf-8"?>
+<p:sld xmlns:a="http://schemas.openxmlformats.org/drawingml/2006/main" xmlns:r="http://schemas.openxmlformats.org/officeDocument/2006/relationships" xmlns:p="http://schemas.openxmlformats.org/presentationml/2006/main">
+  <p:cSld>
+    <p:spTree>
+      <p:nvGrpSpPr>
+        <p:cNvPr id="1" name=""/>
+        <p:cNvGrpSpPr/>
+        <p:nvPr/>
+      </p:nvGrpSpPr>
+      <p:grpSpPr>
+        <a:xfrm>
+          <a:off x="0" y="0"/>
+          <a:ext cx="0" cy="0"/>
+          <a:chOff x="0" y="0"/>
+          <a:chExt cx="0" cy="0"/>
+        </a:xfrm>
+      </p:grpSpPr>
+      <p:sp>
+        <p:nvSpPr>
+          <p:cNvPr id="2" name="Title 1"/>
+          <p:cNvSpPr>
+            <a:spLocks noGrp="1"/>
+          </p:cNvSpPr>
+          <p:nvPr>
+            <p:ph type="title"/>
+          </p:nvPr>
+        </p:nvSpPr>
+        <p:spPr/>
+        <p:txBody>
+          <a:bodyPr/>
+          <a:lstStyle/>
+          <a:p>
+            <a:pPr algn="ctr"/>
+            <a:r>
+              <a:rPr lang="en-US" dirty="0"/>
+              <a:t>OVERFITTING</a:t>
+            </a:r>
+          </a:p>
+        </p:txBody>
+      </p:sp>
+      <p:sp>
+        <p:nvSpPr>
+          <p:cNvPr id="3" name="Content Placeholder 2"/>
+          <p:cNvSpPr>
+            <a:spLocks noGrp="1"/>
+          </p:cNvSpPr>
+          <p:nvPr>
+            <p:ph idx="1"/>
+          </p:nvPr>
+        </p:nvSpPr>
+        <p:spPr/>
+        <p:txBody>
+          <a:bodyPr/>
+          <a:lstStyle/>
+          <a:p>
+            <a:r>
+              <a:rPr lang="en-US" dirty="0" err="1" smtClean="0"/>
+              <a:t>Kết</a:t>
+            </a:r>
+            <a:r>
+              <a:rPr lang="en-US" dirty="0" smtClean="0"/>
+              <a:t> </a:t>
+            </a:r>
+            <a:r>
+              <a:rPr lang="en-US" dirty="0" err="1" smtClean="0"/>
+              <a:t>quả</a:t>
+            </a:r>
+            <a:r>
+              <a:rPr lang="en-US" dirty="0" smtClean="0"/>
+              <a:t> </a:t>
+            </a:r>
+            <a:r>
+              <a:rPr lang="en-US" dirty="0" err="1" smtClean="0"/>
+              <a:t>sau</a:t>
+            </a:r>
+            <a:r>
+              <a:rPr lang="en-US" dirty="0" smtClean="0"/>
+              <a:t> </a:t>
+            </a:r>
+            <a:r>
+              <a:rPr lang="en-US" dirty="0" err="1" smtClean="0"/>
+              <a:t>khi</a:t>
+            </a:r>
+            <a:r>
+              <a:rPr lang="en-US" dirty="0" smtClean="0"/>
+              <a:t> </a:t>
+            </a:r>
+            <a:r>
+              <a:rPr lang="en-US" dirty="0" err="1" smtClean="0"/>
+              <a:t>thực</a:t>
+            </a:r>
+            <a:r>
+              <a:rPr lang="en-US" dirty="0" smtClean="0"/>
+              <a:t> </a:t>
+            </a:r>
+            <a:r>
+              <a:rPr lang="en-US" dirty="0" err="1" smtClean="0"/>
+              <a:t>hiện</a:t>
+            </a:r>
+            <a:r>
+              <a:rPr lang="en-US" dirty="0" smtClean="0"/>
+              <a:t> </a:t>
+            </a:r>
+            <a:r>
+              <a:rPr lang="en-US" dirty="0" err="1" smtClean="0"/>
+              <a:t>mô</a:t>
+            </a:r>
+            <a:r>
+              <a:rPr lang="en-US" dirty="0" smtClean="0"/>
+              <a:t> </a:t>
+            </a:r>
+            <a:r>
+              <a:rPr lang="en-US" dirty="0" err="1" smtClean="0"/>
+              <a:t>hình</a:t>
+            </a:r>
+            <a:r>
+              <a:rPr lang="en-US" dirty="0" smtClean="0"/>
+              <a:t> </a:t>
+            </a:r>
+            <a:r>
+              <a:rPr lang="en-US" dirty="0" err="1" smtClean="0"/>
+              <a:t>ngày</a:t>
+            </a:r>
+            <a:r>
+              <a:rPr lang="en-US" dirty="0" smtClean="0"/>
+              <a:t> </a:t>
+            </a:r>
+            <a:r>
+              <a:rPr lang="en-US" dirty="0" err="1" smtClean="0"/>
+              <a:t>thứ</a:t>
+            </a:r>
+            <a:r>
+              <a:rPr lang="en-US" dirty="0"/>
+              <a:t> </a:t>
+            </a:r>
+            <a:r>
+              <a:rPr lang="en-US" dirty="0" smtClean="0"/>
+              <a:t>1 </a:t>
+            </a:r>
+            <a:r>
+              <a:rPr lang="en-US" dirty="0" err="1" smtClean="0"/>
+              <a:t>trên</a:t>
+            </a:r>
+            <a:r>
+              <a:rPr lang="en-US" dirty="0" smtClean="0"/>
+              <a:t> testing set:</a:t>
+            </a:r>
+          </a:p>
+          <a:p>
+            <a:endParaRPr lang="en-US" dirty="0"/>
+          </a:p>
+          <a:p>
+            <a:endParaRPr lang="en-US" dirty="0" smtClean="0"/>
+          </a:p>
+          <a:p>
+            <a:endParaRPr lang="en-US" dirty="0"/>
+          </a:p>
+          <a:p>
+            <a:endParaRPr lang="en-US" dirty="0" smtClean="0"/>
+          </a:p>
+          <a:p>
+            <a:endParaRPr lang="en-US" dirty="0"/>
+          </a:p>
+          <a:p>
+            <a:endParaRPr lang="en-US" dirty="0" smtClean="0"/>
+          </a:p>
+          <a:p>
+            <a:endParaRPr lang="en-US" dirty="0"/>
+          </a:p>
+          <a:p>
+            <a:r>
+              <a:rPr lang="en-US" dirty="0" err="1" smtClean="0"/>
+              <a:t>Độ</a:t>
+            </a:r>
+            <a:r>
+              <a:rPr lang="en-US" dirty="0" smtClean="0"/>
+              <a:t> </a:t>
+            </a:r>
+            <a:r>
+              <a:rPr lang="en-US" dirty="0" err="1" smtClean="0"/>
+              <a:t>chính</a:t>
+            </a:r>
+            <a:r>
+              <a:rPr lang="en-US" dirty="0" smtClean="0"/>
+              <a:t> </a:t>
+            </a:r>
+            <a:r>
+              <a:rPr lang="en-US" dirty="0" err="1" smtClean="0"/>
+              <a:t>xác</a:t>
+            </a:r>
+            <a:r>
+              <a:rPr lang="en-US" dirty="0" smtClean="0"/>
+              <a:t> 100%. </a:t>
+            </a:r>
+            <a:r>
+              <a:rPr lang="en-US" dirty="0" err="1" smtClean="0"/>
+              <a:t>Đây</a:t>
+            </a:r>
+            <a:r>
+              <a:rPr lang="en-US" dirty="0" smtClean="0"/>
+              <a:t> </a:t>
+            </a:r>
+            <a:r>
+              <a:rPr lang="en-US" dirty="0" err="1" smtClean="0"/>
+              <a:t>chính</a:t>
+            </a:r>
+            <a:r>
+              <a:rPr lang="en-US" dirty="0" smtClean="0"/>
+              <a:t> </a:t>
+            </a:r>
+            <a:r>
+              <a:rPr lang="en-US" dirty="0" err="1" smtClean="0"/>
+              <a:t>là</a:t>
+            </a:r>
+            <a:r>
+              <a:rPr lang="en-US" dirty="0" smtClean="0"/>
+              <a:t> </a:t>
+            </a:r>
+            <a:r>
+              <a:rPr lang="en-US" dirty="0" err="1" smtClean="0"/>
+              <a:t>khi</a:t>
+            </a:r>
+            <a:r>
+              <a:rPr lang="en-US" dirty="0" smtClean="0"/>
+              <a:t> ta </a:t>
+            </a:r>
+            <a:r>
+              <a:rPr lang="en-US" dirty="0" err="1" smtClean="0"/>
+              <a:t>đã</a:t>
+            </a:r>
+            <a:r>
+              <a:rPr lang="en-US" dirty="0" smtClean="0"/>
+              <a:t> </a:t>
+            </a:r>
+            <a:r>
+              <a:rPr lang="en-US" dirty="0" err="1" smtClean="0"/>
+              <a:t>mắc</a:t>
+            </a:r>
+            <a:r>
+              <a:rPr lang="en-US" dirty="0" smtClean="0"/>
+              <a:t> </a:t>
+            </a:r>
+            <a:r>
+              <a:rPr lang="en-US" dirty="0" err="1" smtClean="0"/>
+              <a:t>phải</a:t>
+            </a:r>
+            <a:r>
+              <a:rPr lang="en-US" dirty="0" smtClean="0"/>
+              <a:t> </a:t>
+            </a:r>
+            <a:r>
+              <a:rPr lang="en-US" dirty="0" err="1" smtClean="0"/>
+              <a:t>overfit</a:t>
+            </a:r>
+            <a:r>
+              <a:rPr lang="en-US" dirty="0" smtClean="0"/>
+              <a:t>.</a:t>
+            </a:r>
+          </a:p>
+          <a:p>
+            <a:endParaRPr lang="en-US" dirty="0"/>
+          </a:p>
+        </p:txBody>
+      </p:sp>
+      <p:pic>
+        <p:nvPicPr>
+          <p:cNvPr id="4" name="Picture 3"/>
+          <p:cNvPicPr>
+            <a:picLocks noChangeAspect="1"/>
+          </p:cNvPicPr>
+          <p:nvPr/>
+        </p:nvPicPr>
+        <p:blipFill>
+          <a:blip r:embed="rId2"/>
+          <a:stretch>
+            <a:fillRect/>
+          </a:stretch>
+        </p:blipFill>
+        <p:spPr>
+          <a:xfrm>
+            <a:off x="1828800" y="2286000"/>
+            <a:ext cx="5114925" cy="2562225"/>
+          </a:xfrm>
+          <a:prstGeom prst="rect">
+            <a:avLst/>
+          </a:prstGeom>
+        </p:spPr>
+      </p:pic>
+    </p:spTree>
+    <p:extLst>
+      <p:ext uri="{BB962C8B-B14F-4D97-AF65-F5344CB8AC3E}">
+        <p14:creationId xmlns:p14="http://schemas.microsoft.com/office/powerpoint/2010/main" val="3325489406"/>
+      </p:ext>
+    </p:extLst>
+  </p:cSld>
+  <p:clrMapOvr>
+    <a:masterClrMapping/>
+  </p:clrMapOvr>
+</p:sld>
+</file>
+
+<file path=ppt/slides/slide37.xml><?xml version="1.0" encoding="utf-8"?>
+<p:sld xmlns:a="http://schemas.openxmlformats.org/drawingml/2006/main" xmlns:r="http://schemas.openxmlformats.org/officeDocument/2006/relationships" xmlns:p="http://schemas.openxmlformats.org/presentationml/2006/main">
+  <p:cSld>
+    <p:spTree>
+      <p:nvGrpSpPr>
+        <p:cNvPr id="1" name=""/>
+        <p:cNvGrpSpPr/>
+        <p:nvPr/>
+      </p:nvGrpSpPr>
+      <p:grpSpPr>
+        <a:xfrm>
+          <a:off x="0" y="0"/>
+          <a:ext cx="0" cy="0"/>
+          <a:chOff x="0" y="0"/>
+          <a:chExt cx="0" cy="0"/>
+        </a:xfrm>
+      </p:grpSpPr>
+      <p:sp>
+        <p:nvSpPr>
+          <p:cNvPr id="2" name="Title 1"/>
+          <p:cNvSpPr>
+            <a:spLocks noGrp="1"/>
+          </p:cNvSpPr>
+          <p:nvPr>
+            <p:ph type="title"/>
+          </p:nvPr>
+        </p:nvSpPr>
+        <p:spPr/>
+        <p:txBody>
+          <a:bodyPr/>
+          <a:lstStyle/>
+          <a:p>
+            <a:pPr algn="ctr"/>
+            <a:r>
+              <a:rPr lang="en-US" dirty="0"/>
+              <a:t>OVERFITTING</a:t>
+            </a:r>
+          </a:p>
+        </p:txBody>
+      </p:sp>
+      <p:sp>
+        <p:nvSpPr>
+          <p:cNvPr id="3" name="Content Placeholder 2"/>
+          <p:cNvSpPr>
+            <a:spLocks noGrp="1"/>
+          </p:cNvSpPr>
+          <p:nvPr>
+            <p:ph idx="1"/>
+          </p:nvPr>
+        </p:nvSpPr>
+        <p:spPr/>
+        <p:txBody>
+          <a:bodyPr>
+            <a:normAutofit fontScale="92500"/>
+          </a:bodyPr>
+          <a:lstStyle/>
+          <a:p>
+            <a:r>
+              <a:rPr lang="en-US" dirty="0" err="1" smtClean="0"/>
+              <a:t>Vậy</a:t>
+            </a:r>
+            <a:r>
+              <a:rPr lang="en-US" dirty="0" smtClean="0"/>
+              <a:t> </a:t>
+            </a:r>
+            <a:r>
+              <a:rPr lang="en-US" dirty="0" err="1" smtClean="0"/>
+              <a:t>để</a:t>
+            </a:r>
+            <a:r>
+              <a:rPr lang="en-US" dirty="0" smtClean="0"/>
+              <a:t> </a:t>
+            </a:r>
+            <a:r>
+              <a:rPr lang="en-US" dirty="0" err="1" smtClean="0"/>
+              <a:t>giải</a:t>
+            </a:r>
+            <a:r>
+              <a:rPr lang="en-US" dirty="0" smtClean="0"/>
+              <a:t> </a:t>
+            </a:r>
+            <a:r>
+              <a:rPr lang="en-US" dirty="0" err="1" smtClean="0"/>
+              <a:t>quyết</a:t>
+            </a:r>
+            <a:r>
+              <a:rPr lang="en-US" dirty="0" smtClean="0"/>
+              <a:t> </a:t>
+            </a:r>
+            <a:r>
+              <a:rPr lang="en-US" dirty="0" err="1" smtClean="0"/>
+              <a:t>vấn</a:t>
+            </a:r>
+            <a:r>
+              <a:rPr lang="en-US" dirty="0" smtClean="0"/>
+              <a:t> </a:t>
+            </a:r>
+            <a:r>
+              <a:rPr lang="en-US" dirty="0" err="1" smtClean="0"/>
+              <a:t>đề</a:t>
+            </a:r>
+            <a:r>
+              <a:rPr lang="en-US" dirty="0" smtClean="0"/>
+              <a:t>, ta </a:t>
+            </a:r>
+            <a:r>
+              <a:rPr lang="en-US" dirty="0" err="1" smtClean="0"/>
+              <a:t>có</a:t>
+            </a:r>
+            <a:r>
+              <a:rPr lang="en-US" dirty="0" smtClean="0"/>
+              <a:t> </a:t>
+            </a:r>
+            <a:r>
+              <a:rPr lang="en-US" dirty="0" err="1" smtClean="0"/>
+              <a:t>rất</a:t>
+            </a:r>
+            <a:r>
+              <a:rPr lang="en-US" dirty="0" smtClean="0"/>
+              <a:t> </a:t>
+            </a:r>
+            <a:r>
+              <a:rPr lang="en-US" dirty="0" err="1" smtClean="0"/>
+              <a:t>nhiều</a:t>
+            </a:r>
+            <a:r>
+              <a:rPr lang="en-US" dirty="0" smtClean="0"/>
+              <a:t> </a:t>
+            </a:r>
+            <a:r>
+              <a:rPr lang="en-US" dirty="0" err="1" smtClean="0"/>
+              <a:t>kỹ</a:t>
+            </a:r>
+            <a:r>
+              <a:rPr lang="en-US" dirty="0" smtClean="0"/>
+              <a:t> </a:t>
+            </a:r>
+            <a:r>
+              <a:rPr lang="en-US" dirty="0" err="1" smtClean="0"/>
+              <a:t>thuật</a:t>
+            </a:r>
+            <a:r>
+              <a:rPr lang="en-US" dirty="0" smtClean="0"/>
+              <a:t> </a:t>
+            </a:r>
+            <a:r>
+              <a:rPr lang="en-US" dirty="0" err="1" smtClean="0"/>
+              <a:t>để</a:t>
+            </a:r>
+            <a:r>
+              <a:rPr lang="en-US" dirty="0" smtClean="0"/>
+              <a:t> </a:t>
+            </a:r>
+            <a:r>
+              <a:rPr lang="en-US" dirty="0" err="1" smtClean="0"/>
+              <a:t>ngăn</a:t>
+            </a:r>
+            <a:r>
+              <a:rPr lang="en-US" dirty="0" smtClean="0"/>
+              <a:t> </a:t>
+            </a:r>
+            <a:r>
+              <a:rPr lang="en-US" dirty="0" err="1" smtClean="0"/>
+              <a:t>chặn</a:t>
+            </a:r>
+            <a:r>
+              <a:rPr lang="en-US" dirty="0" smtClean="0"/>
+              <a:t> overfitting </a:t>
+            </a:r>
+            <a:r>
+              <a:rPr lang="en-US" dirty="0" err="1" smtClean="0"/>
+              <a:t>như</a:t>
+            </a:r>
+            <a:r>
+              <a:rPr lang="en-US" dirty="0" smtClean="0"/>
+              <a:t>: Validation (</a:t>
+            </a:r>
+            <a:r>
+              <a:rPr lang="en-US" dirty="0" err="1" smtClean="0"/>
+              <a:t>sử</a:t>
+            </a:r>
+            <a:r>
+              <a:rPr lang="en-US" dirty="0" smtClean="0"/>
+              <a:t> </a:t>
+            </a:r>
+            <a:r>
+              <a:rPr lang="en-US" dirty="0" err="1" smtClean="0"/>
+              <a:t>dụng</a:t>
+            </a:r>
+            <a:r>
+              <a:rPr lang="en-US" dirty="0" smtClean="0"/>
+              <a:t> </a:t>
+            </a:r>
+            <a:r>
+              <a:rPr lang="en-US" dirty="0" err="1" smtClean="0"/>
+              <a:t>tập</a:t>
+            </a:r>
+            <a:r>
+              <a:rPr lang="en-US" dirty="0" smtClean="0"/>
+              <a:t> validation set), cross validation (chia training set </a:t>
+            </a:r>
+            <a:r>
+              <a:rPr lang="en-US" dirty="0" err="1" smtClean="0"/>
+              <a:t>ra</a:t>
+            </a:r>
+            <a:r>
+              <a:rPr lang="en-US" dirty="0" smtClean="0"/>
+              <a:t> </a:t>
+            </a:r>
+            <a:r>
+              <a:rPr lang="en-US" dirty="0" err="1" smtClean="0"/>
+              <a:t>thành</a:t>
+            </a:r>
+            <a:r>
+              <a:rPr lang="en-US" dirty="0" smtClean="0"/>
+              <a:t> </a:t>
+            </a:r>
+            <a:r>
+              <a:rPr lang="en-US" dirty="0" err="1" smtClean="0"/>
+              <a:t>nhiều</a:t>
+            </a:r>
+            <a:r>
+              <a:rPr lang="en-US" dirty="0" smtClean="0"/>
+              <a:t> </a:t>
+            </a:r>
+            <a:r>
+              <a:rPr lang="en-US" dirty="0" err="1" smtClean="0"/>
+              <a:t>tập</a:t>
+            </a:r>
+            <a:r>
+              <a:rPr lang="en-US" dirty="0" smtClean="0"/>
+              <a:t> </a:t>
+            </a:r>
+            <a:r>
+              <a:rPr lang="en-US" dirty="0" err="1" smtClean="0"/>
+              <a:t>và</a:t>
+            </a:r>
+            <a:r>
+              <a:rPr lang="en-US" dirty="0" smtClean="0"/>
+              <a:t> </a:t>
+            </a:r>
+            <a:r>
+              <a:rPr lang="en-US" dirty="0" err="1" smtClean="0"/>
+              <a:t>lấy</a:t>
+            </a:r>
+            <a:r>
+              <a:rPr lang="en-US" dirty="0"/>
+              <a:t> </a:t>
+            </a:r>
+            <a:r>
+              <a:rPr lang="en-US" dirty="0" err="1" smtClean="0"/>
+              <a:t>một</a:t>
+            </a:r>
+            <a:r>
+              <a:rPr lang="en-US" dirty="0" smtClean="0"/>
+              <a:t> </a:t>
+            </a:r>
+            <a:r>
+              <a:rPr lang="en-US" dirty="0" err="1" smtClean="0"/>
+              <a:t>trong</a:t>
+            </a:r>
+            <a:r>
+              <a:rPr lang="en-US" dirty="0" smtClean="0"/>
+              <a:t> </a:t>
+            </a:r>
+            <a:r>
+              <a:rPr lang="en-US" dirty="0" err="1" smtClean="0"/>
+              <a:t>số</a:t>
+            </a:r>
+            <a:r>
+              <a:rPr lang="en-US" dirty="0" smtClean="0"/>
+              <a:t> </a:t>
+            </a:r>
+            <a:r>
+              <a:rPr lang="en-US" dirty="0" err="1" smtClean="0"/>
+              <a:t>tập</a:t>
+            </a:r>
+            <a:r>
+              <a:rPr lang="en-US" dirty="0" smtClean="0"/>
+              <a:t> con </a:t>
+            </a:r>
+            <a:r>
+              <a:rPr lang="en-US" dirty="0" err="1" smtClean="0"/>
+              <a:t>ra</a:t>
+            </a:r>
+            <a:r>
+              <a:rPr lang="en-US" dirty="0" smtClean="0"/>
+              <a:t> </a:t>
+            </a:r>
+            <a:r>
+              <a:rPr lang="en-US" dirty="0" err="1" smtClean="0"/>
+              <a:t>làm</a:t>
+            </a:r>
+            <a:r>
+              <a:rPr lang="en-US" dirty="0" smtClean="0"/>
+              <a:t> validation set </a:t>
+            </a:r>
+            <a:r>
+              <a:rPr lang="en-US" dirty="0" err="1" smtClean="0"/>
+              <a:t>trong</a:t>
+            </a:r>
+            <a:r>
+              <a:rPr lang="en-US" dirty="0" smtClean="0"/>
+              <a:t> </a:t>
+            </a:r>
+            <a:r>
+              <a:rPr lang="en-US" dirty="0" err="1" smtClean="0"/>
+              <a:t>mỗi</a:t>
+            </a:r>
+            <a:r>
+              <a:rPr lang="en-US" dirty="0" smtClean="0"/>
+              <a:t> </a:t>
+            </a:r>
+            <a:r>
+              <a:rPr lang="en-US" dirty="0" err="1" smtClean="0"/>
+              <a:t>lần</a:t>
+            </a:r>
+            <a:r>
+              <a:rPr lang="en-US" dirty="0" smtClean="0"/>
+              <a:t> run) </a:t>
+            </a:r>
+            <a:r>
+              <a:rPr lang="en-US" dirty="0" err="1" smtClean="0"/>
+              <a:t>và</a:t>
+            </a:r>
+            <a:r>
+              <a:rPr lang="en-US" dirty="0" smtClean="0"/>
+              <a:t> </a:t>
+            </a:r>
+            <a:r>
+              <a:rPr lang="en-US" dirty="0" err="1" smtClean="0"/>
+              <a:t>còn</a:t>
+            </a:r>
+            <a:r>
+              <a:rPr lang="en-US" dirty="0" smtClean="0"/>
+              <a:t> </a:t>
+            </a:r>
+            <a:r>
+              <a:rPr lang="en-US" dirty="0" err="1" smtClean="0"/>
+              <a:t>nhiều</a:t>
+            </a:r>
+            <a:r>
+              <a:rPr lang="en-US" dirty="0" smtClean="0"/>
+              <a:t> </a:t>
+            </a:r>
+            <a:r>
+              <a:rPr lang="en-US" dirty="0" err="1" smtClean="0"/>
+              <a:t>kỹ</a:t>
+            </a:r>
+            <a:r>
+              <a:rPr lang="en-US" dirty="0" smtClean="0"/>
+              <a:t> </a:t>
+            </a:r>
+            <a:r>
+              <a:rPr lang="en-US" dirty="0" err="1" smtClean="0"/>
+              <a:t>thuật</a:t>
+            </a:r>
+            <a:r>
+              <a:rPr lang="en-US" dirty="0" smtClean="0"/>
+              <a:t> </a:t>
+            </a:r>
+            <a:r>
+              <a:rPr lang="en-US" dirty="0" err="1" smtClean="0"/>
+              <a:t>khác</a:t>
+            </a:r>
+            <a:r>
+              <a:rPr lang="en-US" dirty="0" smtClean="0"/>
+              <a:t> </a:t>
+            </a:r>
+            <a:r>
+              <a:rPr lang="en-US" dirty="0" err="1" smtClean="0"/>
+              <a:t>nữa</a:t>
+            </a:r>
+            <a:r>
+              <a:rPr lang="en-US" dirty="0" smtClean="0"/>
+              <a:t>. </a:t>
+            </a:r>
+          </a:p>
+          <a:p>
+            <a:r>
+              <a:rPr lang="en-US" dirty="0" err="1" smtClean="0"/>
+              <a:t>Nhưng</a:t>
+            </a:r>
+            <a:r>
+              <a:rPr lang="en-US" dirty="0" smtClean="0"/>
+              <a:t> ở </a:t>
+            </a:r>
+            <a:r>
+              <a:rPr lang="en-US" dirty="0" err="1" smtClean="0"/>
+              <a:t>đây</a:t>
+            </a:r>
+            <a:r>
+              <a:rPr lang="en-US" dirty="0" smtClean="0"/>
+              <a:t> ta </a:t>
+            </a:r>
+            <a:r>
+              <a:rPr lang="en-US" dirty="0" err="1" smtClean="0"/>
+              <a:t>sẽ</a:t>
+            </a:r>
+            <a:r>
+              <a:rPr lang="en-US" dirty="0" smtClean="0"/>
+              <a:t> </a:t>
+            </a:r>
+            <a:r>
+              <a:rPr lang="en-US" dirty="0" err="1" smtClean="0"/>
+              <a:t>tìm</a:t>
+            </a:r>
+            <a:r>
+              <a:rPr lang="en-US" dirty="0" smtClean="0"/>
+              <a:t> </a:t>
+            </a:r>
+            <a:r>
+              <a:rPr lang="en-US" dirty="0" err="1" smtClean="0"/>
+              <a:t>hiểu</a:t>
+            </a:r>
+            <a:r>
+              <a:rPr lang="en-US" dirty="0" smtClean="0"/>
+              <a:t> </a:t>
+            </a:r>
+            <a:r>
+              <a:rPr lang="en-US" dirty="0" err="1" smtClean="0"/>
+              <a:t>về</a:t>
+            </a:r>
+            <a:r>
+              <a:rPr lang="en-US" dirty="0" smtClean="0"/>
+              <a:t> </a:t>
+            </a:r>
+            <a:r>
+              <a:rPr lang="en-US" dirty="0" err="1" smtClean="0"/>
+              <a:t>kỹ</a:t>
+            </a:r>
+            <a:r>
+              <a:rPr lang="en-US" dirty="0" smtClean="0"/>
+              <a:t> </a:t>
+            </a:r>
+            <a:r>
+              <a:rPr lang="en-US" dirty="0" err="1" smtClean="0"/>
+              <a:t>thuật</a:t>
+            </a:r>
+            <a:r>
+              <a:rPr lang="en-US" dirty="0" smtClean="0"/>
+              <a:t> </a:t>
+            </a:r>
+            <a:r>
+              <a:rPr lang="en-US" dirty="0" err="1" smtClean="0"/>
+              <a:t>đơn</a:t>
+            </a:r>
+            <a:r>
+              <a:rPr lang="en-US" dirty="0" smtClean="0"/>
+              <a:t> </a:t>
+            </a:r>
+            <a:r>
+              <a:rPr lang="en-US" dirty="0" err="1" smtClean="0"/>
+              <a:t>giản</a:t>
+            </a:r>
+            <a:r>
+              <a:rPr lang="en-US" dirty="0" smtClean="0"/>
+              <a:t> </a:t>
+            </a:r>
+            <a:r>
+              <a:rPr lang="en-US" dirty="0" err="1" smtClean="0"/>
+              <a:t>nhưng</a:t>
+            </a:r>
+            <a:r>
+              <a:rPr lang="en-US" dirty="0" smtClean="0"/>
+              <a:t> </a:t>
+            </a:r>
+            <a:r>
+              <a:rPr lang="en-US" dirty="0" err="1" smtClean="0"/>
+              <a:t>hiệu</a:t>
+            </a:r>
+            <a:r>
+              <a:rPr lang="en-US" dirty="0" smtClean="0"/>
+              <a:t> </a:t>
+            </a:r>
+            <a:r>
+              <a:rPr lang="en-US" dirty="0" err="1" smtClean="0"/>
+              <a:t>quả</a:t>
+            </a:r>
+            <a:r>
+              <a:rPr lang="en-US" dirty="0" smtClean="0"/>
+              <a:t> </a:t>
+            </a:r>
+            <a:r>
+              <a:rPr lang="en-US" dirty="0" err="1" smtClean="0"/>
+              <a:t>đó</a:t>
+            </a:r>
+            <a:r>
+              <a:rPr lang="en-US" dirty="0" smtClean="0"/>
+              <a:t> </a:t>
+            </a:r>
+            <a:r>
+              <a:rPr lang="en-US" dirty="0" err="1" smtClean="0"/>
+              <a:t>là</a:t>
+            </a:r>
+            <a:r>
+              <a:rPr lang="en-US" dirty="0"/>
+              <a:t> </a:t>
+            </a:r>
+            <a:r>
+              <a:rPr lang="en-US" b="1" dirty="0" smtClean="0"/>
+              <a:t>early stopping.</a:t>
+            </a:r>
+          </a:p>
+          <a:p>
+            <a:r>
+              <a:rPr lang="en-US" b="1" dirty="0" err="1" smtClean="0"/>
+              <a:t>Khi</a:t>
+            </a:r>
+            <a:r>
+              <a:rPr lang="en-US" b="1" dirty="0" smtClean="0"/>
+              <a:t> </a:t>
+            </a:r>
+            <a:r>
+              <a:rPr lang="en-US" b="1" dirty="0" err="1" smtClean="0"/>
+              <a:t>thực</a:t>
+            </a:r>
+            <a:r>
+              <a:rPr lang="en-US" b="1" dirty="0" smtClean="0"/>
+              <a:t> </a:t>
+            </a:r>
+            <a:r>
+              <a:rPr lang="en-US" b="1" dirty="0" err="1" smtClean="0"/>
+              <a:t>hiện</a:t>
+            </a:r>
+            <a:r>
+              <a:rPr lang="en-US" b="1" dirty="0" smtClean="0"/>
+              <a:t> </a:t>
+            </a:r>
+            <a:r>
+              <a:rPr lang="en-US" b="1" dirty="0" err="1" smtClean="0"/>
+              <a:t>mô</a:t>
+            </a:r>
+            <a:r>
+              <a:rPr lang="en-US" b="1" dirty="0" smtClean="0"/>
+              <a:t> </a:t>
+            </a:r>
+            <a:r>
+              <a:rPr lang="en-US" b="1" dirty="0" err="1" smtClean="0"/>
+              <a:t>hình</a:t>
+            </a:r>
+            <a:r>
+              <a:rPr lang="en-US" b="1" dirty="0" smtClean="0"/>
+              <a:t>, ta </a:t>
+            </a:r>
+            <a:r>
+              <a:rPr lang="en-US" b="1" dirty="0" err="1" smtClean="0"/>
+              <a:t>thường</a:t>
+            </a:r>
+            <a:r>
+              <a:rPr lang="en-US" b="1" dirty="0" smtClean="0"/>
+              <a:t> </a:t>
+            </a:r>
+            <a:r>
+              <a:rPr lang="en-US" b="1" dirty="0" err="1" smtClean="0"/>
+              <a:t>áp</a:t>
+            </a:r>
+            <a:r>
+              <a:rPr lang="en-US" b="1" dirty="0" smtClean="0"/>
+              <a:t> </a:t>
+            </a:r>
+            <a:r>
+              <a:rPr lang="en-US" b="1" dirty="0" err="1" smtClean="0"/>
+              <a:t>dụng</a:t>
+            </a:r>
+            <a:r>
+              <a:rPr lang="en-US" b="1" dirty="0" smtClean="0"/>
+              <a:t> </a:t>
+            </a:r>
+            <a:r>
+              <a:rPr lang="en-US" b="1" dirty="0" err="1" smtClean="0"/>
+              <a:t>các</a:t>
+            </a:r>
+            <a:r>
+              <a:rPr lang="en-US" b="1" dirty="0" smtClean="0"/>
+              <a:t> </a:t>
+            </a:r>
+            <a:r>
+              <a:rPr lang="en-US" b="1" dirty="0" err="1" smtClean="0"/>
+              <a:t>thuật</a:t>
+            </a:r>
+            <a:r>
+              <a:rPr lang="en-US" b="1" dirty="0" smtClean="0"/>
+              <a:t> </a:t>
+            </a:r>
+            <a:r>
+              <a:rPr lang="en-US" b="1" dirty="0" err="1" smtClean="0"/>
+              <a:t>toán</a:t>
+            </a:r>
+            <a:r>
+              <a:rPr lang="en-US" b="1" dirty="0" smtClean="0"/>
+              <a:t> </a:t>
+            </a:r>
+            <a:r>
+              <a:rPr lang="en-US" b="1" dirty="0" err="1" smtClean="0"/>
+              <a:t>lặp</a:t>
+            </a:r>
+            <a:r>
+              <a:rPr lang="en-US" b="1" dirty="0" smtClean="0"/>
+              <a:t>, </a:t>
+            </a:r>
+            <a:r>
+              <a:rPr lang="en-US" b="1" dirty="0" err="1" smtClean="0"/>
+              <a:t>hàm</a:t>
+            </a:r>
+            <a:r>
+              <a:rPr lang="en-US" b="1" dirty="0" smtClean="0"/>
+              <a:t> </a:t>
+            </a:r>
+            <a:r>
+              <a:rPr lang="en-US" b="1" dirty="0" err="1" smtClean="0"/>
+              <a:t>mất</a:t>
+            </a:r>
+            <a:r>
+              <a:rPr lang="en-US" b="1" dirty="0" smtClean="0"/>
+              <a:t> </a:t>
+            </a:r>
+            <a:r>
+              <a:rPr lang="en-US" b="1" dirty="0" err="1" smtClean="0"/>
+              <a:t>mát</a:t>
+            </a:r>
+            <a:r>
+              <a:rPr lang="en-US" b="1" dirty="0" smtClean="0"/>
+              <a:t> </a:t>
+            </a:r>
+            <a:r>
+              <a:rPr lang="en-US" b="1" dirty="0" err="1" smtClean="0"/>
+              <a:t>sẽ</a:t>
+            </a:r>
+            <a:r>
+              <a:rPr lang="en-US" b="1" dirty="0" smtClean="0"/>
+              <a:t> </a:t>
+            </a:r>
+            <a:r>
+              <a:rPr lang="en-US" b="1" dirty="0" err="1" smtClean="0"/>
+              <a:t>giảm</a:t>
+            </a:r>
+            <a:r>
+              <a:rPr lang="en-US" b="1" dirty="0" smtClean="0"/>
+              <a:t> </a:t>
+            </a:r>
+            <a:r>
+              <a:rPr lang="en-US" b="1" dirty="0" err="1" smtClean="0"/>
+              <a:t>sau</a:t>
+            </a:r>
+            <a:r>
+              <a:rPr lang="en-US" b="1" dirty="0" smtClean="0"/>
+              <a:t> </a:t>
+            </a:r>
+            <a:r>
+              <a:rPr lang="en-US" b="1" dirty="0" err="1" smtClean="0"/>
+              <a:t>mỗi</a:t>
+            </a:r>
+            <a:r>
+              <a:rPr lang="en-US" b="1" dirty="0" smtClean="0"/>
+              <a:t> </a:t>
+            </a:r>
+            <a:r>
+              <a:rPr lang="en-US" b="1" dirty="0" err="1" smtClean="0"/>
+              <a:t>lần</a:t>
+            </a:r>
+            <a:r>
+              <a:rPr lang="en-US" b="1" dirty="0" smtClean="0"/>
+              <a:t> </a:t>
+            </a:r>
+            <a:r>
+              <a:rPr lang="en-US" b="1" dirty="0" err="1" smtClean="0"/>
+              <a:t>lặp</a:t>
+            </a:r>
+            <a:r>
+              <a:rPr lang="en-US" b="1" dirty="0" smtClean="0"/>
+              <a:t>. Early stopping </a:t>
+            </a:r>
+            <a:r>
+              <a:rPr lang="en-US" b="1" dirty="0" err="1" smtClean="0"/>
+              <a:t>dừng</a:t>
+            </a:r>
+            <a:r>
+              <a:rPr lang="en-US" b="1" dirty="0" smtClean="0"/>
+              <a:t> </a:t>
+            </a:r>
+            <a:r>
+              <a:rPr lang="en-US" b="1" dirty="0" err="1" smtClean="0"/>
+              <a:t>thuật</a:t>
+            </a:r>
+            <a:r>
+              <a:rPr lang="en-US" b="1" dirty="0" smtClean="0"/>
+              <a:t> </a:t>
+            </a:r>
+            <a:r>
+              <a:rPr lang="en-US" b="1" dirty="0" err="1" smtClean="0"/>
+              <a:t>toán</a:t>
+            </a:r>
+            <a:r>
+              <a:rPr lang="en-US" b="1" dirty="0" smtClean="0"/>
+              <a:t> </a:t>
+            </a:r>
+            <a:r>
+              <a:rPr lang="en-US" b="1" dirty="0" err="1" smtClean="0"/>
+              <a:t>trước</a:t>
+            </a:r>
+            <a:r>
+              <a:rPr lang="en-US" b="1" dirty="0" smtClean="0"/>
+              <a:t> </a:t>
+            </a:r>
+            <a:r>
+              <a:rPr lang="en-US" b="1" dirty="0" err="1" smtClean="0"/>
+              <a:t>khi</a:t>
+            </a:r>
+            <a:r>
+              <a:rPr lang="en-US" b="1" dirty="0" smtClean="0"/>
+              <a:t> </a:t>
+            </a:r>
+            <a:r>
+              <a:rPr lang="en-US" b="1" dirty="0" err="1" smtClean="0"/>
+              <a:t>hàm</a:t>
+            </a:r>
+            <a:r>
+              <a:rPr lang="en-US" b="1" dirty="0" smtClean="0"/>
+              <a:t> </a:t>
+            </a:r>
+            <a:r>
+              <a:rPr lang="en-US" b="1" dirty="0" err="1" smtClean="0"/>
+              <a:t>mất</a:t>
+            </a:r>
+            <a:r>
+              <a:rPr lang="en-US" b="1" dirty="0" smtClean="0"/>
+              <a:t> </a:t>
+            </a:r>
+            <a:r>
+              <a:rPr lang="en-US" b="1" dirty="0" err="1" smtClean="0"/>
+              <a:t>mát</a:t>
+            </a:r>
+            <a:r>
+              <a:rPr lang="en-US" b="1" dirty="0" smtClean="0"/>
+              <a:t> </a:t>
+            </a:r>
+            <a:r>
+              <a:rPr lang="en-US" b="1" dirty="0" err="1" smtClean="0"/>
+              <a:t>đạt</a:t>
+            </a:r>
+            <a:r>
+              <a:rPr lang="en-US" b="1" dirty="0" smtClean="0"/>
+              <a:t> </a:t>
+            </a:r>
+            <a:r>
+              <a:rPr lang="en-US" b="1" dirty="0" err="1" smtClean="0"/>
+              <a:t>giá</a:t>
+            </a:r>
+            <a:r>
+              <a:rPr lang="en-US" b="1" dirty="0" smtClean="0"/>
+              <a:t> </a:t>
+            </a:r>
+            <a:r>
+              <a:rPr lang="en-US" b="1" dirty="0" err="1" smtClean="0"/>
+              <a:t>trị</a:t>
+            </a:r>
+            <a:r>
+              <a:rPr lang="en-US" b="1" dirty="0" smtClean="0"/>
+              <a:t> </a:t>
+            </a:r>
+            <a:r>
+              <a:rPr lang="en-US" b="1" dirty="0" err="1" smtClean="0"/>
+              <a:t>quả</a:t>
+            </a:r>
+            <a:r>
+              <a:rPr lang="en-US" b="1" dirty="0" smtClean="0"/>
+              <a:t> </a:t>
+            </a:r>
+            <a:r>
+              <a:rPr lang="en-US" b="1" dirty="0" err="1" smtClean="0"/>
+              <a:t>nhỏ</a:t>
+            </a:r>
+            <a:r>
+              <a:rPr lang="en-US" b="1" dirty="0" smtClean="0"/>
+              <a:t>, </a:t>
+            </a:r>
+            <a:r>
+              <a:rPr lang="en-US" b="1" dirty="0" err="1" smtClean="0"/>
+              <a:t>giúp</a:t>
+            </a:r>
+            <a:r>
+              <a:rPr lang="en-US" b="1" dirty="0" smtClean="0"/>
+              <a:t> </a:t>
+            </a:r>
+            <a:r>
+              <a:rPr lang="en-US" b="1" dirty="0" err="1" smtClean="0"/>
+              <a:t>tránh</a:t>
+            </a:r>
+            <a:r>
+              <a:rPr lang="en-US" b="1" dirty="0" smtClean="0"/>
+              <a:t> overfitting.</a:t>
+            </a:r>
+          </a:p>
+          <a:p>
+            <a:r>
+              <a:rPr lang="en-US" b="1" dirty="0" err="1" smtClean="0"/>
+              <a:t>Dừng</a:t>
+            </a:r>
+            <a:r>
+              <a:rPr lang="en-US" b="1" dirty="0" smtClean="0"/>
+              <a:t> </a:t>
+            </a:r>
+            <a:r>
+              <a:rPr lang="en-US" b="1" dirty="0" err="1" smtClean="0"/>
+              <a:t>khi</a:t>
+            </a:r>
+            <a:r>
+              <a:rPr lang="en-US" b="1" dirty="0" smtClean="0"/>
+              <a:t> </a:t>
+            </a:r>
+            <a:r>
+              <a:rPr lang="en-US" b="1" dirty="0" err="1" smtClean="0"/>
+              <a:t>nào</a:t>
+            </a:r>
+            <a:r>
+              <a:rPr lang="en-US" b="1" dirty="0" smtClean="0"/>
+              <a:t> </a:t>
+            </a:r>
+            <a:r>
+              <a:rPr lang="en-US" b="1" dirty="0" err="1" smtClean="0"/>
+              <a:t>là</a:t>
+            </a:r>
+            <a:r>
+              <a:rPr lang="en-US" b="1" dirty="0" smtClean="0"/>
+              <a:t> </a:t>
+            </a:r>
+            <a:r>
+              <a:rPr lang="en-US" b="1" dirty="0" err="1" smtClean="0"/>
+              <a:t>hợp</a:t>
+            </a:r>
+            <a:r>
+              <a:rPr lang="en-US" b="1" dirty="0" smtClean="0"/>
+              <a:t> </a:t>
+            </a:r>
+            <a:r>
+              <a:rPr lang="en-US" b="1" dirty="0" err="1" smtClean="0"/>
+              <a:t>lý</a:t>
+            </a:r>
+            <a:r>
+              <a:rPr lang="en-US" b="1" dirty="0" smtClean="0"/>
+              <a:t>? Ta </a:t>
+            </a:r>
+            <a:r>
+              <a:rPr lang="en-US" b="1" dirty="0" err="1" smtClean="0"/>
+              <a:t>sẽ</a:t>
+            </a:r>
+            <a:r>
+              <a:rPr lang="en-US" b="1" dirty="0" smtClean="0"/>
+              <a:t> </a:t>
+            </a:r>
+            <a:r>
+              <a:rPr lang="en-US" b="1" dirty="0" err="1" smtClean="0"/>
+              <a:t>tách</a:t>
+            </a:r>
+            <a:r>
+              <a:rPr lang="en-US" b="1" dirty="0" smtClean="0"/>
+              <a:t> training set </a:t>
+            </a:r>
+            <a:r>
+              <a:rPr lang="en-US" b="1" dirty="0" err="1" smtClean="0"/>
+              <a:t>ra</a:t>
+            </a:r>
+            <a:r>
+              <a:rPr lang="en-US" b="1" dirty="0" smtClean="0"/>
+              <a:t> </a:t>
+            </a:r>
+            <a:r>
+              <a:rPr lang="en-US" b="1" dirty="0" err="1" smtClean="0"/>
+              <a:t>một</a:t>
+            </a:r>
+            <a:r>
+              <a:rPr lang="en-US" b="1" dirty="0" smtClean="0"/>
+              <a:t> </a:t>
+            </a:r>
+            <a:r>
+              <a:rPr lang="en-US" b="1" dirty="0" err="1" smtClean="0"/>
+              <a:t>tập</a:t>
+            </a:r>
+            <a:r>
+              <a:rPr lang="en-US" b="1" dirty="0" smtClean="0"/>
+              <a:t> validation set. </a:t>
+            </a:r>
+            <a:r>
+              <a:rPr lang="en-US" b="1" dirty="0" err="1" smtClean="0"/>
+              <a:t>Sau</a:t>
+            </a:r>
+            <a:r>
+              <a:rPr lang="en-US" b="1" dirty="0" smtClean="0"/>
+              <a:t> </a:t>
+            </a:r>
+            <a:r>
+              <a:rPr lang="en-US" b="1" dirty="0" err="1" smtClean="0"/>
+              <a:t>mỗi</a:t>
+            </a:r>
+            <a:r>
+              <a:rPr lang="en-US" b="1" dirty="0"/>
+              <a:t> </a:t>
+            </a:r>
+            <a:r>
+              <a:rPr lang="en-US" b="1" dirty="0" err="1" smtClean="0"/>
+              <a:t>vòng</a:t>
+            </a:r>
+            <a:r>
+              <a:rPr lang="en-US" b="1" dirty="0" smtClean="0"/>
+              <a:t> </a:t>
+            </a:r>
+            <a:r>
+              <a:rPr lang="en-US" b="1" dirty="0" err="1" smtClean="0"/>
+              <a:t>lặp</a:t>
+            </a:r>
+            <a:r>
+              <a:rPr lang="en-US" b="1" dirty="0" smtClean="0"/>
+              <a:t>, ta </a:t>
+            </a:r>
+            <a:r>
+              <a:rPr lang="en-US" b="1" dirty="0" err="1" smtClean="0"/>
+              <a:t>tính</a:t>
+            </a:r>
+            <a:r>
+              <a:rPr lang="en-US" b="1" dirty="0" smtClean="0"/>
+              <a:t> train error </a:t>
+            </a:r>
+            <a:r>
+              <a:rPr lang="en-US" b="1" dirty="0" err="1" smtClean="0"/>
+              <a:t>và</a:t>
+            </a:r>
+            <a:r>
+              <a:rPr lang="en-US" b="1" dirty="0" smtClean="0"/>
+              <a:t> validation error, </a:t>
+            </a:r>
+            <a:r>
+              <a:rPr lang="en-US" b="1" dirty="0" err="1" smtClean="0"/>
+              <a:t>đến</a:t>
+            </a:r>
+            <a:r>
+              <a:rPr lang="en-US" b="1" dirty="0" smtClean="0"/>
+              <a:t> </a:t>
+            </a:r>
+            <a:r>
+              <a:rPr lang="en-US" b="1" dirty="0" err="1" smtClean="0"/>
+              <a:t>khi</a:t>
+            </a:r>
+            <a:r>
+              <a:rPr lang="en-US" b="1" dirty="0" smtClean="0"/>
+              <a:t> validation error </a:t>
+            </a:r>
+            <a:r>
+              <a:rPr lang="en-US" b="1" dirty="0" err="1" smtClean="0"/>
+              <a:t>có</a:t>
+            </a:r>
+            <a:r>
+              <a:rPr lang="en-US" b="1" dirty="0" smtClean="0"/>
+              <a:t> </a:t>
+            </a:r>
+            <a:r>
+              <a:rPr lang="en-US" b="1" dirty="0" err="1" smtClean="0"/>
+              <a:t>chiều</a:t>
+            </a:r>
+            <a:r>
+              <a:rPr lang="en-US" b="1" dirty="0" smtClean="0"/>
+              <a:t> </a:t>
+            </a:r>
+            <a:r>
+              <a:rPr lang="en-US" b="1" dirty="0" err="1" smtClean="0"/>
+              <a:t>hướng</a:t>
+            </a:r>
+            <a:r>
+              <a:rPr lang="en-US" b="1" dirty="0" smtClean="0"/>
+              <a:t> </a:t>
+            </a:r>
+            <a:r>
+              <a:rPr lang="en-US" b="1" dirty="0" err="1" smtClean="0"/>
+              <a:t>tăng</a:t>
+            </a:r>
+            <a:r>
+              <a:rPr lang="en-US" b="1" dirty="0" smtClean="0"/>
+              <a:t> </a:t>
+            </a:r>
+            <a:r>
+              <a:rPr lang="en-US" b="1" dirty="0" err="1" smtClean="0"/>
+              <a:t>lên</a:t>
+            </a:r>
+            <a:r>
+              <a:rPr lang="en-US" b="1" dirty="0" smtClean="0"/>
+              <a:t> </a:t>
+            </a:r>
+            <a:r>
+              <a:rPr lang="en-US" b="1" dirty="0" err="1" smtClean="0"/>
+              <a:t>thì</a:t>
+            </a:r>
+            <a:r>
+              <a:rPr lang="en-US" b="1" dirty="0" smtClean="0"/>
+              <a:t> </a:t>
+            </a:r>
+            <a:r>
+              <a:rPr lang="en-US" b="1" dirty="0" err="1" smtClean="0"/>
+              <a:t>dừng</a:t>
+            </a:r>
+            <a:r>
+              <a:rPr lang="en-US" b="1" dirty="0" smtClean="0"/>
+              <a:t> </a:t>
+            </a:r>
+            <a:r>
+              <a:rPr lang="en-US" b="1" dirty="0" err="1" smtClean="0"/>
+              <a:t>lại</a:t>
+            </a:r>
+            <a:r>
+              <a:rPr lang="en-US" b="1" dirty="0" smtClean="0"/>
+              <a:t> </a:t>
+            </a:r>
+            <a:r>
+              <a:rPr lang="en-US" b="1" dirty="0" err="1" smtClean="0"/>
+              <a:t>và</a:t>
+            </a:r>
+            <a:r>
+              <a:rPr lang="en-US" b="1" dirty="0" smtClean="0"/>
+              <a:t> </a:t>
+            </a:r>
+            <a:r>
+              <a:rPr lang="en-US" b="1" dirty="0" err="1" smtClean="0"/>
+              <a:t>sử</a:t>
+            </a:r>
+            <a:r>
+              <a:rPr lang="en-US" b="1" dirty="0" smtClean="0"/>
+              <a:t> </a:t>
+            </a:r>
+            <a:r>
+              <a:rPr lang="en-US" b="1" dirty="0" err="1" smtClean="0"/>
+              <a:t>dụng</a:t>
+            </a:r>
+            <a:r>
+              <a:rPr lang="en-US" b="1" dirty="0" smtClean="0"/>
+              <a:t> </a:t>
+            </a:r>
+            <a:r>
+              <a:rPr lang="en-US" b="1" dirty="0" err="1" smtClean="0"/>
+              <a:t>mô</a:t>
+            </a:r>
+            <a:r>
+              <a:rPr lang="en-US" b="1" dirty="0" smtClean="0"/>
+              <a:t> </a:t>
+            </a:r>
+            <a:r>
+              <a:rPr lang="en-US" b="1" dirty="0" err="1" smtClean="0"/>
+              <a:t>hình</a:t>
+            </a:r>
+            <a:r>
+              <a:rPr lang="en-US" b="1" dirty="0" smtClean="0"/>
+              <a:t> validation error </a:t>
+            </a:r>
+            <a:r>
+              <a:rPr lang="en-US" b="1" dirty="0" err="1" smtClean="0"/>
+              <a:t>đạt</a:t>
+            </a:r>
+            <a:r>
+              <a:rPr lang="en-US" b="1" dirty="0" smtClean="0"/>
+              <a:t> </a:t>
+            </a:r>
+            <a:r>
+              <a:rPr lang="en-US" b="1" dirty="0" err="1" smtClean="0"/>
+              <a:t>giá</a:t>
+            </a:r>
+            <a:r>
+              <a:rPr lang="en-US" b="1" dirty="0" smtClean="0"/>
+              <a:t> </a:t>
+            </a:r>
+            <a:r>
+              <a:rPr lang="en-US" b="1" dirty="0" err="1" smtClean="0"/>
+              <a:t>trị</a:t>
+            </a:r>
+            <a:r>
+              <a:rPr lang="en-US" b="1" dirty="0" smtClean="0"/>
+              <a:t> </a:t>
+            </a:r>
+            <a:r>
+              <a:rPr lang="en-US" b="1" dirty="0" err="1" smtClean="0"/>
+              <a:t>nhỏ</a:t>
+            </a:r>
+            <a:r>
+              <a:rPr lang="en-US" b="1" dirty="0" smtClean="0"/>
+              <a:t> </a:t>
+            </a:r>
+            <a:r>
+              <a:rPr lang="en-US" b="1" dirty="0" err="1" smtClean="0"/>
+              <a:t>nhất</a:t>
+            </a:r>
+            <a:r>
+              <a:rPr lang="en-US" b="1" dirty="0" smtClean="0"/>
+              <a:t>.</a:t>
+            </a:r>
+          </a:p>
+          <a:p>
+            <a:endParaRPr lang="en-US" dirty="0"/>
+          </a:p>
+        </p:txBody>
+      </p:sp>
+    </p:spTree>
+    <p:extLst>
+      <p:ext uri="{BB962C8B-B14F-4D97-AF65-F5344CB8AC3E}">
+        <p14:creationId xmlns:p14="http://schemas.microsoft.com/office/powerpoint/2010/main" val="1648711912"/>
+      </p:ext>
+    </p:extLst>
+  </p:cSld>
+  <p:clrMapOvr>
+    <a:masterClrMapping/>
+  </p:clrMapOvr>
+</p:sld>
+</file>
+
+<file path=ppt/slides/slide38.xml><?xml version="1.0" encoding="utf-8"?>
+<p:sld xmlns:a="http://schemas.openxmlformats.org/drawingml/2006/main" xmlns:r="http://schemas.openxmlformats.org/officeDocument/2006/relationships" xmlns:p="http://schemas.openxmlformats.org/presentationml/2006/main">
+  <p:cSld>
+    <p:spTree>
+      <p:nvGrpSpPr>
+        <p:cNvPr id="1" name=""/>
+        <p:cNvGrpSpPr/>
+        <p:nvPr/>
+      </p:nvGrpSpPr>
+      <p:grpSpPr>
+        <a:xfrm>
+          <a:off x="0" y="0"/>
+          <a:ext cx="0" cy="0"/>
+          <a:chOff x="0" y="0"/>
+          <a:chExt cx="0" cy="0"/>
+        </a:xfrm>
+      </p:grpSpPr>
+      <p:sp>
+        <p:nvSpPr>
+          <p:cNvPr id="2" name="Title 1"/>
+          <p:cNvSpPr>
+            <a:spLocks noGrp="1"/>
+          </p:cNvSpPr>
+          <p:nvPr>
+            <p:ph type="title"/>
+          </p:nvPr>
+        </p:nvSpPr>
+        <p:spPr/>
+        <p:txBody>
+          <a:bodyPr/>
+          <a:lstStyle/>
+          <a:p>
+            <a:endParaRPr lang="en-US" dirty="0"/>
+          </a:p>
+        </p:txBody>
+      </p:sp>
+      <p:sp>
+        <p:nvSpPr>
+          <p:cNvPr id="3" name="Content Placeholder 2"/>
+          <p:cNvSpPr>
+            <a:spLocks noGrp="1"/>
+          </p:cNvSpPr>
+          <p:nvPr>
+            <p:ph idx="1"/>
+          </p:nvPr>
+        </p:nvSpPr>
+        <p:spPr/>
+        <p:txBody>
+          <a:bodyPr/>
+          <a:lstStyle/>
+          <a:p>
+            <a:endParaRPr lang="en-US"/>
+          </a:p>
+        </p:txBody>
+      </p:sp>
+    </p:spTree>
+    <p:extLst>
+      <p:ext uri="{BB962C8B-B14F-4D97-AF65-F5344CB8AC3E}">
+        <p14:creationId xmlns:p14="http://schemas.microsoft.com/office/powerpoint/2010/main" val="3944030962"/>
+      </p:ext>
+    </p:extLst>
+  </p:cSld>
+  <p:clrMapOvr>
+    <a:masterClrMapping/>
+  </p:clrMapOvr>
+</p:sld>
+</file>
+
+<file path=ppt/slides/slide39.xml><?xml version="1.0" encoding="utf-8"?>
+<p:sld xmlns:a="http://schemas.openxmlformats.org/drawingml/2006/main" xmlns:r="http://schemas.openxmlformats.org/officeDocument/2006/relationships" xmlns:p="http://schemas.openxmlformats.org/presentationml/2006/main">
+  <p:cSld>
+    <p:spTree>
+      <p:nvGrpSpPr>
+        <p:cNvPr id="1" name=""/>
+        <p:cNvGrpSpPr/>
+        <p:nvPr/>
+      </p:nvGrpSpPr>
+      <p:grpSpPr>
+        <a:xfrm>
+          <a:off x="0" y="0"/>
+          <a:ext cx="0" cy="0"/>
+          <a:chOff x="0" y="0"/>
+          <a:chExt cx="0" cy="0"/>
+        </a:xfrm>
+      </p:grpSpPr>
+      <p:sp>
+        <p:nvSpPr>
+          <p:cNvPr id="2" name="Title 1"/>
+          <p:cNvSpPr>
+            <a:spLocks noGrp="1"/>
+          </p:cNvSpPr>
+          <p:nvPr>
+            <p:ph type="title"/>
+          </p:nvPr>
+        </p:nvSpPr>
+        <p:spPr/>
+        <p:txBody>
+          <a:bodyPr/>
+          <a:lstStyle/>
+          <a:p>
+            <a:endParaRPr lang="en-US"/>
+          </a:p>
+        </p:txBody>
+      </p:sp>
+      <p:sp>
+        <p:nvSpPr>
+          <p:cNvPr id="3" name="Content Placeholder 2"/>
+          <p:cNvSpPr>
+            <a:spLocks noGrp="1"/>
+          </p:cNvSpPr>
+          <p:nvPr>
+            <p:ph idx="1"/>
+          </p:nvPr>
+        </p:nvSpPr>
+        <p:spPr/>
+        <p:txBody>
+          <a:bodyPr/>
+          <a:lstStyle/>
+          <a:p>
+            <a:endParaRPr lang="en-US"/>
+          </a:p>
+        </p:txBody>
+      </p:sp>
+    </p:spTree>
+    <p:extLst>
+      <p:ext uri="{BB962C8B-B14F-4D97-AF65-F5344CB8AC3E}">
+        <p14:creationId xmlns:p14="http://schemas.microsoft.com/office/powerpoint/2010/main" val="1020318674"/>
+      </p:ext>
+    </p:extLst>
+  </p:cSld>
+  <p:clrMapOvr>
+    <a:masterClrMapping/>
+  </p:clrMapOvr>
 </p:sld>
 </file>
 
@@ -18924,6 +22312,220 @@
     <p:extLst>
       <p:ext uri="{BB962C8B-B14F-4D97-AF65-F5344CB8AC3E}">
         <p14:creationId xmlns:p14="http://schemas.microsoft.com/office/powerpoint/2010/main" val="1381474247"/>
+      </p:ext>
+    </p:extLst>
+  </p:cSld>
+  <p:clrMapOvr>
+    <a:masterClrMapping/>
+  </p:clrMapOvr>
+  <p:timing>
+    <p:tnLst>
+      <p:par>
+        <p:cTn id="1" dur="indefinite" restart="never" nodeType="tmRoot"/>
+      </p:par>
+    </p:tnLst>
+  </p:timing>
+</p:sld>
+</file>
+
+<file path=ppt/slides/slide40.xml><?xml version="1.0" encoding="utf-8"?>
+<p:sld xmlns:a="http://schemas.openxmlformats.org/drawingml/2006/main" xmlns:r="http://schemas.openxmlformats.org/officeDocument/2006/relationships" xmlns:p="http://schemas.openxmlformats.org/presentationml/2006/main">
+  <p:cSld>
+    <p:spTree>
+      <p:nvGrpSpPr>
+        <p:cNvPr id="1" name=""/>
+        <p:cNvGrpSpPr/>
+        <p:nvPr/>
+      </p:nvGrpSpPr>
+      <p:grpSpPr>
+        <a:xfrm>
+          <a:off x="0" y="0"/>
+          <a:ext cx="0" cy="0"/>
+          <a:chOff x="0" y="0"/>
+          <a:chExt cx="0" cy="0"/>
+        </a:xfrm>
+      </p:grpSpPr>
+      <p:sp>
+        <p:nvSpPr>
+          <p:cNvPr id="2" name="Title 1"/>
+          <p:cNvSpPr>
+            <a:spLocks noGrp="1"/>
+          </p:cNvSpPr>
+          <p:nvPr>
+            <p:ph type="title"/>
+          </p:nvPr>
+        </p:nvSpPr>
+        <p:spPr/>
+        <p:txBody>
+          <a:bodyPr/>
+          <a:lstStyle/>
+          <a:p>
+            <a:endParaRPr lang="en-US"/>
+          </a:p>
+        </p:txBody>
+      </p:sp>
+      <p:sp>
+        <p:nvSpPr>
+          <p:cNvPr id="3" name="Content Placeholder 2"/>
+          <p:cNvSpPr>
+            <a:spLocks noGrp="1"/>
+          </p:cNvSpPr>
+          <p:nvPr>
+            <p:ph idx="1"/>
+          </p:nvPr>
+        </p:nvSpPr>
+        <p:spPr/>
+        <p:txBody>
+          <a:bodyPr/>
+          <a:lstStyle/>
+          <a:p>
+            <a:endParaRPr lang="en-US"/>
+          </a:p>
+        </p:txBody>
+      </p:sp>
+    </p:spTree>
+    <p:extLst>
+      <p:ext uri="{BB962C8B-B14F-4D97-AF65-F5344CB8AC3E}">
+        <p14:creationId xmlns:p14="http://schemas.microsoft.com/office/powerpoint/2010/main" val="3886709656"/>
+      </p:ext>
+    </p:extLst>
+  </p:cSld>
+  <p:clrMapOvr>
+    <a:masterClrMapping/>
+  </p:clrMapOvr>
+</p:sld>
+</file>
+
+<file path=ppt/slides/slide41.xml><?xml version="1.0" encoding="utf-8"?>
+<p:sld xmlns:a="http://schemas.openxmlformats.org/drawingml/2006/main" xmlns:r="http://schemas.openxmlformats.org/officeDocument/2006/relationships" xmlns:p="http://schemas.openxmlformats.org/presentationml/2006/main">
+  <p:cSld>
+    <p:spTree>
+      <p:nvGrpSpPr>
+        <p:cNvPr id="1" name=""/>
+        <p:cNvGrpSpPr/>
+        <p:nvPr/>
+      </p:nvGrpSpPr>
+      <p:grpSpPr>
+        <a:xfrm>
+          <a:off x="0" y="0"/>
+          <a:ext cx="0" cy="0"/>
+          <a:chOff x="0" y="0"/>
+          <a:chExt cx="0" cy="0"/>
+        </a:xfrm>
+      </p:grpSpPr>
+      <p:sp>
+        <p:nvSpPr>
+          <p:cNvPr id="2" name="Title 1"/>
+          <p:cNvSpPr>
+            <a:spLocks noGrp="1"/>
+          </p:cNvSpPr>
+          <p:nvPr>
+            <p:ph type="title"/>
+          </p:nvPr>
+        </p:nvSpPr>
+        <p:spPr/>
+        <p:txBody>
+          <a:bodyPr/>
+          <a:lstStyle/>
+          <a:p>
+            <a:endParaRPr lang="en-US"/>
+          </a:p>
+        </p:txBody>
+      </p:sp>
+      <p:sp>
+        <p:nvSpPr>
+          <p:cNvPr id="3" name="Content Placeholder 2"/>
+          <p:cNvSpPr>
+            <a:spLocks noGrp="1"/>
+          </p:cNvSpPr>
+          <p:nvPr>
+            <p:ph idx="1"/>
+          </p:nvPr>
+        </p:nvSpPr>
+        <p:spPr/>
+        <p:txBody>
+          <a:bodyPr/>
+          <a:lstStyle/>
+          <a:p>
+            <a:endParaRPr lang="en-US"/>
+          </a:p>
+        </p:txBody>
+      </p:sp>
+    </p:spTree>
+    <p:extLst>
+      <p:ext uri="{BB962C8B-B14F-4D97-AF65-F5344CB8AC3E}">
+        <p14:creationId xmlns:p14="http://schemas.microsoft.com/office/powerpoint/2010/main" val="2480069130"/>
+      </p:ext>
+    </p:extLst>
+  </p:cSld>
+  <p:clrMapOvr>
+    <a:masterClrMapping/>
+  </p:clrMapOvr>
+</p:sld>
+</file>
+
+<file path=ppt/slides/slide42.xml><?xml version="1.0" encoding="utf-8"?>
+<p:sld xmlns:a="http://schemas.openxmlformats.org/drawingml/2006/main" xmlns:r="http://schemas.openxmlformats.org/officeDocument/2006/relationships" xmlns:p="http://schemas.openxmlformats.org/presentationml/2006/main">
+  <p:cSld>
+    <p:spTree>
+      <p:nvGrpSpPr>
+        <p:cNvPr id="1" name=""/>
+        <p:cNvGrpSpPr/>
+        <p:nvPr/>
+      </p:nvGrpSpPr>
+      <p:grpSpPr>
+        <a:xfrm>
+          <a:off x="0" y="0"/>
+          <a:ext cx="0" cy="0"/>
+          <a:chOff x="0" y="0"/>
+          <a:chExt cx="0" cy="0"/>
+        </a:xfrm>
+      </p:grpSpPr>
+      <p:pic>
+        <p:nvPicPr>
+          <p:cNvPr id="4" name="Picture 2" descr="Slide kết thúc trong PowerPoint đẹp (16)"/>
+          <p:cNvPicPr>
+            <a:picLocks noChangeAspect="1" noChangeArrowheads="1"/>
+          </p:cNvPicPr>
+          <p:nvPr/>
+        </p:nvPicPr>
+        <p:blipFill>
+          <a:blip r:embed="rId2">
+            <a:extLst>
+              <a:ext uri="{28A0092B-C50C-407E-A947-70E740481C1C}">
+                <a14:useLocalDpi xmlns:a14="http://schemas.microsoft.com/office/drawing/2010/main" val="0"/>
+              </a:ext>
+            </a:extLst>
+          </a:blip>
+          <a:srcRect/>
+          <a:stretch>
+            <a:fillRect/>
+          </a:stretch>
+        </p:blipFill>
+        <p:spPr bwMode="auto">
+          <a:xfrm>
+            <a:off x="0" y="-14916"/>
+            <a:ext cx="9266738" cy="6903720"/>
+          </a:xfrm>
+          <a:prstGeom prst="rect">
+            <a:avLst/>
+          </a:prstGeom>
+          <a:noFill/>
+          <a:extLst>
+            <a:ext uri="{909E8E84-426E-40DD-AFC4-6F175D3DCCD1}">
+              <a14:hiddenFill xmlns:a14="http://schemas.microsoft.com/office/drawing/2010/main">
+                <a:solidFill>
+                  <a:srgbClr val="FFFFFF"/>
+                </a:solidFill>
+              </a14:hiddenFill>
+            </a:ext>
+          </a:extLst>
+        </p:spPr>
+      </p:pic>
+    </p:spTree>
+    <p:extLst>
+      <p:ext uri="{BB962C8B-B14F-4D97-AF65-F5344CB8AC3E}">
+        <p14:creationId xmlns:p14="http://schemas.microsoft.com/office/powerpoint/2010/main" val="3173544588"/>
       </p:ext>
     </p:extLst>
   </p:cSld>
@@ -19097,13 +22699,6 @@
               </a:rPr>
               <a:t>)</a:t>
             </a:r>
-            <a:endParaRPr lang="en-US" sz="3800" b="1" dirty="0" smtClean="0">
-              <a:solidFill>
-                <a:schemeClr val="tx2"/>
-              </a:solidFill>
-              <a:latin typeface="Arial" pitchFamily="34" charset="0"/>
-              <a:cs typeface="Arial" pitchFamily="34" charset="0"/>
-            </a:endParaRPr>
           </a:p>
         </p:txBody>
       </p:sp>
